--- a/Slides/020623.pptx
+++ b/Slides/020623.pptx
@@ -213,6 +213,43 @@
 </p:presentation>
 </file>
 
+<file path=ppt/revisionInfo.xml><?xml version="1.0" encoding="utf-8"?>
+<p1510:revInfo xmlns:a="http://schemas.openxmlformats.org/drawingml/2006/main" xmlns:r="http://schemas.openxmlformats.org/officeDocument/2006/relationships" xmlns:p1510="http://schemas.microsoft.com/office/powerpoint/2015/10/main">
+  <p1510:revLst>
+    <p1510:client id="{FEFABE4E-9186-4F17-A601-D603CE844C8C}" v="3" dt="2023-02-22T02:08:57.834"/>
+  </p1510:revLst>
+</p1510:revInfo>
+</file>
+
+<file path=ppt/changesInfos/changesInfo1.xml><?xml version="1.0" encoding="utf-8"?>
+<pc:chgInfo xmlns:a="http://schemas.openxmlformats.org/drawingml/2006/main" xmlns:r="http://schemas.openxmlformats.org/officeDocument/2006/relationships" xmlns:ac="http://schemas.microsoft.com/office/drawing/2013/main/command" xmlns:pc="http://schemas.microsoft.com/office/powerpoint/2013/main/command">
+  <pc:docChgLst>
+    <pc:chgData name="WaleyZheng" userId="01756ef2-d50c-4511-b73e-a73611b1d88b" providerId="ADAL" clId="{FEFABE4E-9186-4F17-A601-D603CE844C8C}"/>
+    <pc:docChg chg="modSld">
+      <pc:chgData name="WaleyZheng" userId="01756ef2-d50c-4511-b73e-a73611b1d88b" providerId="ADAL" clId="{FEFABE4E-9186-4F17-A601-D603CE844C8C}" dt="2023-02-22T02:08:57.834" v="1" actId="13926"/>
+      <pc:docMkLst>
+        <pc:docMk/>
+      </pc:docMkLst>
+      <pc:sldChg chg="modSp">
+        <pc:chgData name="WaleyZheng" userId="01756ef2-d50c-4511-b73e-a73611b1d88b" providerId="ADAL" clId="{FEFABE4E-9186-4F17-A601-D603CE844C8C}" dt="2023-02-22T02:08:57.834" v="1" actId="13926"/>
+        <pc:sldMkLst>
+          <pc:docMk/>
+          <pc:sldMk cId="266381162" sldId="525"/>
+        </pc:sldMkLst>
+        <pc:spChg chg="mod">
+          <ac:chgData name="WaleyZheng" userId="01756ef2-d50c-4511-b73e-a73611b1d88b" providerId="ADAL" clId="{FEFABE4E-9186-4F17-A601-D603CE844C8C}" dt="2023-02-22T02:08:57.834" v="1" actId="13926"/>
+          <ac:spMkLst>
+            <pc:docMk/>
+            <pc:sldMk cId="266381162" sldId="525"/>
+            <ac:spMk id="3" creationId="{00000000-0000-0000-0000-000000000000}"/>
+          </ac:spMkLst>
+        </pc:spChg>
+      </pc:sldChg>
+    </pc:docChg>
+  </pc:docChgLst>
+</pc:chgInfo>
+</file>
+
 <file path=ppt/handoutMasters/handoutMaster1.xml><?xml version="1.0" encoding="utf-8"?>
 <p:handoutMaster xmlns:a="http://schemas.openxmlformats.org/drawingml/2006/main" xmlns:r="http://schemas.openxmlformats.org/officeDocument/2006/relationships" xmlns:p="http://schemas.openxmlformats.org/presentationml/2006/main">
   <p:cSld>
@@ -737,10 +774,10 @@
           </a:ln>
           <a:extLst>
             <a:ext uri="{FAA26D3D-D897-4be2-8F04-BA451C77F1D7}">
-              <ma14:placeholderFlag xmlns="" xmlns:ma14="http://schemas.microsoft.com/office/mac/drawingml/2011/main" val="1"/>
+              <ma14:placeholderFlag xmlns:ma14="http://schemas.microsoft.com/office/mac/drawingml/2011/main" xmlns="" val="1"/>
             </a:ext>
             <a:ext uri="{909E8E84-426E-40dd-AFC4-6F175D3DCCD1}">
-              <a14:hiddenFill xmlns="" xmlns:a14="http://schemas.microsoft.com/office/drawing/2010/main">
+              <a14:hiddenFill xmlns:a14="http://schemas.microsoft.com/office/drawing/2010/main" xmlns="">
                 <a:solidFill>
                   <a:srgbClr val="FFFFFF"/>
                 </a:solidFill>
@@ -915,14 +952,14 @@
           <a:ln/>
           <a:extLst>
             <a:ext uri="{909E8E84-426E-40dd-AFC4-6F175D3DCCD1}">
-              <a14:hiddenFill xmlns="" xmlns:a14="http://schemas.microsoft.com/office/drawing/2010/main">
+              <a14:hiddenFill xmlns:a14="http://schemas.microsoft.com/office/drawing/2010/main" xmlns="">
                 <a:solidFill>
                   <a:srgbClr val="FFFFFF"/>
                 </a:solidFill>
               </a14:hiddenFill>
             </a:ext>
             <a:ext uri="{91240B29-F687-4f45-9708-019B960494DF}">
-              <a14:hiddenLine xmlns="" xmlns:a14="http://schemas.microsoft.com/office/drawing/2010/main" w="9525">
+              <a14:hiddenLine xmlns:a14="http://schemas.microsoft.com/office/drawing/2010/main" xmlns="" w="9525">
                 <a:solidFill>
                   <a:srgbClr val="000000"/>
                 </a:solidFill>
@@ -1090,17 +1127,17 @@
           <a:ln/>
           <a:extLst>
             <a:ext uri="{FAA26D3D-D897-4be2-8F04-BA451C77F1D7}">
-              <ma14:placeholderFlag xmlns="" xmlns:ma14="http://schemas.microsoft.com/office/mac/drawingml/2011/main" val="1"/>
+              <ma14:placeholderFlag xmlns:ma14="http://schemas.microsoft.com/office/mac/drawingml/2011/main" xmlns="" val="1"/>
             </a:ext>
             <a:ext uri="{909E8E84-426E-40dd-AFC4-6F175D3DCCD1}">
-              <a14:hiddenFill xmlns="" xmlns:a14="http://schemas.microsoft.com/office/drawing/2010/main">
+              <a14:hiddenFill xmlns:a14="http://schemas.microsoft.com/office/drawing/2010/main" xmlns="">
                 <a:solidFill>
                   <a:srgbClr val="FFFFFF"/>
                 </a:solidFill>
               </a14:hiddenFill>
             </a:ext>
             <a:ext uri="{91240B29-F687-4f45-9708-019B960494DF}">
-              <a14:hiddenLine xmlns="" xmlns:a14="http://schemas.microsoft.com/office/drawing/2010/main" w="9525">
+              <a14:hiddenLine xmlns:a14="http://schemas.microsoft.com/office/drawing/2010/main" xmlns="" w="9525">
                 <a:solidFill>
                   <a:srgbClr val="000000"/>
                 </a:solidFill>
@@ -1179,7 +1216,7 @@
           <a:bodyPr/>
           <a:lstStyle/>
           <a:p>
-            <a:endParaRPr lang="en-US" dirty="0"/>
+            <a:endParaRPr lang="en-US"/>
           </a:p>
         </p:txBody>
       </p:sp>
@@ -1439,7 +1476,7 @@
           <a:bodyPr/>
           <a:lstStyle/>
           <a:p>
-            <a:endParaRPr lang="en-US" dirty="0"/>
+            <a:endParaRPr lang="en-US"/>
           </a:p>
         </p:txBody>
       </p:sp>
@@ -1529,7 +1566,7 @@
           <a:bodyPr/>
           <a:lstStyle/>
           <a:p>
-            <a:endParaRPr lang="en-US" dirty="0"/>
+            <a:endParaRPr lang="en-US"/>
           </a:p>
         </p:txBody>
       </p:sp>
@@ -1607,14 +1644,14 @@
           <a:ln/>
           <a:extLst>
             <a:ext uri="{909E8E84-426E-40dd-AFC4-6F175D3DCCD1}">
-              <a14:hiddenFill xmlns="" xmlns:a14="http://schemas.microsoft.com/office/drawing/2010/main">
+              <a14:hiddenFill xmlns:a14="http://schemas.microsoft.com/office/drawing/2010/main" xmlns="">
                 <a:solidFill>
                   <a:srgbClr val="FFFFFF"/>
                 </a:solidFill>
               </a14:hiddenFill>
             </a:ext>
             <a:ext uri="{91240B29-F687-4f45-9708-019B960494DF}">
-              <a14:hiddenLine xmlns="" xmlns:a14="http://schemas.microsoft.com/office/drawing/2010/main" w="9525">
+              <a14:hiddenLine xmlns:a14="http://schemas.microsoft.com/office/drawing/2010/main" xmlns="" w="9525">
                 <a:solidFill>
                   <a:srgbClr val="000000"/>
                 </a:solidFill>
@@ -1792,7 +1829,7 @@
           </a:ln>
           <a:extLst>
             <a:ext uri="{FAA26D3D-D897-4be2-8F04-BA451C77F1D7}">
-              <ma14:placeholderFlag xmlns="" xmlns:ma14="http://schemas.microsoft.com/office/mac/drawingml/2011/main" val="1"/>
+              <ma14:placeholderFlag xmlns:ma14="http://schemas.microsoft.com/office/mac/drawingml/2011/main" xmlns="" val="1"/>
             </a:ext>
           </a:extLst>
         </p:spPr>
@@ -2034,7 +2071,7 @@
           <a:bodyPr/>
           <a:lstStyle/>
           <a:p>
-            <a:endParaRPr lang="en-US" dirty="0"/>
+            <a:endParaRPr lang="en-US"/>
           </a:p>
         </p:txBody>
       </p:sp>
@@ -2119,7 +2156,7 @@
           </a:lstStyle>
           <a:p>
             <a:r>
-              <a:rPr lang="en-US" dirty="0"/>
+              <a:rPr lang="en-US"/>
               <a:t>Click to edit Master subtitle style</a:t>
             </a:r>
           </a:p>
@@ -2840,7 +2877,7 @@
           <a:lstStyle/>
           <a:p>
             <a:r>
-              <a:rPr lang="en-US" dirty="0"/>
+              <a:rPr lang="en-US"/>
               <a:t>Click to edit Master title style</a:t>
             </a:r>
           </a:p>
@@ -2863,35 +2900,35 @@
           <a:p>
             <a:pPr lvl="0"/>
             <a:r>
-              <a:rPr lang="en-US" dirty="0"/>
+              <a:rPr lang="en-US"/>
               <a:t>Click to edit Master text styles</a:t>
             </a:r>
           </a:p>
           <a:p>
             <a:pPr lvl="1"/>
             <a:r>
-              <a:rPr lang="en-US" dirty="0"/>
+              <a:rPr lang="en-US"/>
               <a:t>Second level</a:t>
             </a:r>
           </a:p>
           <a:p>
             <a:pPr lvl="2"/>
             <a:r>
-              <a:rPr lang="en-US" dirty="0"/>
+              <a:rPr lang="en-US"/>
               <a:t>Third level</a:t>
             </a:r>
           </a:p>
           <a:p>
             <a:pPr lvl="3"/>
             <a:r>
-              <a:rPr lang="en-US" dirty="0"/>
+              <a:rPr lang="en-US"/>
               <a:t>Fourth level</a:t>
             </a:r>
           </a:p>
           <a:p>
             <a:pPr lvl="4"/>
             <a:r>
-              <a:rPr lang="en-US" dirty="0"/>
+              <a:rPr lang="en-US"/>
               <a:t>Fifth level</a:t>
             </a:r>
           </a:p>
@@ -4978,17 +5015,17 @@
           </a:ln>
           <a:extLst>
             <a:ext uri="{FAA26D3D-D897-4be2-8F04-BA451C77F1D7}">
-              <ma14:placeholderFlag xmlns="" xmlns:ma14="http://schemas.microsoft.com/office/mac/drawingml/2011/main" val="1"/>
+              <ma14:placeholderFlag xmlns:ma14="http://schemas.microsoft.com/office/mac/drawingml/2011/main" xmlns="" val="1"/>
             </a:ext>
             <a:ext uri="{909E8E84-426E-40dd-AFC4-6F175D3DCCD1}">
-              <a14:hiddenFill xmlns="" xmlns:a14="http://schemas.microsoft.com/office/drawing/2010/main">
+              <a14:hiddenFill xmlns:a14="http://schemas.microsoft.com/office/drawing/2010/main" xmlns="">
                 <a:solidFill>
                   <a:srgbClr val="FFFFFF"/>
                 </a:solidFill>
               </a14:hiddenFill>
             </a:ext>
             <a:ext uri="{91240B29-F687-4f45-9708-019B960494DF}">
-              <a14:hiddenLine xmlns="" xmlns:a14="http://schemas.microsoft.com/office/drawing/2010/main" w="9525">
+              <a14:hiddenLine xmlns:a14="http://schemas.microsoft.com/office/drawing/2010/main" xmlns="" w="9525">
                 <a:solidFill>
                   <a:srgbClr val="000000"/>
                 </a:solidFill>
@@ -5009,35 +5046,35 @@
           <a:p>
             <a:pPr lvl="0"/>
             <a:r>
-              <a:rPr lang="en-US" dirty="0"/>
+              <a:rPr lang="en-US"/>
               <a:t>Click to edit Master text styles</a:t>
             </a:r>
           </a:p>
           <a:p>
             <a:pPr lvl="1"/>
             <a:r>
-              <a:rPr lang="en-US" dirty="0"/>
+              <a:rPr lang="en-US"/>
               <a:t>Second level</a:t>
             </a:r>
           </a:p>
           <a:p>
             <a:pPr lvl="2"/>
             <a:r>
-              <a:rPr lang="en-US" dirty="0"/>
+              <a:rPr lang="en-US"/>
               <a:t>Third level</a:t>
             </a:r>
           </a:p>
           <a:p>
             <a:pPr lvl="3"/>
             <a:r>
-              <a:rPr lang="en-US" dirty="0"/>
+              <a:rPr lang="en-US"/>
               <a:t>Fourth level</a:t>
             </a:r>
           </a:p>
           <a:p>
             <a:pPr lvl="4"/>
             <a:r>
-              <a:rPr lang="en-US" dirty="0"/>
+              <a:rPr lang="en-US"/>
               <a:t>Fifth level</a:t>
             </a:r>
           </a:p>
@@ -5080,7 +5117,7 @@
           <a:p>
             <a:pPr lvl="0"/>
             <a:r>
-              <a:rPr lang="en-US" dirty="0"/>
+              <a:rPr lang="en-US"/>
               <a:t>Click to edit Master title style</a:t>
             </a:r>
           </a:p>
@@ -5701,7 +5738,7 @@
           <a:p>
             <a:pPr algn="ctr"/>
             <a:r>
-              <a:rPr lang="en-US" dirty="0">
+              <a:rPr lang="en-US">
                 <a:effectLst/>
                 <a:latin typeface="Arial Black" charset="0"/>
                 <a:ea typeface="ＭＳ Ｐゴシック" charset="0"/>
@@ -5710,7 +5747,7 @@
               <a:t>EECS 489</a:t>
             </a:r>
             <a:br>
-              <a:rPr lang="en-US" dirty="0">
+              <a:rPr lang="en-US">
                 <a:effectLst/>
                 <a:latin typeface="Arial Black" charset="0"/>
                 <a:ea typeface="ＭＳ Ｐゴシック" charset="0"/>
@@ -5718,11 +5755,11 @@
               </a:rPr>
             </a:br>
             <a:r>
-              <a:rPr lang="en-US" dirty="0"/>
+              <a:rPr lang="en-US"/>
               <a:t>Computer Networks</a:t>
             </a:r>
             <a:br>
-              <a:rPr lang="en-US" dirty="0">
+              <a:rPr lang="en-US">
                 <a:effectLst/>
                 <a:latin typeface="Arial Black" charset="0"/>
                 <a:ea typeface="ＭＳ Ｐゴシック" charset="0"/>
@@ -5730,21 +5767,21 @@
               </a:rPr>
             </a:br>
             <a:br>
-              <a:rPr lang="en-US" sz="2400" dirty="0">
+              <a:rPr lang="en-US" sz="2400">
                 <a:latin typeface="Arial Black" charset="0"/>
                 <a:ea typeface="ＭＳ Ｐゴシック" charset="0"/>
                 <a:cs typeface="ＭＳ Ｐゴシック" charset="0"/>
               </a:rPr>
             </a:br>
             <a:r>
-              <a:rPr lang="en-US" sz="2400" dirty="0">
+              <a:rPr lang="en-US" sz="2400">
                 <a:latin typeface="Arial Black" charset="0"/>
                 <a:ea typeface="ＭＳ Ｐゴシック" charset="0"/>
                 <a:cs typeface="ＭＳ Ｐゴシック" charset="0"/>
               </a:rPr>
               <a:t>Winter 2023</a:t>
             </a:r>
-            <a:endParaRPr lang="en-US" dirty="0">
+            <a:endParaRPr lang="en-US">
               <a:effectLst/>
               <a:latin typeface="Arial Black" charset="0"/>
               <a:ea typeface="ＭＳ Ｐゴシック" charset="0"/>
@@ -5774,7 +5811,7 @@
           <a:lstStyle/>
           <a:p>
             <a:r>
-              <a:rPr lang="en-US" dirty="0">
+              <a:rPr lang="en-US">
                 <a:latin typeface="Arial" charset="0"/>
                 <a:ea typeface="ＭＳ Ｐゴシック" charset="0"/>
                 <a:cs typeface="ＭＳ Ｐゴシック" charset="0"/>
@@ -5787,7 +5824,7 @@
               <a:buFont typeface="Monotype Sorts" charset="0"/>
               <a:buNone/>
             </a:pPr>
-            <a:endParaRPr lang="en-US" dirty="0">
+            <a:endParaRPr lang="en-US">
               <a:latin typeface="Arial" charset="0"/>
               <a:ea typeface="ＭＳ Ｐゴシック" charset="0"/>
               <a:cs typeface="ＭＳ Ｐゴシック" charset="0"/>
@@ -5798,7 +5835,7 @@
               <a:buFont typeface="Monotype Sorts" charset="0"/>
               <a:buNone/>
             </a:pPr>
-            <a:endParaRPr lang="en-US" dirty="0">
+            <a:endParaRPr lang="en-US">
               <a:latin typeface="Arial" charset="0"/>
               <a:ea typeface="ＭＳ Ｐゴシック" charset="0"/>
               <a:cs typeface="ＭＳ Ｐゴシック" charset="0"/>
@@ -5807,7 +5844,7 @@
           <a:p>
             <a:pPr algn="l"/>
             <a:r>
-              <a:rPr lang="en-US" sz="1800" i="1" dirty="0">
+              <a:rPr lang="en-US" sz="1800" i="1">
                 <a:latin typeface="Arial" charset="0"/>
                 <a:ea typeface="ＭＳ Ｐゴシック" charset="0"/>
                 <a:cs typeface="ＭＳ Ｐゴシック" charset="0"/>
@@ -5815,7 +5852,7 @@
               <a:t>Material with thanks to Aditya </a:t>
             </a:r>
             <a:r>
-              <a:rPr lang="en-US" sz="1800" i="1" dirty="0" err="1">
+              <a:rPr lang="en-US" sz="1800" i="1" err="1">
                 <a:latin typeface="Arial" charset="0"/>
                 <a:ea typeface="ＭＳ Ｐゴシック" charset="0"/>
                 <a:cs typeface="ＭＳ Ｐゴシック" charset="0"/>
@@ -5823,7 +5860,7 @@
               <a:t>Akella</a:t>
             </a:r>
             <a:r>
-              <a:rPr lang="en-US" sz="1800" i="1" dirty="0">
+              <a:rPr lang="en-US" sz="1800" i="1">
                 <a:latin typeface="Arial" charset="0"/>
                 <a:ea typeface="ＭＳ Ｐゴシック" charset="0"/>
                 <a:cs typeface="ＭＳ Ｐゴシック" charset="0"/>
@@ -5831,7 +5868,7 @@
               <a:t>, </a:t>
             </a:r>
             <a:r>
-              <a:rPr lang="en-US" sz="1800" i="1" dirty="0" err="1">
+              <a:rPr lang="en-US" sz="1800" i="1" err="1">
                 <a:latin typeface="Arial" charset="0"/>
                 <a:ea typeface="ＭＳ Ｐゴシック" charset="0"/>
                 <a:cs typeface="ＭＳ Ｐゴシック" charset="0"/>
@@ -5839,7 +5876,7 @@
               <a:t>Sugih</a:t>
             </a:r>
             <a:r>
-              <a:rPr lang="en-US" sz="1800" i="1" dirty="0">
+              <a:rPr lang="en-US" sz="1800" i="1">
                 <a:latin typeface="Arial" charset="0"/>
                 <a:ea typeface="ＭＳ Ｐゴシック" charset="0"/>
                 <a:cs typeface="ＭＳ Ｐゴシック" charset="0"/>
@@ -5847,7 +5884,7 @@
               <a:t> </a:t>
             </a:r>
             <a:r>
-              <a:rPr lang="en-US" sz="1800" i="1" dirty="0" err="1">
+              <a:rPr lang="en-US" sz="1800" i="1" err="1">
                 <a:latin typeface="Arial" charset="0"/>
                 <a:ea typeface="ＭＳ Ｐゴシック" charset="0"/>
                 <a:cs typeface="ＭＳ Ｐゴシック" charset="0"/>
@@ -5855,7 +5892,7 @@
               <a:t>Jamin</a:t>
             </a:r>
             <a:r>
-              <a:rPr lang="en-US" sz="1800" i="1" dirty="0">
+              <a:rPr lang="en-US" sz="1800" i="1">
                 <a:latin typeface="Arial" charset="0"/>
                 <a:ea typeface="ＭＳ Ｐゴシック" charset="0"/>
                 <a:cs typeface="ＭＳ Ｐゴシック" charset="0"/>
@@ -5863,7 +5900,7 @@
               <a:t>, Philip Levis, Sylvia Ratnasamy, Peter </a:t>
             </a:r>
             <a:r>
-              <a:rPr lang="en-US" sz="1800" i="1" dirty="0" err="1">
+              <a:rPr lang="en-US" sz="1800" i="1" err="1">
                 <a:latin typeface="Arial" charset="0"/>
                 <a:ea typeface="ＭＳ Ｐゴシック" charset="0"/>
                 <a:cs typeface="ＭＳ Ｐゴシック" charset="0"/>
@@ -5871,7 +5908,7 @@
               <a:t>Steenkiste</a:t>
             </a:r>
             <a:r>
-              <a:rPr lang="en-US" sz="1800" i="1" dirty="0">
+              <a:rPr lang="en-US" sz="1800" i="1">
                 <a:latin typeface="Arial" charset="0"/>
                 <a:ea typeface="ＭＳ Ｐゴシック" charset="0"/>
                 <a:cs typeface="ＭＳ Ｐゴシック" charset="0"/>
@@ -5884,7 +5921,7 @@
               <a:buFont typeface="Monotype Sorts" charset="0"/>
               <a:buNone/>
             </a:pPr>
-            <a:endParaRPr lang="en-US" dirty="0">
+            <a:endParaRPr lang="en-US">
               <a:latin typeface="Arial" charset="0"/>
               <a:ea typeface="ＭＳ Ｐゴシック" charset="0"/>
               <a:cs typeface="ＭＳ Ｐゴシック" charset="0"/>
@@ -5895,7 +5932,7 @@
               <a:buFont typeface="Monotype Sorts" charset="0"/>
               <a:buNone/>
             </a:pPr>
-            <a:endParaRPr lang="en-US" dirty="0">
+            <a:endParaRPr lang="en-US">
               <a:effectLst>
                 <a:outerShdw blurRad="38100" dist="38100" dir="2700000" algn="tl">
                   <a:srgbClr val="DDDDDD"/>
@@ -5949,7 +5986,7 @@
           <a:lstStyle/>
           <a:p>
             <a:r>
-              <a:rPr lang="en-US" dirty="0"/>
+              <a:rPr lang="en-US"/>
               <a:t>Not done yet!</a:t>
             </a:r>
           </a:p>
@@ -5971,7 +6008,7 @@
           <a:lstStyle/>
           <a:p>
             <a:r>
-              <a:rPr lang="en-US" dirty="0">
+              <a:rPr lang="en-US">
                 <a:solidFill>
                   <a:srgbClr val="0000FF"/>
                 </a:solidFill>
@@ -5979,7 +6016,7 @@
               <a:t>Problem</a:t>
             </a:r>
             <a:r>
-              <a:rPr lang="en-US" dirty="0"/>
+              <a:rPr lang="en-US"/>
               <a:t>: congestion avoidance too slow in recovering from an isolated loss </a:t>
             </a:r>
           </a:p>
@@ -6108,7 +6145,6 @@
               <a:rPr lang="en-US"/>
               <a:t>Example</a:t>
             </a:r>
-            <a:endParaRPr lang="en-US" dirty="0"/>
           </a:p>
         </p:txBody>
       </p:sp>
@@ -6128,41 +6164,41 @@
           <a:lstStyle/>
           <a:p>
             <a:r>
-              <a:rPr lang="en-US" dirty="0"/>
+              <a:rPr lang="en-US"/>
               <a:t>Consider a TCP connection with:</a:t>
             </a:r>
           </a:p>
           <a:p>
             <a:pPr lvl="1"/>
             <a:r>
-              <a:rPr lang="en-US" dirty="0"/>
+              <a:rPr lang="en-US"/>
               <a:t>CWND=10 packets</a:t>
             </a:r>
           </a:p>
           <a:p>
             <a:pPr lvl="1"/>
             <a:r>
-              <a:rPr lang="en-US" dirty="0"/>
+              <a:rPr lang="en-US"/>
               <a:t>Last ACK was for packet # 101</a:t>
             </a:r>
           </a:p>
           <a:p>
             <a:pPr lvl="2"/>
             <a:r>
-              <a:rPr lang="en-US" dirty="0"/>
+              <a:rPr lang="en-US"/>
               <a:t>i.e., receiver expecting next packet to have seq. no. 101</a:t>
             </a:r>
           </a:p>
           <a:p>
             <a:r>
-              <a:rPr lang="en-US" dirty="0"/>
+              <a:rPr lang="en-US"/>
               <a:t>10 packets [101, 102, 103,…, 110] are in flight</a:t>
             </a:r>
           </a:p>
           <a:p>
             <a:pPr lvl="1"/>
             <a:r>
-              <a:rPr lang="en-US" dirty="0"/>
+              <a:rPr lang="en-US"/>
               <a:t>Packet 101 is dropped</a:t>
             </a:r>
           </a:p>
@@ -6543,11 +6579,11 @@
           <a:lstStyle/>
           <a:p>
             <a:r>
-              <a:rPr lang="en-US" dirty="0"/>
+              <a:rPr lang="en-US"/>
               <a:t>Timeline: [</a:t>
             </a:r>
             <a:r>
-              <a:rPr lang="en-US" dirty="0">
+              <a:rPr lang="en-US">
                 <a:solidFill>
                   <a:srgbClr val="D3A600"/>
                 </a:solidFill>
@@ -6555,7 +6591,7 @@
               <a:t>101</a:t>
             </a:r>
             <a:r>
-              <a:rPr lang="en-US" dirty="0"/>
+              <a:rPr lang="en-US"/>
               <a:t>, 102, …, 110]</a:t>
             </a:r>
           </a:p>
@@ -6577,73 +6613,73 @@
           <a:lstStyle/>
           <a:p>
             <a:r>
-              <a:rPr lang="en-US" sz="2000" dirty="0"/>
+              <a:rPr lang="en-US" sz="2000"/>
               <a:t>ACK 101 (due to 102)  </a:t>
             </a:r>
             <a:r>
-              <a:rPr lang="en-US" sz="2000" dirty="0" err="1"/>
+              <a:rPr lang="en-US" sz="2000" err="1"/>
               <a:t>cwnd</a:t>
             </a:r>
             <a:r>
-              <a:rPr lang="en-US" sz="2000" dirty="0"/>
+              <a:rPr lang="en-US" sz="2000"/>
               <a:t>=10  dupACK#1 (no </a:t>
             </a:r>
             <a:r>
-              <a:rPr lang="en-US" sz="2000" dirty="0" err="1"/>
+              <a:rPr lang="en-US" sz="2000" err="1"/>
               <a:t>xmit</a:t>
             </a:r>
             <a:r>
-              <a:rPr lang="en-US" sz="2000" dirty="0"/>
+              <a:rPr lang="en-US" sz="2000"/>
               <a:t>)</a:t>
             </a:r>
           </a:p>
           <a:p>
             <a:r>
-              <a:rPr lang="en-US" sz="2000" dirty="0"/>
+              <a:rPr lang="en-US" sz="2000"/>
               <a:t>ACK 101 (due to 103)  </a:t>
             </a:r>
             <a:r>
-              <a:rPr lang="en-US" sz="2000" dirty="0" err="1"/>
+              <a:rPr lang="en-US" sz="2000" err="1"/>
               <a:t>cwnd</a:t>
             </a:r>
             <a:r>
-              <a:rPr lang="en-US" sz="2000" dirty="0"/>
+              <a:rPr lang="en-US" sz="2000"/>
               <a:t>=10  dupACK#2 (no </a:t>
             </a:r>
             <a:r>
-              <a:rPr lang="en-US" sz="2000" dirty="0" err="1"/>
+              <a:rPr lang="en-US" sz="2000" err="1"/>
               <a:t>xmit</a:t>
             </a:r>
             <a:r>
-              <a:rPr lang="en-US" sz="2000" dirty="0"/>
+              <a:rPr lang="en-US" sz="2000"/>
               <a:t>)</a:t>
             </a:r>
           </a:p>
           <a:p>
             <a:r>
-              <a:rPr lang="en-US" sz="2000" dirty="0"/>
+              <a:rPr lang="en-US" sz="2000"/>
               <a:t>ACK 101 (due to 104)  </a:t>
             </a:r>
             <a:r>
-              <a:rPr lang="en-US" sz="2000" dirty="0" err="1"/>
+              <a:rPr lang="en-US" sz="2000" err="1"/>
               <a:t>cwnd</a:t>
             </a:r>
             <a:r>
-              <a:rPr lang="en-US" sz="2000" dirty="0"/>
+              <a:rPr lang="en-US" sz="2000"/>
               <a:t>=10  dupACK#3 (no </a:t>
             </a:r>
             <a:r>
-              <a:rPr lang="en-US" sz="2000" dirty="0" err="1"/>
+              <a:rPr lang="en-US" sz="2000" err="1"/>
               <a:t>xmit</a:t>
             </a:r>
             <a:r>
-              <a:rPr lang="en-US" sz="2000" dirty="0"/>
+              <a:rPr lang="en-US" sz="2000"/>
               <a:t>)</a:t>
             </a:r>
           </a:p>
           <a:p>
             <a:r>
-              <a:rPr lang="en-US" sz="2000" dirty="0">
+              <a:rPr lang="en-US" sz="2000">
                 <a:solidFill>
                   <a:srgbClr val="0000FF"/>
                 </a:solidFill>
@@ -6651,7 +6687,7 @@
               <a:t>RETRANSMIT 101 </a:t>
             </a:r>
             <a:r>
-              <a:rPr lang="en-US" sz="2000" dirty="0" err="1">
+              <a:rPr lang="en-US" sz="2000" err="1">
                 <a:solidFill>
                   <a:srgbClr val="0000FF"/>
                 </a:solidFill>
@@ -6659,7 +6695,7 @@
               <a:t>ssthresh</a:t>
             </a:r>
             <a:r>
-              <a:rPr lang="en-US" sz="2000" dirty="0">
+              <a:rPr lang="en-US" sz="2000">
                 <a:solidFill>
                   <a:srgbClr val="0000FF"/>
                 </a:solidFill>
@@ -6667,7 +6703,7 @@
               <a:t>=5  </a:t>
             </a:r>
             <a:r>
-              <a:rPr lang="en-US" sz="2000" dirty="0" err="1">
+              <a:rPr lang="en-US" sz="2000" err="1">
                 <a:solidFill>
                   <a:srgbClr val="0000FF"/>
                 </a:solidFill>
@@ -6675,7 +6711,7 @@
               <a:t>cwnd</a:t>
             </a:r>
             <a:r>
-              <a:rPr lang="en-US" sz="2000" dirty="0">
+              <a:rPr lang="en-US" sz="2000">
                 <a:solidFill>
                   <a:srgbClr val="0000FF"/>
                 </a:solidFill>
@@ -6685,139 +6721,139 @@
           </a:p>
           <a:p>
             <a:r>
-              <a:rPr lang="en-US" sz="2000" dirty="0"/>
+              <a:rPr lang="en-US" sz="2000"/>
               <a:t>ACK 101 (due to 105)  </a:t>
             </a:r>
             <a:r>
-              <a:rPr lang="en-US" sz="2000" dirty="0" err="1"/>
+              <a:rPr lang="en-US" sz="2000" err="1"/>
               <a:t>cwnd</a:t>
             </a:r>
             <a:r>
-              <a:rPr lang="en-US" sz="2000" dirty="0"/>
+              <a:rPr lang="en-US" sz="2000"/>
               <a:t>=5 + 1/5 (no </a:t>
             </a:r>
             <a:r>
-              <a:rPr lang="en-US" sz="2000" dirty="0" err="1"/>
+              <a:rPr lang="en-US" sz="2000" err="1"/>
               <a:t>xmit</a:t>
             </a:r>
             <a:r>
-              <a:rPr lang="en-US" sz="2000" dirty="0"/>
+              <a:rPr lang="en-US" sz="2000"/>
               <a:t>)</a:t>
             </a:r>
           </a:p>
           <a:p>
             <a:r>
-              <a:rPr lang="en-US" sz="2000" dirty="0"/>
+              <a:rPr lang="en-US" sz="2000"/>
               <a:t>ACK 101 (due to 106)  </a:t>
             </a:r>
             <a:r>
-              <a:rPr lang="en-US" sz="2000" dirty="0" err="1"/>
+              <a:rPr lang="en-US" sz="2000" err="1"/>
               <a:t>cwnd</a:t>
             </a:r>
             <a:r>
-              <a:rPr lang="en-US" sz="2000" dirty="0"/>
+              <a:rPr lang="en-US" sz="2000"/>
               <a:t>=5 + 2/5 (no </a:t>
             </a:r>
             <a:r>
-              <a:rPr lang="en-US" sz="2000" dirty="0" err="1"/>
+              <a:rPr lang="en-US" sz="2000" err="1"/>
               <a:t>xmit</a:t>
             </a:r>
             <a:r>
-              <a:rPr lang="en-US" sz="2000" dirty="0"/>
+              <a:rPr lang="en-US" sz="2000"/>
               <a:t>)</a:t>
             </a:r>
           </a:p>
           <a:p>
             <a:r>
-              <a:rPr lang="en-US" sz="2000" dirty="0"/>
+              <a:rPr lang="en-US" sz="2000"/>
               <a:t>ACK 101 (due to 107)  </a:t>
             </a:r>
             <a:r>
-              <a:rPr lang="en-US" sz="2000" dirty="0" err="1"/>
+              <a:rPr lang="en-US" sz="2000" err="1"/>
               <a:t>cwnd</a:t>
             </a:r>
             <a:r>
-              <a:rPr lang="en-US" sz="2000" dirty="0"/>
+              <a:rPr lang="en-US" sz="2000"/>
               <a:t>=5 + 3/5 (no </a:t>
             </a:r>
             <a:r>
-              <a:rPr lang="en-US" sz="2000" dirty="0" err="1"/>
+              <a:rPr lang="en-US" sz="2000" err="1"/>
               <a:t>xmit</a:t>
             </a:r>
             <a:r>
-              <a:rPr lang="en-US" sz="2000" dirty="0"/>
+              <a:rPr lang="en-US" sz="2000"/>
               <a:t>)</a:t>
             </a:r>
           </a:p>
           <a:p>
             <a:r>
-              <a:rPr lang="en-US" sz="2000" dirty="0"/>
+              <a:rPr lang="en-US" sz="2000"/>
               <a:t>ACK 101 (due to 108)  </a:t>
             </a:r>
             <a:r>
-              <a:rPr lang="en-US" sz="2000" dirty="0" err="1"/>
+              <a:rPr lang="en-US" sz="2000" err="1"/>
               <a:t>cwnd</a:t>
             </a:r>
             <a:r>
-              <a:rPr lang="en-US" sz="2000" dirty="0"/>
+              <a:rPr lang="en-US" sz="2000"/>
               <a:t>=5 + 4/5 (no </a:t>
             </a:r>
             <a:r>
-              <a:rPr lang="en-US" sz="2000" dirty="0" err="1"/>
+              <a:rPr lang="en-US" sz="2000" err="1"/>
               <a:t>xmit</a:t>
             </a:r>
             <a:r>
-              <a:rPr lang="en-US" sz="2000" dirty="0"/>
+              <a:rPr lang="en-US" sz="2000"/>
               <a:t>)</a:t>
             </a:r>
           </a:p>
           <a:p>
             <a:r>
-              <a:rPr lang="en-US" sz="2000" dirty="0"/>
+              <a:rPr lang="en-US" sz="2000"/>
               <a:t>ACK 101 (due to 109)  </a:t>
             </a:r>
             <a:r>
-              <a:rPr lang="en-US" sz="2000" dirty="0" err="1"/>
+              <a:rPr lang="en-US" sz="2000" err="1"/>
               <a:t>cwnd</a:t>
             </a:r>
             <a:r>
-              <a:rPr lang="en-US" sz="2000" dirty="0"/>
+              <a:rPr lang="en-US" sz="2000"/>
               <a:t>=5 + 5/5 (no </a:t>
             </a:r>
             <a:r>
-              <a:rPr lang="en-US" sz="2000" dirty="0" err="1"/>
+              <a:rPr lang="en-US" sz="2000" err="1"/>
               <a:t>xmit</a:t>
             </a:r>
             <a:r>
-              <a:rPr lang="en-US" sz="2000" dirty="0"/>
+              <a:rPr lang="en-US" sz="2000"/>
               <a:t>)</a:t>
             </a:r>
           </a:p>
           <a:p>
             <a:r>
-              <a:rPr lang="en-US" sz="2000" dirty="0"/>
+              <a:rPr lang="en-US" sz="2000"/>
               <a:t>ACK 101 (due to 110)  </a:t>
             </a:r>
             <a:r>
-              <a:rPr lang="en-US" sz="2000" dirty="0" err="1"/>
+              <a:rPr lang="en-US" sz="2000" err="1"/>
               <a:t>cwnd</a:t>
             </a:r>
             <a:r>
-              <a:rPr lang="en-US" sz="2000" dirty="0"/>
+              <a:rPr lang="en-US" sz="2000"/>
               <a:t>=6 + 1/6 (no </a:t>
             </a:r>
             <a:r>
-              <a:rPr lang="en-US" sz="2000" dirty="0" err="1"/>
+              <a:rPr lang="en-US" sz="2000" err="1"/>
               <a:t>xmit</a:t>
             </a:r>
             <a:r>
-              <a:rPr lang="en-US" sz="2000" dirty="0"/>
+              <a:rPr lang="en-US" sz="2000"/>
               <a:t>)</a:t>
             </a:r>
           </a:p>
           <a:p>
             <a:r>
-              <a:rPr lang="en-US" sz="2000" dirty="0">
+              <a:rPr lang="en-US" sz="2000">
                 <a:solidFill>
                   <a:srgbClr val="0000FF"/>
                 </a:solidFill>
@@ -6825,7 +6861,7 @@
               <a:t>ACK 111 (due to 101)  </a:t>
             </a:r>
             <a:r>
-              <a:rPr lang="en-US" sz="2000" dirty="0">
+              <a:rPr lang="en-US" sz="2000">
                 <a:solidFill>
                   <a:srgbClr val="0000FF"/>
                 </a:solidFill>
@@ -6836,7 +6872,7 @@
           </a:p>
           <a:p>
             <a:r>
-              <a:rPr lang="en-US" sz="2000" dirty="0">
+              <a:rPr lang="en-US" sz="2000">
                 <a:solidFill>
                   <a:srgbClr val="0000FF"/>
                 </a:solidFill>
@@ -6945,7 +6981,7 @@
           <a:p>
             <a:pPr algn="ctr"/>
             <a:r>
-              <a:rPr lang="en-US" sz="6000" dirty="0">
+              <a:rPr lang="en-US" sz="6000">
                 <a:solidFill>
                   <a:srgbClr val="FF0000"/>
                 </a:solidFill>
@@ -6956,7 +6992,7 @@
               </a:rPr>
               <a:t>✗</a:t>
             </a:r>
-            <a:endParaRPr lang="en-US" sz="6000" dirty="0">
+            <a:endParaRPr lang="en-US" sz="6000">
               <a:solidFill>
                 <a:srgbClr val="FF0000"/>
               </a:solidFill>
@@ -7585,7 +7621,6 @@
               <a:rPr lang="en-US"/>
               <a:t>Solution: Fast recovery</a:t>
             </a:r>
-            <a:endParaRPr lang="en-US" dirty="0"/>
           </a:p>
         </p:txBody>
       </p:sp>
@@ -7605,51 +7640,51 @@
           <a:lstStyle/>
           <a:p>
             <a:r>
-              <a:rPr lang="en-US" dirty="0"/>
+              <a:rPr lang="en-US"/>
               <a:t>Idea: Grant the sender temporary “credit” for each dupACK so as to keep packets in flight</a:t>
             </a:r>
           </a:p>
           <a:p>
             <a:r>
-              <a:rPr lang="en-US" dirty="0"/>
+              <a:rPr lang="en-US"/>
               <a:t>If </a:t>
             </a:r>
             <a:r>
-              <a:rPr lang="en-US" dirty="0" err="1"/>
+              <a:rPr lang="en-US" err="1"/>
               <a:t>dupACKcount</a:t>
             </a:r>
             <a:r>
-              <a:rPr lang="en-US" dirty="0"/>
+              <a:rPr lang="en-US"/>
               <a:t> = 3 </a:t>
             </a:r>
           </a:p>
           <a:p>
             <a:pPr lvl="1"/>
             <a:r>
-              <a:rPr lang="en-US" dirty="0"/>
+              <a:rPr lang="en-US"/>
               <a:t> </a:t>
             </a:r>
             <a:r>
-              <a:rPr lang="en-US" dirty="0" err="1"/>
+              <a:rPr lang="en-US" err="1"/>
               <a:t>ssthresh</a:t>
             </a:r>
             <a:r>
-              <a:rPr lang="en-US" dirty="0"/>
+              <a:rPr lang="en-US"/>
               <a:t> = CWND/2</a:t>
             </a:r>
           </a:p>
           <a:p>
             <a:pPr lvl="1"/>
             <a:r>
-              <a:rPr lang="en-US" dirty="0"/>
+              <a:rPr lang="en-US"/>
               <a:t> CWND = </a:t>
             </a:r>
             <a:r>
-              <a:rPr lang="en-US" dirty="0" err="1"/>
+              <a:rPr lang="en-US" err="1"/>
               <a:t>ssthresh</a:t>
             </a:r>
             <a:r>
-              <a:rPr lang="en-US" dirty="0">
+              <a:rPr lang="en-US">
                 <a:solidFill>
                   <a:srgbClr val="0000FF"/>
                 </a:solidFill>
@@ -7659,7 +7694,7 @@
           </a:p>
           <a:p>
             <a:r>
-              <a:rPr lang="en-US" dirty="0">
+              <a:rPr lang="en-US">
                 <a:solidFill>
                   <a:srgbClr val="0000FF"/>
                 </a:solidFill>
@@ -7670,13 +7705,13 @@
           <a:p>
             <a:pPr lvl="1"/>
             <a:r>
-              <a:rPr lang="en-US" dirty="0"/>
+              <a:rPr lang="en-US"/>
               <a:t>CWND = CWND + 1 for each additional dupACK</a:t>
             </a:r>
           </a:p>
           <a:p>
             <a:r>
-              <a:rPr lang="en-US" dirty="0">
+              <a:rPr lang="en-US">
                 <a:solidFill>
                   <a:srgbClr val="0000FF"/>
                 </a:solidFill>
@@ -7684,21 +7719,21 @@
               <a:t>Exit fast recovery</a:t>
             </a:r>
             <a:r>
-              <a:rPr lang="en-US" dirty="0"/>
+              <a:rPr lang="en-US"/>
               <a:t> after receiving new ACK</a:t>
             </a:r>
           </a:p>
           <a:p>
             <a:pPr lvl="1"/>
             <a:r>
-              <a:rPr lang="en-US" dirty="0"/>
+              <a:rPr lang="en-US"/>
               <a:t>set CWND = </a:t>
             </a:r>
             <a:r>
-              <a:rPr lang="en-US" dirty="0" err="1"/>
+              <a:rPr lang="en-US" err="1"/>
               <a:t>ssthresh</a:t>
             </a:r>
-            <a:endParaRPr lang="en-US" dirty="0"/>
+            <a:endParaRPr lang="en-US"/>
           </a:p>
         </p:txBody>
       </p:sp>
@@ -8172,7 +8207,6 @@
               <a:rPr lang="en-US"/>
               <a:t>Example</a:t>
             </a:r>
-            <a:endParaRPr lang="en-US" dirty="0"/>
           </a:p>
         </p:txBody>
       </p:sp>
@@ -8192,41 +8226,41 @@
           <a:lstStyle/>
           <a:p>
             <a:r>
-              <a:rPr lang="en-US" dirty="0"/>
+              <a:rPr lang="en-US"/>
               <a:t>Consider a TCP connection with:</a:t>
             </a:r>
           </a:p>
           <a:p>
             <a:pPr lvl="1"/>
             <a:r>
-              <a:rPr lang="en-US" dirty="0"/>
+              <a:rPr lang="en-US"/>
               <a:t>CWND=10 packets</a:t>
             </a:r>
           </a:p>
           <a:p>
             <a:pPr lvl="1"/>
             <a:r>
-              <a:rPr lang="en-US" dirty="0"/>
+              <a:rPr lang="en-US"/>
               <a:t>Last ACK was for packet # 101</a:t>
             </a:r>
           </a:p>
           <a:p>
             <a:pPr lvl="2"/>
             <a:r>
-              <a:rPr lang="en-US" dirty="0"/>
+              <a:rPr lang="en-US"/>
               <a:t>i.e., receiver expecting next packet to have seq. no. 101</a:t>
             </a:r>
           </a:p>
           <a:p>
             <a:r>
-              <a:rPr lang="en-US" dirty="0"/>
+              <a:rPr lang="en-US"/>
               <a:t>10 packets [101, 102, 103,…, 110] are in flight</a:t>
             </a:r>
           </a:p>
           <a:p>
             <a:pPr lvl="1"/>
             <a:r>
-              <a:rPr lang="en-US" dirty="0"/>
+              <a:rPr lang="en-US"/>
               <a:t>Packet 101 is dropped</a:t>
             </a:r>
           </a:p>
@@ -8352,11 +8386,11 @@
           <a:lstStyle/>
           <a:p>
             <a:r>
-              <a:rPr lang="en-US" dirty="0"/>
+              <a:rPr lang="en-US"/>
               <a:t>Timeline: [</a:t>
             </a:r>
             <a:r>
-              <a:rPr lang="en-US" dirty="0">
+              <a:rPr lang="en-US">
                 <a:solidFill>
                   <a:srgbClr val="D3A600"/>
                 </a:solidFill>
@@ -8364,7 +8398,7 @@
               <a:t>101</a:t>
             </a:r>
             <a:r>
-              <a:rPr lang="en-US" dirty="0"/>
+              <a:rPr lang="en-US"/>
               <a:t>, 102, …, 110]</a:t>
             </a:r>
           </a:p>
@@ -8386,49 +8420,49 @@
           <a:lstStyle/>
           <a:p>
             <a:r>
-              <a:rPr lang="en-US" sz="2000" dirty="0"/>
+              <a:rPr lang="en-US" sz="2000"/>
               <a:t>ACK 101 (due to 102)  </a:t>
             </a:r>
             <a:r>
-              <a:rPr lang="en-US" sz="2000" dirty="0" err="1"/>
+              <a:rPr lang="en-US" sz="2000" err="1"/>
               <a:t>cwnd</a:t>
             </a:r>
             <a:r>
-              <a:rPr lang="en-US" sz="2000" dirty="0"/>
+              <a:rPr lang="en-US" sz="2000"/>
               <a:t>=10  dup#1</a:t>
             </a:r>
           </a:p>
           <a:p>
             <a:r>
-              <a:rPr lang="en-US" sz="2000" dirty="0"/>
+              <a:rPr lang="en-US" sz="2000"/>
               <a:t>ACK 101 (due to 103)  </a:t>
             </a:r>
             <a:r>
-              <a:rPr lang="en-US" sz="2000" dirty="0" err="1"/>
+              <a:rPr lang="en-US" sz="2000" err="1"/>
               <a:t>cwnd</a:t>
             </a:r>
             <a:r>
-              <a:rPr lang="en-US" sz="2000" dirty="0"/>
+              <a:rPr lang="en-US" sz="2000"/>
               <a:t>=10  dup#2</a:t>
             </a:r>
           </a:p>
           <a:p>
             <a:r>
-              <a:rPr lang="en-US" sz="2000" dirty="0"/>
+              <a:rPr lang="en-US" sz="2000"/>
               <a:t>ACK 101 (due to 104)  </a:t>
             </a:r>
             <a:r>
-              <a:rPr lang="en-US" sz="2000" dirty="0" err="1"/>
+              <a:rPr lang="en-US" sz="2000" err="1"/>
               <a:t>cwnd</a:t>
             </a:r>
             <a:r>
-              <a:rPr lang="en-US" sz="2000" dirty="0"/>
+              <a:rPr lang="en-US" sz="2000"/>
               <a:t>=10  dup#3</a:t>
             </a:r>
           </a:p>
           <a:p>
             <a:r>
-              <a:rPr lang="en-US" sz="2000" dirty="0">
+              <a:rPr lang="en-US" sz="2000">
                 <a:solidFill>
                   <a:srgbClr val="0000FF"/>
                 </a:solidFill>
@@ -8436,7 +8470,7 @@
               <a:t>RETRANSMIT 101 </a:t>
             </a:r>
             <a:r>
-              <a:rPr lang="en-US" sz="2000" dirty="0" err="1">
+              <a:rPr lang="en-US" sz="2000" err="1">
                 <a:solidFill>
                   <a:srgbClr val="0000FF"/>
                 </a:solidFill>
@@ -8444,7 +8478,7 @@
               <a:t>ssthresh</a:t>
             </a:r>
             <a:r>
-              <a:rPr lang="en-US" sz="2000" dirty="0">
+              <a:rPr lang="en-US" sz="2000">
                 <a:solidFill>
                   <a:srgbClr val="0000FF"/>
                 </a:solidFill>
@@ -8452,7 +8486,183 @@
               <a:t>=5  </a:t>
             </a:r>
             <a:r>
-              <a:rPr lang="en-US" sz="2000" dirty="0" err="1">
+              <a:rPr lang="en-US" sz="2000" err="1">
+                <a:solidFill>
+                  <a:srgbClr val="0000FF"/>
+                </a:solidFill>
+                <a:highlight>
+                  <a:srgbClr val="FFFF00"/>
+                </a:highlight>
+              </a:rPr>
+              <a:t>cwnd</a:t>
+            </a:r>
+            <a:r>
+              <a:rPr lang="en-US" sz="2000">
+                <a:solidFill>
+                  <a:srgbClr val="0000FF"/>
+                </a:solidFill>
+                <a:highlight>
+                  <a:srgbClr val="FFFF00"/>
+                </a:highlight>
+              </a:rPr>
+              <a:t>= 8 (5+3)</a:t>
+            </a:r>
+          </a:p>
+          <a:p>
+            <a:r>
+              <a:rPr lang="en-US" sz="2000"/>
+              <a:t>ACK 101 (due to 105)  </a:t>
+            </a:r>
+            <a:r>
+              <a:rPr lang="en-US" sz="2000" err="1"/>
+              <a:t>cwnd</a:t>
+            </a:r>
+            <a:r>
+              <a:rPr lang="en-US" sz="2000"/>
+              <a:t>= 9</a:t>
+            </a:r>
+            <a:r>
+              <a:rPr lang="en-US" sz="2000">
+                <a:solidFill>
+                  <a:srgbClr val="FF0000"/>
+                </a:solidFill>
+              </a:rPr>
+              <a:t> </a:t>
+            </a:r>
+            <a:r>
+              <a:rPr lang="en-US" sz="2000"/>
+              <a:t>(no </a:t>
+            </a:r>
+            <a:r>
+              <a:rPr lang="en-US" sz="2000" err="1"/>
+              <a:t>xmit</a:t>
+            </a:r>
+            <a:r>
+              <a:rPr lang="en-US" sz="2000"/>
+              <a:t>)</a:t>
+            </a:r>
+          </a:p>
+          <a:p>
+            <a:r>
+              <a:rPr lang="en-US" sz="2000"/>
+              <a:t>ACK 101 (due to 106)  </a:t>
+            </a:r>
+            <a:r>
+              <a:rPr lang="en-US" sz="2000" err="1"/>
+              <a:t>cwnd</a:t>
+            </a:r>
+            <a:r>
+              <a:rPr lang="en-US" sz="2000"/>
+              <a:t>=10 (no </a:t>
+            </a:r>
+            <a:r>
+              <a:rPr lang="en-US" sz="2000" err="1"/>
+              <a:t>xmit</a:t>
+            </a:r>
+            <a:r>
+              <a:rPr lang="en-US" sz="2000"/>
+              <a:t>)</a:t>
+            </a:r>
+          </a:p>
+          <a:p>
+            <a:r>
+              <a:rPr lang="en-US" sz="2000"/>
+              <a:t>ACK 101 (due to 107)  </a:t>
+            </a:r>
+            <a:r>
+              <a:rPr lang="en-US" sz="2000" err="1"/>
+              <a:t>cwnd</a:t>
+            </a:r>
+            <a:r>
+              <a:rPr lang="en-US" sz="2000"/>
+              <a:t>=11 (</a:t>
+            </a:r>
+            <a:r>
+              <a:rPr lang="en-US" sz="2000" err="1"/>
+              <a:t>xmit</a:t>
+            </a:r>
+            <a:r>
+              <a:rPr lang="en-US" sz="2000"/>
+              <a:t> 111)</a:t>
+            </a:r>
+          </a:p>
+          <a:p>
+            <a:r>
+              <a:rPr lang="en-US" sz="2000"/>
+              <a:t>ACK 101 (due to 108)  </a:t>
+            </a:r>
+            <a:r>
+              <a:rPr lang="en-US" sz="2000" err="1"/>
+              <a:t>cwnd</a:t>
+            </a:r>
+            <a:r>
+              <a:rPr lang="en-US" sz="2000"/>
+              <a:t>=12 (</a:t>
+            </a:r>
+            <a:r>
+              <a:rPr lang="en-US" sz="2000" err="1"/>
+              <a:t>xmit</a:t>
+            </a:r>
+            <a:r>
+              <a:rPr lang="en-US" sz="2000"/>
+              <a:t> 112)</a:t>
+            </a:r>
+          </a:p>
+          <a:p>
+            <a:r>
+              <a:rPr lang="en-US" sz="2000"/>
+              <a:t>ACK 101 (due to 109)  </a:t>
+            </a:r>
+            <a:r>
+              <a:rPr lang="en-US" sz="2000" err="1"/>
+              <a:t>cwnd</a:t>
+            </a:r>
+            <a:r>
+              <a:rPr lang="en-US" sz="2000"/>
+              <a:t>=13 (</a:t>
+            </a:r>
+            <a:r>
+              <a:rPr lang="en-US" sz="2000" err="1"/>
+              <a:t>xmit</a:t>
+            </a:r>
+            <a:r>
+              <a:rPr lang="en-US" sz="2000"/>
+              <a:t> 113)</a:t>
+            </a:r>
+          </a:p>
+          <a:p>
+            <a:r>
+              <a:rPr lang="en-US" sz="2000"/>
+              <a:t>ACK 101 (due to 110)  </a:t>
+            </a:r>
+            <a:r>
+              <a:rPr lang="en-US" sz="2000" err="1"/>
+              <a:t>cwnd</a:t>
+            </a:r>
+            <a:r>
+              <a:rPr lang="en-US" sz="2000"/>
+              <a:t>=14 (</a:t>
+            </a:r>
+            <a:r>
+              <a:rPr lang="en-US" sz="2000" err="1"/>
+              <a:t>xmit</a:t>
+            </a:r>
+            <a:r>
+              <a:rPr lang="en-US" sz="2000"/>
+              <a:t> 114)</a:t>
+            </a:r>
+          </a:p>
+          <a:p>
+            <a:r>
+              <a:rPr lang="en-US" sz="2000">
+                <a:solidFill>
+                  <a:srgbClr val="0000FF"/>
+                </a:solidFill>
+              </a:rPr>
+              <a:t>ACK 111 (due to 101) </a:t>
+            </a:r>
+            <a:r>
+              <a:rPr lang="en-US" sz="2000" err="1">
                 <a:solidFill>
                   <a:srgbClr val="0000FF"/>
                 </a:solidFill>
@@ -8460,177 +8670,7 @@
               <a:t>cwnd</a:t>
             </a:r>
             <a:r>
-              <a:rPr lang="en-US" sz="2000" dirty="0">
-                <a:solidFill>
-                  <a:srgbClr val="0000FF"/>
-                </a:solidFill>
-              </a:rPr>
-              <a:t>= 8 (5+3)</a:t>
-            </a:r>
-          </a:p>
-          <a:p>
-            <a:r>
-              <a:rPr lang="en-US" sz="2000" dirty="0"/>
-              <a:t>ACK 101 (due to 105)  </a:t>
-            </a:r>
-            <a:r>
-              <a:rPr lang="en-US" sz="2000" dirty="0" err="1"/>
-              <a:t>cwnd</a:t>
-            </a:r>
-            <a:r>
-              <a:rPr lang="en-US" sz="2000" dirty="0"/>
-              <a:t>= 9</a:t>
-            </a:r>
-            <a:r>
-              <a:rPr lang="en-US" sz="2000" dirty="0">
-                <a:solidFill>
-                  <a:srgbClr val="FF0000"/>
-                </a:solidFill>
-              </a:rPr>
-              <a:t> </a:t>
-            </a:r>
-            <a:r>
-              <a:rPr lang="en-US" sz="2000" dirty="0"/>
-              <a:t>(no </a:t>
-            </a:r>
-            <a:r>
-              <a:rPr lang="en-US" sz="2000" dirty="0" err="1"/>
-              <a:t>xmit</a:t>
-            </a:r>
-            <a:r>
-              <a:rPr lang="en-US" sz="2000" dirty="0"/>
-              <a:t>)</a:t>
-            </a:r>
-          </a:p>
-          <a:p>
-            <a:r>
-              <a:rPr lang="en-US" sz="2000" dirty="0"/>
-              <a:t>ACK 101 (due to 106)  </a:t>
-            </a:r>
-            <a:r>
-              <a:rPr lang="en-US" sz="2000" dirty="0" err="1"/>
-              <a:t>cwnd</a:t>
-            </a:r>
-            <a:r>
-              <a:rPr lang="en-US" sz="2000" dirty="0"/>
-              <a:t>=10 (no </a:t>
-            </a:r>
-            <a:r>
-              <a:rPr lang="en-US" sz="2000" dirty="0" err="1"/>
-              <a:t>xmit</a:t>
-            </a:r>
-            <a:r>
-              <a:rPr lang="en-US" sz="2000" dirty="0"/>
-              <a:t>)</a:t>
-            </a:r>
-          </a:p>
-          <a:p>
-            <a:r>
-              <a:rPr lang="en-US" sz="2000" dirty="0"/>
-              <a:t>ACK 101 (due to 107)  </a:t>
-            </a:r>
-            <a:r>
-              <a:rPr lang="en-US" sz="2000" dirty="0" err="1"/>
-              <a:t>cwnd</a:t>
-            </a:r>
-            <a:r>
-              <a:rPr lang="en-US" sz="2000" dirty="0"/>
-              <a:t>=11 (</a:t>
-            </a:r>
-            <a:r>
-              <a:rPr lang="en-US" sz="2000" dirty="0" err="1"/>
-              <a:t>xmit</a:t>
-            </a:r>
-            <a:r>
-              <a:rPr lang="en-US" sz="2000" dirty="0"/>
-              <a:t> 111)</a:t>
-            </a:r>
-          </a:p>
-          <a:p>
-            <a:r>
-              <a:rPr lang="en-US" sz="2000" dirty="0"/>
-              <a:t>ACK 101 (due to 108)  </a:t>
-            </a:r>
-            <a:r>
-              <a:rPr lang="en-US" sz="2000" dirty="0" err="1"/>
-              <a:t>cwnd</a:t>
-            </a:r>
-            <a:r>
-              <a:rPr lang="en-US" sz="2000" dirty="0"/>
-              <a:t>=12 (</a:t>
-            </a:r>
-            <a:r>
-              <a:rPr lang="en-US" sz="2000" dirty="0" err="1"/>
-              <a:t>xmit</a:t>
-            </a:r>
-            <a:r>
-              <a:rPr lang="en-US" sz="2000" dirty="0"/>
-              <a:t> 112)</a:t>
-            </a:r>
-          </a:p>
-          <a:p>
-            <a:r>
-              <a:rPr lang="en-US" sz="2000" dirty="0"/>
-              <a:t>ACK 101 (due to 109)  </a:t>
-            </a:r>
-            <a:r>
-              <a:rPr lang="en-US" sz="2000" dirty="0" err="1"/>
-              <a:t>cwnd</a:t>
-            </a:r>
-            <a:r>
-              <a:rPr lang="en-US" sz="2000" dirty="0"/>
-              <a:t>=13 (</a:t>
-            </a:r>
-            <a:r>
-              <a:rPr lang="en-US" sz="2000" dirty="0" err="1"/>
-              <a:t>xmit</a:t>
-            </a:r>
-            <a:r>
-              <a:rPr lang="en-US" sz="2000" dirty="0"/>
-              <a:t> 113)</a:t>
-            </a:r>
-          </a:p>
-          <a:p>
-            <a:r>
-              <a:rPr lang="en-US" sz="2000" dirty="0"/>
-              <a:t>ACK 101 (due to 110)  </a:t>
-            </a:r>
-            <a:r>
-              <a:rPr lang="en-US" sz="2000" dirty="0" err="1"/>
-              <a:t>cwnd</a:t>
-            </a:r>
-            <a:r>
-              <a:rPr lang="en-US" sz="2000" dirty="0"/>
-              <a:t>=14 (</a:t>
-            </a:r>
-            <a:r>
-              <a:rPr lang="en-US" sz="2000" dirty="0" err="1"/>
-              <a:t>xmit</a:t>
-            </a:r>
-            <a:r>
-              <a:rPr lang="en-US" sz="2000" dirty="0"/>
-              <a:t> 114)</a:t>
-            </a:r>
-          </a:p>
-          <a:p>
-            <a:r>
-              <a:rPr lang="en-US" sz="2000" dirty="0">
-                <a:solidFill>
-                  <a:srgbClr val="0000FF"/>
-                </a:solidFill>
-              </a:rPr>
-              <a:t>ACK 111 (due to 101) </a:t>
-            </a:r>
-            <a:r>
-              <a:rPr lang="en-US" sz="2000" dirty="0" err="1">
-                <a:solidFill>
-                  <a:srgbClr val="0000FF"/>
-                </a:solidFill>
-              </a:rPr>
-              <a:t>cwnd</a:t>
-            </a:r>
-            <a:r>
-              <a:rPr lang="en-US" sz="2000" dirty="0">
+              <a:rPr lang="en-US" sz="2000">
                 <a:solidFill>
                   <a:srgbClr val="0000FF"/>
                 </a:solidFill>
@@ -8638,7 +8678,7 @@
               <a:t> = 5 (</a:t>
             </a:r>
             <a:r>
-              <a:rPr lang="en-US" sz="2000" dirty="0" err="1">
+              <a:rPr lang="en-US" sz="2000" err="1">
                 <a:solidFill>
                   <a:srgbClr val="0000FF"/>
                 </a:solidFill>
@@ -8646,7 +8686,7 @@
               <a:t>xmit</a:t>
             </a:r>
             <a:r>
-              <a:rPr lang="en-US" sz="2000" dirty="0">
+              <a:rPr lang="en-US" sz="2000">
                 <a:solidFill>
                   <a:srgbClr val="0000FF"/>
                 </a:solidFill>
@@ -8654,7 +8694,7 @@
               <a:t> 115)  </a:t>
             </a:r>
             <a:r>
-              <a:rPr lang="en-US" sz="2000" dirty="0">
+              <a:rPr lang="en-US" sz="2000">
                 <a:solidFill>
                   <a:srgbClr val="0000FF"/>
                 </a:solidFill>
@@ -8665,7 +8705,7 @@
           </a:p>
           <a:p>
             <a:r>
-              <a:rPr lang="en-US" sz="2000" dirty="0">
+              <a:rPr lang="en-US" sz="2000">
                 <a:solidFill>
                   <a:srgbClr val="0000FF"/>
                 </a:solidFill>
@@ -8676,32 +8716,32 @@
           </a:p>
           <a:p>
             <a:r>
-              <a:rPr lang="en-US" sz="2000" dirty="0">
+              <a:rPr lang="en-US" sz="2000">
                 <a:sym typeface="Wingdings"/>
               </a:rPr>
               <a:t>ACK 112 (due to 111) </a:t>
             </a:r>
             <a:r>
-              <a:rPr lang="en-US" sz="2000" dirty="0" err="1">
+              <a:rPr lang="en-US" sz="2000" err="1">
                 <a:sym typeface="Wingdings"/>
               </a:rPr>
               <a:t>cwnd</a:t>
             </a:r>
             <a:r>
-              <a:rPr lang="en-US" sz="2000" dirty="0">
+              <a:rPr lang="en-US" sz="2000">
                 <a:sym typeface="Wingdings"/>
               </a:rPr>
               <a:t> = 5 + 1/5   back in cong. avoidance</a:t>
             </a:r>
           </a:p>
           <a:p>
-            <a:endParaRPr lang="en-US" sz="2000" dirty="0"/>
-          </a:p>
-          <a:p>
-            <a:endParaRPr lang="en-US" sz="2000" dirty="0"/>
-          </a:p>
-          <a:p>
-            <a:endParaRPr lang="en-US" sz="2000" dirty="0"/>
+            <a:endParaRPr lang="en-US" sz="2000"/>
+          </a:p>
+          <a:p>
+            <a:endParaRPr lang="en-US" sz="2000"/>
+          </a:p>
+          <a:p>
+            <a:endParaRPr lang="en-US" sz="2000"/>
           </a:p>
         </p:txBody>
       </p:sp>
@@ -8778,7 +8818,7 @@
           <a:p>
             <a:pPr algn="ctr"/>
             <a:r>
-              <a:rPr lang="en-US" sz="6000" dirty="0">
+              <a:rPr lang="en-US" sz="6000">
                 <a:solidFill>
                   <a:srgbClr val="FF0000"/>
                 </a:solidFill>
@@ -8789,7 +8829,7 @@
               </a:rPr>
               <a:t>✗</a:t>
             </a:r>
-            <a:endParaRPr lang="en-US" sz="6000" dirty="0">
+            <a:endParaRPr lang="en-US" sz="6000">
               <a:solidFill>
                 <a:srgbClr val="FF0000"/>
               </a:solidFill>
@@ -9489,7 +9529,7 @@
           <a:lstStyle/>
           <a:p>
             <a:r>
-              <a:rPr lang="en-US" dirty="0"/>
+              <a:rPr lang="en-US"/>
               <a:t> TCP state machine</a:t>
             </a:r>
           </a:p>
@@ -9616,14 +9656,14 @@
               <a:tabLst/>
             </a:pPr>
             <a:r>
-              <a:rPr lang="en-US" sz="2000" dirty="0">
+              <a:rPr lang="en-US" sz="2000">
                 <a:ea typeface="Arial" charset="0"/>
                 <a:cs typeface="Arial" charset="0"/>
               </a:rPr>
               <a:t>S</a:t>
             </a:r>
             <a:r>
-              <a:rPr kumimoji="0" lang="en-US" sz="2000" i="0" u="none" strike="noStrike" cap="none" normalizeH="0" baseline="0" dirty="0">
+              <a:rPr kumimoji="0" lang="en-US" sz="2000" i="0" u="none" strike="noStrike" cap="none" normalizeH="0" baseline="0">
                 <a:ln>
                   <a:noFill/>
                 </a:ln>
@@ -9637,7 +9677,7 @@
               <a:t>low </a:t>
             </a:r>
             <a:br>
-              <a:rPr kumimoji="0" lang="en-US" sz="2000" i="0" u="none" strike="noStrike" cap="none" normalizeH="0" baseline="0" dirty="0">
+              <a:rPr kumimoji="0" lang="en-US" sz="2000" i="0" u="none" strike="noStrike" cap="none" normalizeH="0" baseline="0">
                 <a:ln>
                   <a:noFill/>
                 </a:ln>
@@ -9650,7 +9690,7 @@
               </a:rPr>
             </a:br>
             <a:r>
-              <a:rPr kumimoji="0" lang="en-US" sz="2000" i="0" u="none" strike="noStrike" cap="none" normalizeH="0" baseline="0" dirty="0">
+              <a:rPr kumimoji="0" lang="en-US" sz="2000" i="0" u="none" strike="noStrike" cap="none" normalizeH="0" baseline="0">
                 <a:ln>
                   <a:noFill/>
                 </a:ln>
@@ -9719,14 +9759,14 @@
               <a:tabLst/>
             </a:pPr>
             <a:r>
-              <a:rPr lang="en-US" sz="2000" dirty="0">
+              <a:rPr lang="en-US" sz="2000">
                 <a:ea typeface="Arial" charset="0"/>
                 <a:cs typeface="Arial" charset="0"/>
               </a:rPr>
               <a:t>C</a:t>
             </a:r>
             <a:r>
-              <a:rPr kumimoji="0" lang="en-US" sz="2000" i="0" u="none" strike="noStrike" cap="none" normalizeH="0" baseline="0" dirty="0">
+              <a:rPr kumimoji="0" lang="en-US" sz="2000" i="0" u="none" strike="noStrike" cap="none" normalizeH="0" baseline="0">
                 <a:ln>
                   <a:noFill/>
                 </a:ln>
@@ -9740,7 +9780,7 @@
               <a:t>ong. </a:t>
             </a:r>
             <a:br>
-              <a:rPr kumimoji="0" lang="en-US" sz="2000" i="0" u="none" strike="noStrike" cap="none" normalizeH="0" baseline="0" dirty="0">
+              <a:rPr kumimoji="0" lang="en-US" sz="2000" i="0" u="none" strike="noStrike" cap="none" normalizeH="0" baseline="0">
                 <a:ln>
                   <a:noFill/>
                 </a:ln>
@@ -9753,7 +9793,7 @@
               </a:rPr>
             </a:br>
             <a:r>
-              <a:rPr kumimoji="0" lang="en-US" sz="2000" i="0" u="none" strike="noStrike" cap="none" normalizeH="0" baseline="0" dirty="0">
+              <a:rPr kumimoji="0" lang="en-US" sz="2000" i="0" u="none" strike="noStrike" cap="none" normalizeH="0" baseline="0">
                 <a:ln>
                   <a:noFill/>
                 </a:ln>
@@ -9767,13 +9807,13 @@
               <a:t>Avoid</a:t>
             </a:r>
             <a:r>
-              <a:rPr lang="en-US" sz="2000" dirty="0">
+              <a:rPr lang="en-US" sz="2000">
                 <a:ea typeface="Arial" charset="0"/>
                 <a:cs typeface="Arial" charset="0"/>
               </a:rPr>
               <a:t>.</a:t>
             </a:r>
-            <a:endParaRPr kumimoji="0" lang="en-US" sz="2000" i="0" u="none" strike="noStrike" cap="none" normalizeH="0" baseline="0" dirty="0">
+            <a:endParaRPr kumimoji="0" lang="en-US" sz="2000" i="0" u="none" strike="noStrike" cap="none" normalizeH="0" baseline="0">
               <a:ln>
                 <a:noFill/>
               </a:ln>
@@ -9840,14 +9880,14 @@
               <a:tabLst/>
             </a:pPr>
             <a:r>
-              <a:rPr lang="en-US" sz="2000" dirty="0">
+              <a:rPr lang="en-US" sz="2000">
                 <a:ea typeface="Arial" charset="0"/>
                 <a:cs typeface="Arial" charset="0"/>
               </a:rPr>
               <a:t>F</a:t>
             </a:r>
             <a:r>
-              <a:rPr kumimoji="0" lang="en-US" sz="2000" i="0" u="none" strike="noStrike" cap="none" normalizeH="0" baseline="0" dirty="0">
+              <a:rPr kumimoji="0" lang="en-US" sz="2000" i="0" u="none" strike="noStrike" cap="none" normalizeH="0" baseline="0">
                 <a:ln>
                   <a:noFill/>
                 </a:ln>
@@ -9861,7 +9901,7 @@
               <a:t>ast </a:t>
             </a:r>
             <a:br>
-              <a:rPr kumimoji="0" lang="en-US" sz="2000" i="0" u="none" strike="noStrike" cap="none" normalizeH="0" baseline="0" dirty="0">
+              <a:rPr kumimoji="0" lang="en-US" sz="2000" i="0" u="none" strike="noStrike" cap="none" normalizeH="0" baseline="0">
                 <a:ln>
                   <a:noFill/>
                 </a:ln>
@@ -9874,7 +9914,7 @@
               </a:rPr>
             </a:br>
             <a:r>
-              <a:rPr kumimoji="0" lang="en-US" sz="2000" i="0" u="none" strike="noStrike" cap="none" normalizeH="0" baseline="0" dirty="0">
+              <a:rPr kumimoji="0" lang="en-US" sz="2000" i="0" u="none" strike="noStrike" cap="none" normalizeH="0" baseline="0">
                 <a:ln>
                   <a:noFill/>
                 </a:ln>
@@ -9943,18 +9983,18 @@
           <a:lstStyle/>
           <a:p>
             <a:r>
-              <a:rPr lang="en-US" b="0" i="1" dirty="0">
+              <a:rPr lang="en-US" b="0" i="1">
                 <a:latin typeface="+mn-lt"/>
               </a:rPr>
               <a:t>CWND &gt; </a:t>
             </a:r>
             <a:r>
-              <a:rPr lang="en-US" b="0" i="1" dirty="0" err="1">
+              <a:rPr lang="en-US" b="0" i="1" err="1">
                 <a:latin typeface="+mn-lt"/>
               </a:rPr>
               <a:t>ssthresh</a:t>
             </a:r>
-            <a:endParaRPr lang="en-US" b="0" i="1" dirty="0">
+            <a:endParaRPr lang="en-US" b="0" i="1">
               <a:latin typeface="+mn-lt"/>
             </a:endParaRPr>
           </a:p>
@@ -9983,7 +10023,7 @@
           <a:lstStyle/>
           <a:p>
             <a:r>
-              <a:rPr lang="en-US" b="0" i="1" dirty="0">
+              <a:rPr lang="en-US" b="0" i="1">
                 <a:latin typeface="+mn-lt"/>
               </a:rPr>
               <a:t>timeout</a:t>
@@ -10151,13 +10191,13 @@
           <a:lstStyle/>
           <a:p>
             <a:r>
-              <a:rPr lang="en-US" i="1" dirty="0" err="1">
+              <a:rPr lang="en-US" i="1" err="1">
                 <a:latin typeface="+mn-lt"/>
               </a:rPr>
               <a:t>dupACK</a:t>
             </a:r>
             <a:r>
-              <a:rPr lang="en-US" i="1" dirty="0">
+              <a:rPr lang="en-US" i="1">
                 <a:latin typeface="+mn-lt"/>
               </a:rPr>
               <a:t>=3</a:t>
@@ -10188,7 +10228,7 @@
           <a:lstStyle/>
           <a:p>
             <a:r>
-              <a:rPr lang="en-US" b="0" i="1" dirty="0">
+              <a:rPr lang="en-US" b="0" i="1">
                 <a:latin typeface="+mn-lt"/>
               </a:rPr>
               <a:t>timeout</a:t>
@@ -10219,13 +10259,13 @@
           <a:lstStyle/>
           <a:p>
             <a:r>
-              <a:rPr lang="en-US" i="1" dirty="0" err="1">
+              <a:rPr lang="en-US" i="1" err="1">
                 <a:latin typeface="+mn-lt"/>
               </a:rPr>
               <a:t>dupACK</a:t>
             </a:r>
             <a:r>
-              <a:rPr lang="en-US" i="1" dirty="0">
+              <a:rPr lang="en-US" i="1">
                 <a:latin typeface="+mn-lt"/>
               </a:rPr>
               <a:t>=3</a:t>
@@ -10256,7 +10296,7 @@
           <a:lstStyle/>
           <a:p>
             <a:r>
-              <a:rPr lang="en-US" b="0" i="1" dirty="0">
+              <a:rPr lang="en-US" b="0" i="1">
                 <a:latin typeface="+mn-lt"/>
               </a:rPr>
               <a:t>new ACK</a:t>
@@ -10384,7 +10424,7 @@
           <a:lstStyle/>
           <a:p>
             <a:r>
-              <a:rPr lang="en-US" b="0" i="1" dirty="0">
+              <a:rPr lang="en-US" b="0" i="1">
                 <a:latin typeface="+mn-lt"/>
               </a:rPr>
               <a:t>dupACK</a:t>
@@ -10512,7 +10552,7 @@
           <a:lstStyle/>
           <a:p>
             <a:r>
-              <a:rPr lang="en-US" b="0" i="1" dirty="0">
+              <a:rPr lang="en-US" b="0" i="1">
                 <a:latin typeface="+mn-lt"/>
               </a:rPr>
               <a:t>new ACK</a:t>
@@ -10640,7 +10680,7 @@
           <a:lstStyle/>
           <a:p>
             <a:r>
-              <a:rPr lang="en-US" b="0" i="1" dirty="0">
+              <a:rPr lang="en-US" b="0" i="1">
                 <a:latin typeface="+mn-lt"/>
               </a:rPr>
               <a:t>timeout</a:t>
@@ -10768,18 +10808,18 @@
           <a:lstStyle/>
           <a:p>
             <a:r>
-              <a:rPr lang="en-US" b="0" i="1" dirty="0">
+              <a:rPr lang="en-US" b="0" i="1">
                 <a:latin typeface="+mn-lt"/>
               </a:rPr>
               <a:t>new </a:t>
             </a:r>
             <a:br>
-              <a:rPr lang="en-US" b="0" i="1" dirty="0">
+              <a:rPr lang="en-US" b="0" i="1">
                 <a:latin typeface="+mn-lt"/>
               </a:rPr>
             </a:br>
             <a:r>
-              <a:rPr lang="en-US" b="0" i="1" dirty="0">
+              <a:rPr lang="en-US" b="0" i="1">
                 <a:latin typeface="+mn-lt"/>
               </a:rPr>
               <a:t>ACK</a:t>
@@ -10912,9 +10952,6 @@
               </a:rPr>
               <a:t>dupACK</a:t>
             </a:r>
-            <a:endParaRPr lang="en-US" b="0" i="1" dirty="0">
-              <a:latin typeface="+mn-lt"/>
-            </a:endParaRPr>
           </a:p>
         </p:txBody>
       </p:sp>
@@ -11038,7 +11075,7 @@
           <a:lstStyle/>
           <a:p>
             <a:r>
-              <a:rPr lang="en-US" b="0" i="1" dirty="0">
+              <a:rPr lang="en-US" b="0" i="1">
                 <a:latin typeface="+mn-lt"/>
               </a:rPr>
               <a:t>dupACK</a:t>
@@ -11092,7 +11129,7 @@
           <a:lstStyle/>
           <a:p>
             <a:r>
-              <a:rPr lang="en-US" dirty="0"/>
+              <a:rPr lang="en-US"/>
               <a:t>Timeouts ➔ Slow Start</a:t>
             </a:r>
           </a:p>
@@ -11219,14 +11256,14 @@
               <a:tabLst/>
             </a:pPr>
             <a:r>
-              <a:rPr lang="en-US" sz="2000" dirty="0">
+              <a:rPr lang="en-US" sz="2000">
                 <a:ea typeface="Arial" charset="0"/>
                 <a:cs typeface="Arial" charset="0"/>
               </a:rPr>
               <a:t>S</a:t>
             </a:r>
             <a:r>
-              <a:rPr kumimoji="0" lang="en-US" sz="2000" i="0" u="none" strike="noStrike" cap="none" normalizeH="0" baseline="0" dirty="0">
+              <a:rPr kumimoji="0" lang="en-US" sz="2000" i="0" u="none" strike="noStrike" cap="none" normalizeH="0" baseline="0">
                 <a:ln>
                   <a:noFill/>
                 </a:ln>
@@ -11240,7 +11277,7 @@
               <a:t>low </a:t>
             </a:r>
             <a:br>
-              <a:rPr kumimoji="0" lang="en-US" sz="2000" i="0" u="none" strike="noStrike" cap="none" normalizeH="0" baseline="0" dirty="0">
+              <a:rPr kumimoji="0" lang="en-US" sz="2000" i="0" u="none" strike="noStrike" cap="none" normalizeH="0" baseline="0">
                 <a:ln>
                   <a:noFill/>
                 </a:ln>
@@ -11253,7 +11290,7 @@
               </a:rPr>
             </a:br>
             <a:r>
-              <a:rPr kumimoji="0" lang="en-US" sz="2000" i="0" u="none" strike="noStrike" cap="none" normalizeH="0" baseline="0" dirty="0">
+              <a:rPr kumimoji="0" lang="en-US" sz="2000" i="0" u="none" strike="noStrike" cap="none" normalizeH="0" baseline="0">
                 <a:ln>
                   <a:noFill/>
                 </a:ln>
@@ -11322,14 +11359,14 @@
               <a:tabLst/>
             </a:pPr>
             <a:r>
-              <a:rPr lang="en-US" sz="2000" dirty="0">
+              <a:rPr lang="en-US" sz="2000">
                 <a:ea typeface="Arial" charset="0"/>
                 <a:cs typeface="Arial" charset="0"/>
               </a:rPr>
               <a:t>C</a:t>
             </a:r>
             <a:r>
-              <a:rPr kumimoji="0" lang="en-US" sz="2000" i="0" u="none" strike="noStrike" cap="none" normalizeH="0" baseline="0" dirty="0">
+              <a:rPr kumimoji="0" lang="en-US" sz="2000" i="0" u="none" strike="noStrike" cap="none" normalizeH="0" baseline="0">
                 <a:ln>
                   <a:noFill/>
                 </a:ln>
@@ -11343,7 +11380,7 @@
               <a:t>ong. </a:t>
             </a:r>
             <a:br>
-              <a:rPr kumimoji="0" lang="en-US" sz="2000" i="0" u="none" strike="noStrike" cap="none" normalizeH="0" baseline="0" dirty="0">
+              <a:rPr kumimoji="0" lang="en-US" sz="2000" i="0" u="none" strike="noStrike" cap="none" normalizeH="0" baseline="0">
                 <a:ln>
                   <a:noFill/>
                 </a:ln>
@@ -11356,7 +11393,7 @@
               </a:rPr>
             </a:br>
             <a:r>
-              <a:rPr kumimoji="0" lang="en-US" sz="2000" i="0" u="none" strike="noStrike" cap="none" normalizeH="0" baseline="0" dirty="0">
+              <a:rPr kumimoji="0" lang="en-US" sz="2000" i="0" u="none" strike="noStrike" cap="none" normalizeH="0" baseline="0">
                 <a:ln>
                   <a:noFill/>
                 </a:ln>
@@ -11370,13 +11407,13 @@
               <a:t>Avoid</a:t>
             </a:r>
             <a:r>
-              <a:rPr lang="en-US" sz="2000" dirty="0">
+              <a:rPr lang="en-US" sz="2000">
                 <a:ea typeface="Arial" charset="0"/>
                 <a:cs typeface="Arial" charset="0"/>
               </a:rPr>
               <a:t>.</a:t>
             </a:r>
-            <a:endParaRPr kumimoji="0" lang="en-US" sz="2000" i="0" u="none" strike="noStrike" cap="none" normalizeH="0" baseline="0" dirty="0">
+            <a:endParaRPr kumimoji="0" lang="en-US" sz="2000" i="0" u="none" strike="noStrike" cap="none" normalizeH="0" baseline="0">
               <a:ln>
                 <a:noFill/>
               </a:ln>
@@ -11443,14 +11480,14 @@
               <a:tabLst/>
             </a:pPr>
             <a:r>
-              <a:rPr lang="en-US" sz="2000" dirty="0">
+              <a:rPr lang="en-US" sz="2000">
                 <a:ea typeface="Arial" charset="0"/>
                 <a:cs typeface="Arial" charset="0"/>
               </a:rPr>
               <a:t>F</a:t>
             </a:r>
             <a:r>
-              <a:rPr kumimoji="0" lang="en-US" sz="2000" i="0" u="none" strike="noStrike" cap="none" normalizeH="0" baseline="0" dirty="0">
+              <a:rPr kumimoji="0" lang="en-US" sz="2000" i="0" u="none" strike="noStrike" cap="none" normalizeH="0" baseline="0">
                 <a:ln>
                   <a:noFill/>
                 </a:ln>
@@ -11464,7 +11501,7 @@
               <a:t>ast </a:t>
             </a:r>
             <a:br>
-              <a:rPr kumimoji="0" lang="en-US" sz="2000" i="0" u="none" strike="noStrike" cap="none" normalizeH="0" baseline="0" dirty="0">
+              <a:rPr kumimoji="0" lang="en-US" sz="2000" i="0" u="none" strike="noStrike" cap="none" normalizeH="0" baseline="0">
                 <a:ln>
                   <a:noFill/>
                 </a:ln>
@@ -11477,7 +11514,7 @@
               </a:rPr>
             </a:br>
             <a:r>
-              <a:rPr kumimoji="0" lang="en-US" sz="2000" i="0" u="none" strike="noStrike" cap="none" normalizeH="0" baseline="0" dirty="0">
+              <a:rPr kumimoji="0" lang="en-US" sz="2000" i="0" u="none" strike="noStrike" cap="none" normalizeH="0" baseline="0">
                 <a:ln>
                   <a:noFill/>
                 </a:ln>
@@ -11546,18 +11583,18 @@
           <a:lstStyle/>
           <a:p>
             <a:r>
-              <a:rPr lang="en-US" b="0" i="1" dirty="0">
+              <a:rPr lang="en-US" b="0" i="1">
                 <a:latin typeface="+mn-lt"/>
               </a:rPr>
               <a:t>CWND &gt; </a:t>
             </a:r>
             <a:r>
-              <a:rPr lang="en-US" b="0" i="1" dirty="0" err="1">
+              <a:rPr lang="en-US" b="0" i="1" err="1">
                 <a:latin typeface="+mn-lt"/>
               </a:rPr>
               <a:t>ssthresh</a:t>
             </a:r>
-            <a:endParaRPr lang="en-US" b="0" i="1" dirty="0">
+            <a:endParaRPr lang="en-US" b="0" i="1">
               <a:latin typeface="+mn-lt"/>
             </a:endParaRPr>
           </a:p>
@@ -11586,7 +11623,7 @@
           <a:lstStyle/>
           <a:p>
             <a:r>
-              <a:rPr lang="en-US" i="1" dirty="0">
+              <a:rPr lang="en-US" i="1">
                 <a:solidFill>
                   <a:srgbClr val="0000FF"/>
                 </a:solidFill>
@@ -11757,13 +11794,13 @@
           <a:lstStyle/>
           <a:p>
             <a:r>
-              <a:rPr lang="en-US" b="0" i="1" dirty="0" err="1">
+              <a:rPr lang="en-US" b="0" i="1" err="1">
                 <a:latin typeface="+mn-lt"/>
               </a:rPr>
               <a:t>dupACK</a:t>
             </a:r>
             <a:r>
-              <a:rPr lang="en-US" b="0" i="1" dirty="0">
+              <a:rPr lang="en-US" b="0" i="1">
                 <a:latin typeface="+mn-lt"/>
               </a:rPr>
               <a:t>=3</a:t>
@@ -11794,7 +11831,7 @@
           <a:lstStyle/>
           <a:p>
             <a:r>
-              <a:rPr lang="en-US" i="1" dirty="0">
+              <a:rPr lang="en-US" i="1">
                 <a:solidFill>
                   <a:srgbClr val="0000FF"/>
                 </a:solidFill>
@@ -11828,13 +11865,13 @@
           <a:lstStyle/>
           <a:p>
             <a:r>
-              <a:rPr lang="en-US" b="0" i="1" dirty="0" err="1">
+              <a:rPr lang="en-US" b="0" i="1" err="1">
                 <a:latin typeface="+mn-lt"/>
               </a:rPr>
               <a:t>dupACK</a:t>
             </a:r>
             <a:r>
-              <a:rPr lang="en-US" b="0" i="1" dirty="0">
+              <a:rPr lang="en-US" b="0" i="1">
                 <a:latin typeface="+mn-lt"/>
               </a:rPr>
               <a:t>=3</a:t>
@@ -11865,7 +11902,7 @@
           <a:lstStyle/>
           <a:p>
             <a:r>
-              <a:rPr lang="en-US" b="0" i="1" dirty="0">
+              <a:rPr lang="en-US" b="0" i="1">
                 <a:latin typeface="+mn-lt"/>
               </a:rPr>
               <a:t>new ACK</a:t>
@@ -11993,7 +12030,7 @@
           <a:lstStyle/>
           <a:p>
             <a:r>
-              <a:rPr lang="en-US" b="0" i="1" dirty="0">
+              <a:rPr lang="en-US" b="0" i="1">
                 <a:latin typeface="+mn-lt"/>
               </a:rPr>
               <a:t>dupACK</a:t>
@@ -12121,7 +12158,7 @@
           <a:lstStyle/>
           <a:p>
             <a:r>
-              <a:rPr lang="en-US" b="0" i="1" dirty="0">
+              <a:rPr lang="en-US" b="0" i="1">
                 <a:latin typeface="+mn-lt"/>
               </a:rPr>
               <a:t>new ACK</a:t>
@@ -12249,7 +12286,7 @@
           <a:lstStyle/>
           <a:p>
             <a:r>
-              <a:rPr lang="en-US" i="1" dirty="0">
+              <a:rPr lang="en-US" i="1">
                 <a:solidFill>
                   <a:srgbClr val="0000FF"/>
                 </a:solidFill>
@@ -12380,18 +12417,18 @@
           <a:lstStyle/>
           <a:p>
             <a:r>
-              <a:rPr lang="en-US" b="0" i="1" dirty="0">
+              <a:rPr lang="en-US" b="0" i="1">
                 <a:latin typeface="+mn-lt"/>
               </a:rPr>
               <a:t>new </a:t>
             </a:r>
             <a:br>
-              <a:rPr lang="en-US" b="0" i="1" dirty="0">
+              <a:rPr lang="en-US" b="0" i="1">
                 <a:latin typeface="+mn-lt"/>
               </a:rPr>
             </a:br>
             <a:r>
-              <a:rPr lang="en-US" b="0" i="1" dirty="0">
+              <a:rPr lang="en-US" b="0" i="1">
                 <a:latin typeface="+mn-lt"/>
               </a:rPr>
               <a:t>ACK</a:t>
@@ -12524,9 +12561,6 @@
               </a:rPr>
               <a:t>dupACK</a:t>
             </a:r>
-            <a:endParaRPr lang="en-US" b="0" i="1" dirty="0">
-              <a:latin typeface="+mn-lt"/>
-            </a:endParaRPr>
           </a:p>
         </p:txBody>
       </p:sp>
@@ -12650,7 +12684,7 @@
           <a:lstStyle/>
           <a:p>
             <a:r>
-              <a:rPr lang="en-US" b="0" i="1" dirty="0">
+              <a:rPr lang="en-US" b="0" i="1">
                 <a:latin typeface="+mn-lt"/>
               </a:rPr>
               <a:t>dupACK</a:t>
@@ -12704,7 +12738,7 @@
           <a:lstStyle/>
           <a:p>
             <a:r>
-              <a:rPr lang="en-US" dirty="0"/>
+              <a:rPr lang="en-US"/>
               <a:t>dupACKs ➔ Fast Recovery</a:t>
             </a:r>
           </a:p>
@@ -12831,14 +12865,14 @@
               <a:tabLst/>
             </a:pPr>
             <a:r>
-              <a:rPr lang="en-US" sz="2000" dirty="0">
+              <a:rPr lang="en-US" sz="2000">
                 <a:ea typeface="Arial" charset="0"/>
                 <a:cs typeface="Arial" charset="0"/>
               </a:rPr>
               <a:t>S</a:t>
             </a:r>
             <a:r>
-              <a:rPr kumimoji="0" lang="en-US" sz="2000" i="0" u="none" strike="noStrike" cap="none" normalizeH="0" baseline="0" dirty="0">
+              <a:rPr kumimoji="0" lang="en-US" sz="2000" i="0" u="none" strike="noStrike" cap="none" normalizeH="0" baseline="0">
                 <a:ln>
                   <a:noFill/>
                 </a:ln>
@@ -12852,7 +12886,7 @@
               <a:t>low </a:t>
             </a:r>
             <a:br>
-              <a:rPr kumimoji="0" lang="en-US" sz="2000" i="0" u="none" strike="noStrike" cap="none" normalizeH="0" baseline="0" dirty="0">
+              <a:rPr kumimoji="0" lang="en-US" sz="2000" i="0" u="none" strike="noStrike" cap="none" normalizeH="0" baseline="0">
                 <a:ln>
                   <a:noFill/>
                 </a:ln>
@@ -12865,7 +12899,7 @@
               </a:rPr>
             </a:br>
             <a:r>
-              <a:rPr kumimoji="0" lang="en-US" sz="2000" i="0" u="none" strike="noStrike" cap="none" normalizeH="0" baseline="0" dirty="0">
+              <a:rPr kumimoji="0" lang="en-US" sz="2000" i="0" u="none" strike="noStrike" cap="none" normalizeH="0" baseline="0">
                 <a:ln>
                   <a:noFill/>
                 </a:ln>
@@ -12934,14 +12968,14 @@
               <a:tabLst/>
             </a:pPr>
             <a:r>
-              <a:rPr lang="en-US" sz="2000" dirty="0">
+              <a:rPr lang="en-US" sz="2000">
                 <a:ea typeface="Arial" charset="0"/>
                 <a:cs typeface="Arial" charset="0"/>
               </a:rPr>
               <a:t>C</a:t>
             </a:r>
             <a:r>
-              <a:rPr kumimoji="0" lang="en-US" sz="2000" i="0" u="none" strike="noStrike" cap="none" normalizeH="0" baseline="0" dirty="0">
+              <a:rPr kumimoji="0" lang="en-US" sz="2000" i="0" u="none" strike="noStrike" cap="none" normalizeH="0" baseline="0">
                 <a:ln>
                   <a:noFill/>
                 </a:ln>
@@ -12955,7 +12989,7 @@
               <a:t>ong. </a:t>
             </a:r>
             <a:br>
-              <a:rPr kumimoji="0" lang="en-US" sz="2000" i="0" u="none" strike="noStrike" cap="none" normalizeH="0" baseline="0" dirty="0">
+              <a:rPr kumimoji="0" lang="en-US" sz="2000" i="0" u="none" strike="noStrike" cap="none" normalizeH="0" baseline="0">
                 <a:ln>
                   <a:noFill/>
                 </a:ln>
@@ -12968,7 +13002,7 @@
               </a:rPr>
             </a:br>
             <a:r>
-              <a:rPr kumimoji="0" lang="en-US" sz="2000" i="0" u="none" strike="noStrike" cap="none" normalizeH="0" baseline="0" dirty="0">
+              <a:rPr kumimoji="0" lang="en-US" sz="2000" i="0" u="none" strike="noStrike" cap="none" normalizeH="0" baseline="0">
                 <a:ln>
                   <a:noFill/>
                 </a:ln>
@@ -12982,13 +13016,13 @@
               <a:t>Avoid</a:t>
             </a:r>
             <a:r>
-              <a:rPr lang="en-US" sz="2000" dirty="0">
+              <a:rPr lang="en-US" sz="2000">
                 <a:ea typeface="Arial" charset="0"/>
                 <a:cs typeface="Arial" charset="0"/>
               </a:rPr>
               <a:t>.</a:t>
             </a:r>
-            <a:endParaRPr kumimoji="0" lang="en-US" sz="2000" i="0" u="none" strike="noStrike" cap="none" normalizeH="0" baseline="0" dirty="0">
+            <a:endParaRPr kumimoji="0" lang="en-US" sz="2000" i="0" u="none" strike="noStrike" cap="none" normalizeH="0" baseline="0">
               <a:ln>
                 <a:noFill/>
               </a:ln>
@@ -13055,14 +13089,14 @@
               <a:tabLst/>
             </a:pPr>
             <a:r>
-              <a:rPr lang="en-US" sz="2000" dirty="0">
+              <a:rPr lang="en-US" sz="2000">
                 <a:ea typeface="Arial" charset="0"/>
                 <a:cs typeface="Arial" charset="0"/>
               </a:rPr>
               <a:t>F</a:t>
             </a:r>
             <a:r>
-              <a:rPr kumimoji="0" lang="en-US" sz="2000" i="0" u="none" strike="noStrike" cap="none" normalizeH="0" baseline="0" dirty="0">
+              <a:rPr kumimoji="0" lang="en-US" sz="2000" i="0" u="none" strike="noStrike" cap="none" normalizeH="0" baseline="0">
                 <a:ln>
                   <a:noFill/>
                 </a:ln>
@@ -13076,7 +13110,7 @@
               <a:t>ast </a:t>
             </a:r>
             <a:br>
-              <a:rPr kumimoji="0" lang="en-US" sz="2000" i="0" u="none" strike="noStrike" cap="none" normalizeH="0" baseline="0" dirty="0">
+              <a:rPr kumimoji="0" lang="en-US" sz="2000" i="0" u="none" strike="noStrike" cap="none" normalizeH="0" baseline="0">
                 <a:ln>
                   <a:noFill/>
                 </a:ln>
@@ -13089,7 +13123,7 @@
               </a:rPr>
             </a:br>
             <a:r>
-              <a:rPr kumimoji="0" lang="en-US" sz="2000" i="0" u="none" strike="noStrike" cap="none" normalizeH="0" baseline="0" dirty="0">
+              <a:rPr kumimoji="0" lang="en-US" sz="2000" i="0" u="none" strike="noStrike" cap="none" normalizeH="0" baseline="0">
                 <a:ln>
                   <a:noFill/>
                 </a:ln>
@@ -13158,18 +13192,18 @@
           <a:lstStyle/>
           <a:p>
             <a:r>
-              <a:rPr lang="en-US" b="0" i="1" dirty="0">
+              <a:rPr lang="en-US" b="0" i="1">
                 <a:latin typeface="+mn-lt"/>
               </a:rPr>
               <a:t>CWND &gt; </a:t>
             </a:r>
             <a:r>
-              <a:rPr lang="en-US" b="0" i="1" dirty="0" err="1">
+              <a:rPr lang="en-US" b="0" i="1" err="1">
                 <a:latin typeface="+mn-lt"/>
               </a:rPr>
               <a:t>ssthresh</a:t>
             </a:r>
-            <a:endParaRPr lang="en-US" b="0" i="1" dirty="0">
+            <a:endParaRPr lang="en-US" b="0" i="1">
               <a:latin typeface="+mn-lt"/>
             </a:endParaRPr>
           </a:p>
@@ -13198,7 +13232,7 @@
           <a:lstStyle/>
           <a:p>
             <a:r>
-              <a:rPr lang="en-US" b="0" i="1" dirty="0">
+              <a:rPr lang="en-US" b="0" i="1">
                 <a:latin typeface="+mn-lt"/>
               </a:rPr>
               <a:t>timeout</a:t>
@@ -13366,7 +13400,7 @@
           <a:lstStyle/>
           <a:p>
             <a:r>
-              <a:rPr lang="en-US" i="1" dirty="0" err="1">
+              <a:rPr lang="en-US" i="1" err="1">
                 <a:solidFill>
                   <a:srgbClr val="0000FF"/>
                 </a:solidFill>
@@ -13375,7 +13409,7 @@
               <a:t>dupACK</a:t>
             </a:r>
             <a:r>
-              <a:rPr lang="en-US" i="1" dirty="0">
+              <a:rPr lang="en-US" i="1">
                 <a:solidFill>
                   <a:srgbClr val="0000FF"/>
                 </a:solidFill>
@@ -13409,7 +13443,7 @@
           <a:lstStyle/>
           <a:p>
             <a:r>
-              <a:rPr lang="en-US" b="0" i="1" dirty="0">
+              <a:rPr lang="en-US" b="0" i="1">
                 <a:latin typeface="+mn-lt"/>
               </a:rPr>
               <a:t>timeout</a:t>
@@ -13440,7 +13474,7 @@
           <a:lstStyle/>
           <a:p>
             <a:r>
-              <a:rPr lang="en-US" i="1" dirty="0" err="1">
+              <a:rPr lang="en-US" i="1" err="1">
                 <a:solidFill>
                   <a:srgbClr val="0000FF"/>
                 </a:solidFill>
@@ -13449,7 +13483,7 @@
               <a:t>dupACK</a:t>
             </a:r>
             <a:r>
-              <a:rPr lang="en-US" i="1" dirty="0">
+              <a:rPr lang="en-US" i="1">
                 <a:solidFill>
                   <a:srgbClr val="0000FF"/>
                 </a:solidFill>
@@ -13483,7 +13517,7 @@
           <a:lstStyle/>
           <a:p>
             <a:r>
-              <a:rPr lang="en-US" b="0" i="1" dirty="0">
+              <a:rPr lang="en-US" b="0" i="1">
                 <a:latin typeface="+mn-lt"/>
               </a:rPr>
               <a:t>new ACK</a:t>
@@ -13611,7 +13645,7 @@
           <a:lstStyle/>
           <a:p>
             <a:r>
-              <a:rPr lang="en-US" i="1" dirty="0">
+              <a:rPr lang="en-US" i="1">
                 <a:solidFill>
                   <a:srgbClr val="0000FF"/>
                 </a:solidFill>
@@ -13742,7 +13776,7 @@
           <a:lstStyle/>
           <a:p>
             <a:r>
-              <a:rPr lang="en-US" b="0" i="1" dirty="0">
+              <a:rPr lang="en-US" b="0" i="1">
                 <a:latin typeface="+mn-lt"/>
               </a:rPr>
               <a:t>new ACK</a:t>
@@ -13870,7 +13904,7 @@
           <a:lstStyle/>
           <a:p>
             <a:r>
-              <a:rPr lang="en-US" b="0" i="1" dirty="0">
+              <a:rPr lang="en-US" b="0" i="1">
                 <a:latin typeface="+mn-lt"/>
               </a:rPr>
               <a:t>timeout</a:t>
@@ -13998,18 +14032,18 @@
           <a:lstStyle/>
           <a:p>
             <a:r>
-              <a:rPr lang="en-US" b="0" i="1" dirty="0">
+              <a:rPr lang="en-US" b="0" i="1">
                 <a:latin typeface="+mn-lt"/>
               </a:rPr>
               <a:t>new </a:t>
             </a:r>
             <a:br>
-              <a:rPr lang="en-US" b="0" i="1" dirty="0">
+              <a:rPr lang="en-US" b="0" i="1">
                 <a:latin typeface="+mn-lt"/>
               </a:rPr>
             </a:br>
             <a:r>
-              <a:rPr lang="en-US" b="0" i="1" dirty="0">
+              <a:rPr lang="en-US" b="0" i="1">
                 <a:latin typeface="+mn-lt"/>
               </a:rPr>
               <a:t>ACK</a:t>
@@ -14145,12 +14179,6 @@
               </a:rPr>
               <a:t>dupACK</a:t>
             </a:r>
-            <a:endParaRPr lang="en-US" i="1" dirty="0">
-              <a:solidFill>
-                <a:srgbClr val="0000FF"/>
-              </a:solidFill>
-              <a:latin typeface="+mn-lt"/>
-            </a:endParaRPr>
           </a:p>
         </p:txBody>
       </p:sp>
@@ -14274,7 +14302,7 @@
           <a:lstStyle/>
           <a:p>
             <a:r>
-              <a:rPr lang="en-US" i="1" dirty="0">
+              <a:rPr lang="en-US" i="1">
                 <a:solidFill>
                   <a:srgbClr val="0000FF"/>
                 </a:solidFill>
@@ -14331,7 +14359,7 @@
           <a:lstStyle/>
           <a:p>
             <a:r>
-              <a:rPr lang="en-US" dirty="0"/>
+              <a:rPr lang="en-US"/>
               <a:t>New ACK changes state ONLY from Fast Recovery</a:t>
             </a:r>
           </a:p>
@@ -14458,14 +14486,14 @@
               <a:tabLst/>
             </a:pPr>
             <a:r>
-              <a:rPr lang="en-US" sz="2000" dirty="0">
+              <a:rPr lang="en-US" sz="2000">
                 <a:ea typeface="Arial" charset="0"/>
                 <a:cs typeface="Arial" charset="0"/>
               </a:rPr>
               <a:t>S</a:t>
             </a:r>
             <a:r>
-              <a:rPr kumimoji="0" lang="en-US" sz="2000" i="0" u="none" strike="noStrike" cap="none" normalizeH="0" baseline="0" dirty="0">
+              <a:rPr kumimoji="0" lang="en-US" sz="2000" i="0" u="none" strike="noStrike" cap="none" normalizeH="0" baseline="0">
                 <a:ln>
                   <a:noFill/>
                 </a:ln>
@@ -14479,7 +14507,7 @@
               <a:t>low </a:t>
             </a:r>
             <a:br>
-              <a:rPr kumimoji="0" lang="en-US" sz="2000" i="0" u="none" strike="noStrike" cap="none" normalizeH="0" baseline="0" dirty="0">
+              <a:rPr kumimoji="0" lang="en-US" sz="2000" i="0" u="none" strike="noStrike" cap="none" normalizeH="0" baseline="0">
                 <a:ln>
                   <a:noFill/>
                 </a:ln>
@@ -14492,7 +14520,7 @@
               </a:rPr>
             </a:br>
             <a:r>
-              <a:rPr kumimoji="0" lang="en-US" sz="2000" i="0" u="none" strike="noStrike" cap="none" normalizeH="0" baseline="0" dirty="0">
+              <a:rPr kumimoji="0" lang="en-US" sz="2000" i="0" u="none" strike="noStrike" cap="none" normalizeH="0" baseline="0">
                 <a:ln>
                   <a:noFill/>
                 </a:ln>
@@ -14561,14 +14589,14 @@
               <a:tabLst/>
             </a:pPr>
             <a:r>
-              <a:rPr lang="en-US" sz="2000" dirty="0">
+              <a:rPr lang="en-US" sz="2000">
                 <a:ea typeface="Arial" charset="0"/>
                 <a:cs typeface="Arial" charset="0"/>
               </a:rPr>
               <a:t>C</a:t>
             </a:r>
             <a:r>
-              <a:rPr kumimoji="0" lang="en-US" sz="2000" i="0" u="none" strike="noStrike" cap="none" normalizeH="0" baseline="0" dirty="0">
+              <a:rPr kumimoji="0" lang="en-US" sz="2000" i="0" u="none" strike="noStrike" cap="none" normalizeH="0" baseline="0">
                 <a:ln>
                   <a:noFill/>
                 </a:ln>
@@ -14582,7 +14610,7 @@
               <a:t>ong. </a:t>
             </a:r>
             <a:br>
-              <a:rPr kumimoji="0" lang="en-US" sz="2000" i="0" u="none" strike="noStrike" cap="none" normalizeH="0" baseline="0" dirty="0">
+              <a:rPr kumimoji="0" lang="en-US" sz="2000" i="0" u="none" strike="noStrike" cap="none" normalizeH="0" baseline="0">
                 <a:ln>
                   <a:noFill/>
                 </a:ln>
@@ -14595,7 +14623,7 @@
               </a:rPr>
             </a:br>
             <a:r>
-              <a:rPr kumimoji="0" lang="en-US" sz="2000" i="0" u="none" strike="noStrike" cap="none" normalizeH="0" baseline="0" dirty="0">
+              <a:rPr kumimoji="0" lang="en-US" sz="2000" i="0" u="none" strike="noStrike" cap="none" normalizeH="0" baseline="0">
                 <a:ln>
                   <a:noFill/>
                 </a:ln>
@@ -14609,13 +14637,13 @@
               <a:t>Avoid</a:t>
             </a:r>
             <a:r>
-              <a:rPr lang="en-US" sz="2000" dirty="0">
+              <a:rPr lang="en-US" sz="2000">
                 <a:ea typeface="Arial" charset="0"/>
                 <a:cs typeface="Arial" charset="0"/>
               </a:rPr>
               <a:t>.</a:t>
             </a:r>
-            <a:endParaRPr kumimoji="0" lang="en-US" sz="2000" i="0" u="none" strike="noStrike" cap="none" normalizeH="0" baseline="0" dirty="0">
+            <a:endParaRPr kumimoji="0" lang="en-US" sz="2000" i="0" u="none" strike="noStrike" cap="none" normalizeH="0" baseline="0">
               <a:ln>
                 <a:noFill/>
               </a:ln>
@@ -14682,14 +14710,14 @@
               <a:tabLst/>
             </a:pPr>
             <a:r>
-              <a:rPr lang="en-US" sz="2000" dirty="0">
+              <a:rPr lang="en-US" sz="2000">
                 <a:ea typeface="Arial" charset="0"/>
                 <a:cs typeface="Arial" charset="0"/>
               </a:rPr>
               <a:t>F</a:t>
             </a:r>
             <a:r>
-              <a:rPr kumimoji="0" lang="en-US" sz="2000" i="0" u="none" strike="noStrike" cap="none" normalizeH="0" baseline="0" dirty="0">
+              <a:rPr kumimoji="0" lang="en-US" sz="2000" i="0" u="none" strike="noStrike" cap="none" normalizeH="0" baseline="0">
                 <a:ln>
                   <a:noFill/>
                 </a:ln>
@@ -14703,7 +14731,7 @@
               <a:t>ast </a:t>
             </a:r>
             <a:br>
-              <a:rPr kumimoji="0" lang="en-US" sz="2000" i="0" u="none" strike="noStrike" cap="none" normalizeH="0" baseline="0" dirty="0">
+              <a:rPr kumimoji="0" lang="en-US" sz="2000" i="0" u="none" strike="noStrike" cap="none" normalizeH="0" baseline="0">
                 <a:ln>
                   <a:noFill/>
                 </a:ln>
@@ -14716,7 +14744,7 @@
               </a:rPr>
             </a:br>
             <a:r>
-              <a:rPr kumimoji="0" lang="en-US" sz="2000" i="0" u="none" strike="noStrike" cap="none" normalizeH="0" baseline="0" dirty="0">
+              <a:rPr kumimoji="0" lang="en-US" sz="2000" i="0" u="none" strike="noStrike" cap="none" normalizeH="0" baseline="0">
                 <a:ln>
                   <a:noFill/>
                 </a:ln>
@@ -14785,18 +14813,18 @@
           <a:lstStyle/>
           <a:p>
             <a:r>
-              <a:rPr lang="en-US" b="0" i="1" dirty="0">
+              <a:rPr lang="en-US" b="0" i="1">
                 <a:latin typeface="+mn-lt"/>
               </a:rPr>
               <a:t>CWND &gt; </a:t>
             </a:r>
             <a:r>
-              <a:rPr lang="en-US" b="0" i="1" dirty="0" err="1">
+              <a:rPr lang="en-US" b="0" i="1" err="1">
                 <a:latin typeface="+mn-lt"/>
               </a:rPr>
               <a:t>ssthresh</a:t>
             </a:r>
-            <a:endParaRPr lang="en-US" b="0" i="1" dirty="0">
+            <a:endParaRPr lang="en-US" b="0" i="1">
               <a:latin typeface="+mn-lt"/>
             </a:endParaRPr>
           </a:p>
@@ -14825,7 +14853,7 @@
           <a:lstStyle/>
           <a:p>
             <a:r>
-              <a:rPr lang="en-US" b="0" i="1" dirty="0">
+              <a:rPr lang="en-US" b="0" i="1">
                 <a:latin typeface="+mn-lt"/>
               </a:rPr>
               <a:t>timeout</a:t>
@@ -14993,13 +15021,13 @@
           <a:lstStyle/>
           <a:p>
             <a:r>
-              <a:rPr lang="en-US" b="0" i="1" dirty="0" err="1">
+              <a:rPr lang="en-US" b="0" i="1" err="1">
                 <a:latin typeface="+mn-lt"/>
               </a:rPr>
               <a:t>dupACK</a:t>
             </a:r>
             <a:r>
-              <a:rPr lang="en-US" b="0" i="1" dirty="0">
+              <a:rPr lang="en-US" b="0" i="1">
                 <a:latin typeface="+mn-lt"/>
               </a:rPr>
               <a:t>=3</a:t>
@@ -15030,7 +15058,7 @@
           <a:lstStyle/>
           <a:p>
             <a:r>
-              <a:rPr lang="en-US" b="0" i="1" dirty="0">
+              <a:rPr lang="en-US" b="0" i="1">
                 <a:latin typeface="+mn-lt"/>
               </a:rPr>
               <a:t>timeout</a:t>
@@ -15061,13 +15089,13 @@
           <a:lstStyle/>
           <a:p>
             <a:r>
-              <a:rPr lang="en-US" b="0" i="1" dirty="0" err="1">
+              <a:rPr lang="en-US" b="0" i="1" err="1">
                 <a:latin typeface="+mn-lt"/>
               </a:rPr>
               <a:t>dupACK</a:t>
             </a:r>
             <a:r>
-              <a:rPr lang="en-US" b="0" i="1" dirty="0">
+              <a:rPr lang="en-US" b="0" i="1">
                 <a:latin typeface="+mn-lt"/>
               </a:rPr>
               <a:t>=3</a:t>
@@ -15098,7 +15126,7 @@
           <a:lstStyle/>
           <a:p>
             <a:r>
-              <a:rPr lang="en-US" i="1" dirty="0">
+              <a:rPr lang="en-US" i="1">
                 <a:solidFill>
                   <a:srgbClr val="0000FF"/>
                 </a:solidFill>
@@ -15229,7 +15257,7 @@
           <a:lstStyle/>
           <a:p>
             <a:r>
-              <a:rPr lang="en-US" b="0" i="1" dirty="0">
+              <a:rPr lang="en-US" b="0" i="1">
                 <a:latin typeface="+mn-lt"/>
               </a:rPr>
               <a:t>dupACK</a:t>
@@ -15357,7 +15385,7 @@
           <a:lstStyle/>
           <a:p>
             <a:r>
-              <a:rPr lang="en-US" i="1" dirty="0">
+              <a:rPr lang="en-US" i="1">
                 <a:solidFill>
                   <a:srgbClr val="0000FF"/>
                 </a:solidFill>
@@ -15488,7 +15516,7 @@
           <a:lstStyle/>
           <a:p>
             <a:r>
-              <a:rPr lang="en-US" b="0" i="1" dirty="0">
+              <a:rPr lang="en-US" b="0" i="1">
                 <a:latin typeface="+mn-lt"/>
               </a:rPr>
               <a:t>timeout</a:t>
@@ -15616,7 +15644,7 @@
           <a:lstStyle/>
           <a:p>
             <a:r>
-              <a:rPr lang="en-US" i="1" dirty="0">
+              <a:rPr lang="en-US" i="1">
                 <a:solidFill>
                   <a:srgbClr val="0000FF"/>
                 </a:solidFill>
@@ -15625,7 +15653,7 @@
               <a:t>new </a:t>
             </a:r>
             <a:br>
-              <a:rPr lang="en-US" i="1" dirty="0">
+              <a:rPr lang="en-US" i="1">
                 <a:solidFill>
                   <a:srgbClr val="0000FF"/>
                 </a:solidFill>
@@ -15633,7 +15661,7 @@
               </a:rPr>
             </a:br>
             <a:r>
-              <a:rPr lang="en-US" i="1" dirty="0">
+              <a:rPr lang="en-US" i="1">
                 <a:solidFill>
                   <a:srgbClr val="0000FF"/>
                 </a:solidFill>
@@ -15769,9 +15797,6 @@
               </a:rPr>
               <a:t>dupACK</a:t>
             </a:r>
-            <a:endParaRPr lang="en-US" b="0" i="1" dirty="0">
-              <a:latin typeface="+mn-lt"/>
-            </a:endParaRPr>
           </a:p>
         </p:txBody>
       </p:sp>
@@ -15895,7 +15920,7 @@
           <a:lstStyle/>
           <a:p>
             <a:r>
-              <a:rPr lang="en-US" b="0" i="1" dirty="0">
+              <a:rPr lang="en-US" b="0" i="1">
                 <a:latin typeface="+mn-lt"/>
               </a:rPr>
               <a:t>dupACK</a:t>
@@ -15949,7 +15974,7 @@
           <a:lstStyle/>
           <a:p>
             <a:r>
-              <a:rPr lang="en-US" dirty="0"/>
+              <a:rPr lang="en-US"/>
               <a:t>Agenda</a:t>
             </a:r>
           </a:p>
@@ -15971,19 +15996,19 @@
           <a:lstStyle/>
           <a:p>
             <a:r>
-              <a:rPr lang="en-US" dirty="0"/>
+              <a:rPr lang="en-US"/>
               <a:t>TCP congestion control wrap-up</a:t>
             </a:r>
           </a:p>
           <a:p>
             <a:r>
-              <a:rPr lang="en-US" dirty="0"/>
+              <a:rPr lang="en-US"/>
               <a:t>TCP throughput equation</a:t>
             </a:r>
           </a:p>
           <a:p>
             <a:r>
-              <a:rPr lang="en-US" dirty="0"/>
+              <a:rPr lang="en-US"/>
               <a:t>Problems with congestion control</a:t>
             </a:r>
           </a:p>
@@ -16109,7 +16134,7 @@
           <a:lstStyle/>
           <a:p>
             <a:r>
-              <a:rPr lang="en-US" dirty="0"/>
+              <a:rPr lang="en-US"/>
               <a:t> TCP state machine</a:t>
             </a:r>
           </a:p>
@@ -16236,14 +16261,14 @@
               <a:tabLst/>
             </a:pPr>
             <a:r>
-              <a:rPr lang="en-US" sz="2000" dirty="0">
+              <a:rPr lang="en-US" sz="2000">
                 <a:ea typeface="Arial" charset="0"/>
                 <a:cs typeface="Arial" charset="0"/>
               </a:rPr>
               <a:t>S</a:t>
             </a:r>
             <a:r>
-              <a:rPr kumimoji="0" lang="en-US" sz="2000" i="0" u="none" strike="noStrike" cap="none" normalizeH="0" baseline="0" dirty="0">
+              <a:rPr kumimoji="0" lang="en-US" sz="2000" i="0" u="none" strike="noStrike" cap="none" normalizeH="0" baseline="0">
                 <a:ln>
                   <a:noFill/>
                 </a:ln>
@@ -16257,7 +16282,7 @@
               <a:t>low </a:t>
             </a:r>
             <a:br>
-              <a:rPr kumimoji="0" lang="en-US" sz="2000" i="0" u="none" strike="noStrike" cap="none" normalizeH="0" baseline="0" dirty="0">
+              <a:rPr kumimoji="0" lang="en-US" sz="2000" i="0" u="none" strike="noStrike" cap="none" normalizeH="0" baseline="0">
                 <a:ln>
                   <a:noFill/>
                 </a:ln>
@@ -16270,7 +16295,7 @@
               </a:rPr>
             </a:br>
             <a:r>
-              <a:rPr kumimoji="0" lang="en-US" sz="2000" i="0" u="none" strike="noStrike" cap="none" normalizeH="0" baseline="0" dirty="0">
+              <a:rPr kumimoji="0" lang="en-US" sz="2000" i="0" u="none" strike="noStrike" cap="none" normalizeH="0" baseline="0">
                 <a:ln>
                   <a:noFill/>
                 </a:ln>
@@ -16339,14 +16364,14 @@
               <a:tabLst/>
             </a:pPr>
             <a:r>
-              <a:rPr lang="en-US" sz="2000" dirty="0">
+              <a:rPr lang="en-US" sz="2000">
                 <a:ea typeface="Arial" charset="0"/>
                 <a:cs typeface="Arial" charset="0"/>
               </a:rPr>
               <a:t>C</a:t>
             </a:r>
             <a:r>
-              <a:rPr kumimoji="0" lang="en-US" sz="2000" i="0" u="none" strike="noStrike" cap="none" normalizeH="0" baseline="0" dirty="0">
+              <a:rPr kumimoji="0" lang="en-US" sz="2000" i="0" u="none" strike="noStrike" cap="none" normalizeH="0" baseline="0">
                 <a:ln>
                   <a:noFill/>
                 </a:ln>
@@ -16360,7 +16385,7 @@
               <a:t>ong. </a:t>
             </a:r>
             <a:br>
-              <a:rPr kumimoji="0" lang="en-US" sz="2000" i="0" u="none" strike="noStrike" cap="none" normalizeH="0" baseline="0" dirty="0">
+              <a:rPr kumimoji="0" lang="en-US" sz="2000" i="0" u="none" strike="noStrike" cap="none" normalizeH="0" baseline="0">
                 <a:ln>
                   <a:noFill/>
                 </a:ln>
@@ -16373,7 +16398,7 @@
               </a:rPr>
             </a:br>
             <a:r>
-              <a:rPr kumimoji="0" lang="en-US" sz="2000" i="0" u="none" strike="noStrike" cap="none" normalizeH="0" baseline="0" dirty="0">
+              <a:rPr kumimoji="0" lang="en-US" sz="2000" i="0" u="none" strike="noStrike" cap="none" normalizeH="0" baseline="0">
                 <a:ln>
                   <a:noFill/>
                 </a:ln>
@@ -16387,13 +16412,13 @@
               <a:t>Avoid</a:t>
             </a:r>
             <a:r>
-              <a:rPr lang="en-US" sz="2000" dirty="0">
+              <a:rPr lang="en-US" sz="2000">
                 <a:ea typeface="Arial" charset="0"/>
                 <a:cs typeface="Arial" charset="0"/>
               </a:rPr>
               <a:t>.</a:t>
             </a:r>
-            <a:endParaRPr kumimoji="0" lang="en-US" sz="2000" i="0" u="none" strike="noStrike" cap="none" normalizeH="0" baseline="0" dirty="0">
+            <a:endParaRPr kumimoji="0" lang="en-US" sz="2000" i="0" u="none" strike="noStrike" cap="none" normalizeH="0" baseline="0">
               <a:ln>
                 <a:noFill/>
               </a:ln>
@@ -16460,14 +16485,14 @@
               <a:tabLst/>
             </a:pPr>
             <a:r>
-              <a:rPr lang="en-US" sz="2000" dirty="0">
+              <a:rPr lang="en-US" sz="2000">
                 <a:ea typeface="Arial" charset="0"/>
                 <a:cs typeface="Arial" charset="0"/>
               </a:rPr>
               <a:t>F</a:t>
             </a:r>
             <a:r>
-              <a:rPr kumimoji="0" lang="en-US" sz="2000" i="0" u="none" strike="noStrike" cap="none" normalizeH="0" baseline="0" dirty="0">
+              <a:rPr kumimoji="0" lang="en-US" sz="2000" i="0" u="none" strike="noStrike" cap="none" normalizeH="0" baseline="0">
                 <a:ln>
                   <a:noFill/>
                 </a:ln>
@@ -16481,7 +16506,7 @@
               <a:t>ast </a:t>
             </a:r>
             <a:br>
-              <a:rPr kumimoji="0" lang="en-US" sz="2000" i="0" u="none" strike="noStrike" cap="none" normalizeH="0" baseline="0" dirty="0">
+              <a:rPr kumimoji="0" lang="en-US" sz="2000" i="0" u="none" strike="noStrike" cap="none" normalizeH="0" baseline="0">
                 <a:ln>
                   <a:noFill/>
                 </a:ln>
@@ -16494,7 +16519,7 @@
               </a:rPr>
             </a:br>
             <a:r>
-              <a:rPr kumimoji="0" lang="en-US" sz="2000" i="0" u="none" strike="noStrike" cap="none" normalizeH="0" baseline="0" dirty="0">
+              <a:rPr kumimoji="0" lang="en-US" sz="2000" i="0" u="none" strike="noStrike" cap="none" normalizeH="0" baseline="0">
                 <a:ln>
                   <a:noFill/>
                 </a:ln>
@@ -16563,7 +16588,7 @@
           <a:lstStyle/>
           <a:p>
             <a:r>
-              <a:rPr lang="en-US" i="1" dirty="0">
+              <a:rPr lang="en-US" i="1">
                 <a:solidFill>
                   <a:srgbClr val="0000FF"/>
                 </a:solidFill>
@@ -16572,7 +16597,7 @@
               <a:t>CWND &gt; </a:t>
             </a:r>
             <a:r>
-              <a:rPr lang="en-US" i="1" dirty="0" err="1">
+              <a:rPr lang="en-US" i="1" err="1">
                 <a:solidFill>
                   <a:srgbClr val="0000FF"/>
                 </a:solidFill>
@@ -16580,7 +16605,7 @@
               </a:rPr>
               <a:t>ssthresh</a:t>
             </a:r>
-            <a:endParaRPr lang="en-US" i="1" dirty="0">
+            <a:endParaRPr lang="en-US" i="1">
               <a:solidFill>
                 <a:srgbClr val="0000FF"/>
               </a:solidFill>
@@ -16612,7 +16637,7 @@
           <a:lstStyle/>
           <a:p>
             <a:r>
-              <a:rPr lang="en-US" b="0" i="1" dirty="0">
+              <a:rPr lang="en-US" b="0" i="1">
                 <a:latin typeface="+mn-lt"/>
               </a:rPr>
               <a:t>timeout</a:t>
@@ -16780,13 +16805,13 @@
           <a:lstStyle/>
           <a:p>
             <a:r>
-              <a:rPr lang="en-US" b="0" i="1" dirty="0" err="1">
+              <a:rPr lang="en-US" b="0" i="1" err="1">
                 <a:latin typeface="+mn-lt"/>
               </a:rPr>
               <a:t>dupACK</a:t>
             </a:r>
             <a:r>
-              <a:rPr lang="en-US" b="0" i="1" dirty="0">
+              <a:rPr lang="en-US" b="0" i="1">
                 <a:latin typeface="+mn-lt"/>
               </a:rPr>
               <a:t>=3</a:t>
@@ -16817,7 +16842,7 @@
           <a:lstStyle/>
           <a:p>
             <a:r>
-              <a:rPr lang="en-US" b="0" i="1" dirty="0">
+              <a:rPr lang="en-US" b="0" i="1">
                 <a:latin typeface="+mn-lt"/>
               </a:rPr>
               <a:t>timeout</a:t>
@@ -16848,13 +16873,13 @@
           <a:lstStyle/>
           <a:p>
             <a:r>
-              <a:rPr lang="en-US" b="0" i="1" dirty="0" err="1">
+              <a:rPr lang="en-US" b="0" i="1" err="1">
                 <a:latin typeface="+mn-lt"/>
               </a:rPr>
               <a:t>dupACK</a:t>
             </a:r>
             <a:r>
-              <a:rPr lang="en-US" b="0" i="1" dirty="0">
+              <a:rPr lang="en-US" b="0" i="1">
                 <a:latin typeface="+mn-lt"/>
               </a:rPr>
               <a:t>=3</a:t>
@@ -16885,7 +16910,7 @@
           <a:lstStyle/>
           <a:p>
             <a:r>
-              <a:rPr lang="en-US" b="0" i="1" dirty="0">
+              <a:rPr lang="en-US" b="0" i="1">
                 <a:latin typeface="+mn-lt"/>
               </a:rPr>
               <a:t>new ACK</a:t>
@@ -17013,7 +17038,7 @@
           <a:lstStyle/>
           <a:p>
             <a:r>
-              <a:rPr lang="en-US" b="0" i="1" dirty="0">
+              <a:rPr lang="en-US" b="0" i="1">
                 <a:latin typeface="+mn-lt"/>
               </a:rPr>
               <a:t>dupACK</a:t>
@@ -17141,7 +17166,7 @@
           <a:lstStyle/>
           <a:p>
             <a:r>
-              <a:rPr lang="en-US" b="0" i="1" dirty="0">
+              <a:rPr lang="en-US" b="0" i="1">
                 <a:latin typeface="+mn-lt"/>
               </a:rPr>
               <a:t>new ACK</a:t>
@@ -17269,7 +17294,7 @@
           <a:lstStyle/>
           <a:p>
             <a:r>
-              <a:rPr lang="en-US" b="0" i="1" dirty="0">
+              <a:rPr lang="en-US" b="0" i="1">
                 <a:latin typeface="+mn-lt"/>
               </a:rPr>
               <a:t>timeout</a:t>
@@ -17397,18 +17422,18 @@
           <a:lstStyle/>
           <a:p>
             <a:r>
-              <a:rPr lang="en-US" b="0" i="1" dirty="0">
+              <a:rPr lang="en-US" b="0" i="1">
                 <a:latin typeface="+mn-lt"/>
               </a:rPr>
               <a:t>new </a:t>
             </a:r>
             <a:br>
-              <a:rPr lang="en-US" b="0" i="1" dirty="0">
+              <a:rPr lang="en-US" b="0" i="1">
                 <a:latin typeface="+mn-lt"/>
               </a:rPr>
             </a:br>
             <a:r>
-              <a:rPr lang="en-US" b="0" i="1" dirty="0">
+              <a:rPr lang="en-US" b="0" i="1">
                 <a:latin typeface="+mn-lt"/>
               </a:rPr>
               <a:t>ACK</a:t>
@@ -17541,9 +17566,6 @@
               </a:rPr>
               <a:t>dupACK</a:t>
             </a:r>
-            <a:endParaRPr lang="en-US" b="0" i="1" dirty="0">
-              <a:latin typeface="+mn-lt"/>
-            </a:endParaRPr>
           </a:p>
         </p:txBody>
       </p:sp>
@@ -17667,7 +17689,7 @@
           <a:lstStyle/>
           <a:p>
             <a:r>
-              <a:rPr lang="en-US" b="0" i="1" dirty="0">
+              <a:rPr lang="en-US" b="0" i="1">
                 <a:latin typeface="+mn-lt"/>
               </a:rPr>
               <a:t>dupACK</a:t>
@@ -17721,7 +17743,7 @@
           <a:lstStyle/>
           <a:p>
             <a:r>
-              <a:rPr lang="en-US" dirty="0"/>
+              <a:rPr lang="en-US"/>
               <a:t>TCP flavors </a:t>
             </a:r>
           </a:p>
@@ -17743,65 +17765,65 @@
           <a:lstStyle/>
           <a:p>
             <a:r>
-              <a:rPr lang="en-US" dirty="0"/>
+              <a:rPr lang="en-US"/>
               <a:t>TCP-Tahoe</a:t>
             </a:r>
           </a:p>
           <a:p>
             <a:pPr lvl="1"/>
             <a:r>
-              <a:rPr lang="en-US" dirty="0"/>
+              <a:rPr lang="en-US"/>
               <a:t>CWND =1 on 3 dupACKs</a:t>
             </a:r>
           </a:p>
           <a:p>
             <a:r>
-              <a:rPr lang="en-US" dirty="0"/>
+              <a:rPr lang="en-US"/>
               <a:t>TCP-Reno</a:t>
             </a:r>
           </a:p>
           <a:p>
             <a:pPr lvl="1"/>
             <a:r>
-              <a:rPr lang="en-US" dirty="0"/>
+              <a:rPr lang="en-US"/>
               <a:t>CWND =1 on timeout</a:t>
             </a:r>
           </a:p>
           <a:p>
             <a:pPr lvl="1"/>
             <a:r>
-              <a:rPr lang="en-US" dirty="0"/>
+              <a:rPr lang="en-US"/>
               <a:t>CWND = CWND/2 on 3 dupACKs</a:t>
             </a:r>
           </a:p>
           <a:p>
             <a:r>
-              <a:rPr lang="en-US" dirty="0"/>
+              <a:rPr lang="en-US"/>
               <a:t>TCP-</a:t>
             </a:r>
             <a:r>
-              <a:rPr lang="en-US" dirty="0" err="1"/>
+              <a:rPr lang="en-US" err="1"/>
               <a:t>newReno</a:t>
             </a:r>
-            <a:endParaRPr lang="en-US" dirty="0"/>
+            <a:endParaRPr lang="en-US"/>
           </a:p>
           <a:p>
             <a:pPr lvl="1"/>
             <a:r>
-              <a:rPr lang="en-US" dirty="0"/>
+              <a:rPr lang="en-US"/>
               <a:t>TCP-Reno + improved fast recovery</a:t>
             </a:r>
           </a:p>
           <a:p>
             <a:r>
-              <a:rPr lang="en-US" dirty="0"/>
+              <a:rPr lang="en-US"/>
               <a:t>TCP-SACK</a:t>
             </a:r>
           </a:p>
           <a:p>
             <a:pPr lvl="1"/>
             <a:r>
-              <a:rPr lang="en-US" dirty="0"/>
+              <a:rPr lang="en-US"/>
               <a:t>Incorporates selective acknowledgements </a:t>
             </a:r>
           </a:p>
@@ -17968,18 +17990,18 @@
           <a:p>
             <a:pPr algn="l"/>
             <a:r>
-              <a:rPr lang="en-US" sz="2400" dirty="0">
+              <a:rPr lang="en-US" sz="2400">
                 <a:latin typeface="+mn-lt"/>
               </a:rPr>
               <a:t>Our default </a:t>
             </a:r>
             <a:br>
-              <a:rPr lang="en-US" sz="2400" dirty="0">
+              <a:rPr lang="en-US" sz="2400">
                 <a:latin typeface="+mn-lt"/>
               </a:rPr>
             </a:br>
             <a:r>
-              <a:rPr lang="en-US" sz="2400" dirty="0">
+              <a:rPr lang="en-US" sz="2400">
                 <a:latin typeface="+mn-lt"/>
               </a:rPr>
               <a:t>assumption</a:t>
@@ -18491,7 +18513,7 @@
           <a:lstStyle/>
           <a:p>
             <a:r>
-              <a:rPr lang="en-US" dirty="0"/>
+              <a:rPr lang="en-US"/>
               <a:t>How can they coexist? </a:t>
             </a:r>
           </a:p>
@@ -18513,21 +18535,21 @@
           <a:lstStyle/>
           <a:p>
             <a:r>
-              <a:rPr lang="en-US" dirty="0"/>
+              <a:rPr lang="en-US"/>
               <a:t>All follow the same principle</a:t>
             </a:r>
           </a:p>
           <a:p>
             <a:pPr lvl="1"/>
             <a:r>
-              <a:rPr lang="en-US" dirty="0"/>
+              <a:rPr lang="en-US"/>
               <a:t>Increase CWND on good news</a:t>
             </a:r>
           </a:p>
           <a:p>
             <a:pPr lvl="1"/>
             <a:r>
-              <a:rPr lang="en-US" dirty="0"/>
+              <a:rPr lang="en-US"/>
               <a:t>Decrease CWND on bad news</a:t>
             </a:r>
           </a:p>
@@ -18812,7 +18834,7 @@
           <a:lstStyle/>
           <a:p>
             <a:r>
-              <a:rPr lang="en-US" dirty="0"/>
+              <a:rPr lang="en-US"/>
               <a:t>5-minute break!</a:t>
             </a:r>
           </a:p>
@@ -18963,7 +18985,7 @@
           <a:lstStyle/>
           <a:p>
             <a:r>
-              <a:rPr lang="en-US" dirty="0"/>
+              <a:rPr lang="en-US"/>
               <a:t>Announcements</a:t>
             </a:r>
           </a:p>
@@ -18991,14 +19013,14 @@
           <a:lstStyle/>
           <a:p>
             <a:r>
-              <a:rPr lang="en-US" dirty="0"/>
+              <a:rPr lang="en-US"/>
               <a:t>80-minute midterm exam starts on</a:t>
             </a:r>
           </a:p>
           <a:p>
             <a:pPr lvl="1"/>
             <a:r>
-              <a:rPr lang="en-US" b="1" dirty="0">
+              <a:rPr lang="en-US" b="1">
                 <a:solidFill>
                   <a:srgbClr val="0000FF"/>
                 </a:solidFill>
@@ -19146,7 +19168,7 @@
           <a:lstStyle/>
           <a:p>
             <a:r>
-              <a:rPr lang="en-US" dirty="0"/>
+              <a:rPr lang="en-US"/>
               <a:t>TCP Throughput Equation</a:t>
             </a:r>
           </a:p>
@@ -19366,7 +19388,7 @@
               <a:defRPr/>
             </a:pPr>
             <a:r>
-              <a:rPr lang="en-US" sz="2800" dirty="0">
+              <a:rPr lang="en-US" sz="2800">
                 <a:solidFill>
                   <a:srgbClr val="000090"/>
                 </a:solidFill>
@@ -19393,7 +19415,7 @@
           <a:lstStyle/>
           <a:p>
             <a:r>
-              <a:rPr lang="en-US" dirty="0"/>
+              <a:rPr lang="en-US"/>
               <a:t>A simple model for TCP throughput</a:t>
             </a:r>
           </a:p>
@@ -19467,7 +19489,7 @@
           </a:ln>
           <a:extLst>
             <a:ext uri="{909E8E84-426E-40dd-AFC4-6F175D3DCCD1}">
-              <a14:hiddenFill xmlns="" xmlns:a14="http://schemas.microsoft.com/office/drawing/2010/main">
+              <a14:hiddenFill xmlns:a14="http://schemas.microsoft.com/office/drawing/2010/main" xmlns="">
                 <a:solidFill>
                   <a:srgbClr val="FFFFFF"/>
                 </a:solidFill>
@@ -19510,7 +19532,7 @@
           </a:ln>
           <a:extLst>
             <a:ext uri="{909E8E84-426E-40dd-AFC4-6F175D3DCCD1}">
-              <a14:hiddenFill xmlns="" xmlns:a14="http://schemas.microsoft.com/office/drawing/2010/main">
+              <a14:hiddenFill xmlns:a14="http://schemas.microsoft.com/office/drawing/2010/main" xmlns="">
                 <a:noFill/>
               </a14:hiddenFill>
             </a:ext>
@@ -19546,14 +19568,14 @@
           </a:ln>
           <a:extLst>
             <a:ext uri="{909E8E84-426E-40dd-AFC4-6F175D3DCCD1}">
-              <a14:hiddenFill xmlns="" xmlns:a14="http://schemas.microsoft.com/office/drawing/2010/main">
+              <a14:hiddenFill xmlns:a14="http://schemas.microsoft.com/office/drawing/2010/main" xmlns="">
                 <a:solidFill>
                   <a:srgbClr val="FFFFFF"/>
                 </a:solidFill>
               </a14:hiddenFill>
             </a:ext>
             <a:ext uri="{91240B29-F687-4f45-9708-019B960494DF}">
-              <a14:hiddenLine xmlns="" xmlns:a14="http://schemas.microsoft.com/office/drawing/2010/main" w="9525">
+              <a14:hiddenLine xmlns:a14="http://schemas.microsoft.com/office/drawing/2010/main" xmlns="" w="9525">
                 <a:solidFill>
                   <a:srgbClr val="000000"/>
                 </a:solidFill>
@@ -19679,7 +19701,7 @@
           <a:p>
             <a:pPr eaLnBrk="1" hangingPunct="1"/>
             <a:r>
-              <a:rPr lang="en-US" dirty="0"/>
+              <a:rPr lang="en-US"/>
               <a:t>Loss</a:t>
             </a:r>
           </a:p>
@@ -19779,7 +19801,7 @@
           </a:ln>
           <a:extLst>
             <a:ext uri="{909E8E84-426E-40dd-AFC4-6F175D3DCCD1}">
-              <a14:hiddenFill xmlns="" xmlns:a14="http://schemas.microsoft.com/office/drawing/2010/main">
+              <a14:hiddenFill xmlns:a14="http://schemas.microsoft.com/office/drawing/2010/main" xmlns="">
                 <a:solidFill>
                   <a:srgbClr val="FFFFFF"/>
                 </a:solidFill>
@@ -19817,14 +19839,14 @@
           </a:ln>
           <a:extLst>
             <a:ext uri="{909E8E84-426E-40dd-AFC4-6F175D3DCCD1}">
-              <a14:hiddenFill xmlns="" xmlns:a14="http://schemas.microsoft.com/office/drawing/2010/main">
+              <a14:hiddenFill xmlns:a14="http://schemas.microsoft.com/office/drawing/2010/main" xmlns="">
                 <a:solidFill>
                   <a:srgbClr val="FFFFFF"/>
                 </a:solidFill>
               </a14:hiddenFill>
             </a:ext>
             <a:ext uri="{91240B29-F687-4f45-9708-019B960494DF}">
-              <a14:hiddenLine xmlns="" xmlns:a14="http://schemas.microsoft.com/office/drawing/2010/main" w="9525">
+              <a14:hiddenLine xmlns:a14="http://schemas.microsoft.com/office/drawing/2010/main" xmlns="" w="9525">
                 <a:solidFill>
                   <a:srgbClr val="000000"/>
                 </a:solidFill>
@@ -19950,7 +19972,7 @@
           <a:p>
             <a:pPr eaLnBrk="1" hangingPunct="1"/>
             <a:r>
-              <a:rPr lang="en-US" i="1" dirty="0">
+              <a:rPr lang="en-US" i="1">
                 <a:latin typeface="Times New Roman" charset="0"/>
               </a:rPr>
               <a:t>time</a:t>
@@ -19980,14 +20002,14 @@
           </a:ln>
           <a:extLst>
             <a:ext uri="{909E8E84-426E-40dd-AFC4-6F175D3DCCD1}">
-              <a14:hiddenFill xmlns="" xmlns:a14="http://schemas.microsoft.com/office/drawing/2010/main">
+              <a14:hiddenFill xmlns:a14="http://schemas.microsoft.com/office/drawing/2010/main" xmlns="">
                 <a:solidFill>
                   <a:srgbClr val="FFFFFF"/>
                 </a:solidFill>
               </a14:hiddenFill>
             </a:ext>
             <a:ext uri="{91240B29-F687-4f45-9708-019B960494DF}">
-              <a14:hiddenLine xmlns="" xmlns:a14="http://schemas.microsoft.com/office/drawing/2010/main" w="9525">
+              <a14:hiddenLine xmlns:a14="http://schemas.microsoft.com/office/drawing/2010/main" xmlns="" w="9525">
                 <a:solidFill>
                   <a:srgbClr val="000000"/>
                 </a:solidFill>
@@ -20189,7 +20211,7 @@
           </a:ln>
           <a:extLst>
             <a:ext uri="{909E8E84-426E-40dd-AFC4-6F175D3DCCD1}">
-              <a14:hiddenFill xmlns="" xmlns:a14="http://schemas.microsoft.com/office/drawing/2010/main">
+              <a14:hiddenFill xmlns:a14="http://schemas.microsoft.com/office/drawing/2010/main" xmlns="">
                 <a:solidFill>
                   <a:srgbClr val="FFFFFF"/>
                 </a:solidFill>
@@ -20273,7 +20295,7 @@
           </a:ln>
           <a:extLst>
             <a:ext uri="{909E8E84-426E-40dd-AFC4-6F175D3DCCD1}">
-              <a14:hiddenFill xmlns="" xmlns:a14="http://schemas.microsoft.com/office/drawing/2010/main">
+              <a14:hiddenFill xmlns:a14="http://schemas.microsoft.com/office/drawing/2010/main" xmlns="">
                 <a:solidFill>
                   <a:srgbClr val="FFFFFF"/>
                 </a:solidFill>
@@ -20357,7 +20379,7 @@
           </a:ln>
           <a:extLst>
             <a:ext uri="{909E8E84-426E-40dd-AFC4-6F175D3DCCD1}">
-              <a14:hiddenFill xmlns="" xmlns:a14="http://schemas.microsoft.com/office/drawing/2010/main">
+              <a14:hiddenFill xmlns:a14="http://schemas.microsoft.com/office/drawing/2010/main" xmlns="">
                 <a:solidFill>
                   <a:srgbClr val="FFFFFF"/>
                 </a:solidFill>
@@ -20400,7 +20422,7 @@
           </a:ln>
           <a:extLst>
             <a:ext uri="{909E8E84-426E-40dd-AFC4-6F175D3DCCD1}">
-              <a14:hiddenFill xmlns="" xmlns:a14="http://schemas.microsoft.com/office/drawing/2010/main">
+              <a14:hiddenFill xmlns:a14="http://schemas.microsoft.com/office/drawing/2010/main" xmlns="">
                 <a:noFill/>
               </a14:hiddenFill>
             </a:ext>
@@ -20441,7 +20463,7 @@
           </a:ln>
           <a:extLst>
             <a:ext uri="{909E8E84-426E-40dd-AFC4-6F175D3DCCD1}">
-              <a14:hiddenFill xmlns="" xmlns:a14="http://schemas.microsoft.com/office/drawing/2010/main">
+              <a14:hiddenFill xmlns:a14="http://schemas.microsoft.com/office/drawing/2010/main" xmlns="">
                 <a:noFill/>
               </a14:hiddenFill>
             </a:ext>
@@ -20482,7 +20504,7 @@
           </a:ln>
           <a:extLst>
             <a:ext uri="{909E8E84-426E-40dd-AFC4-6F175D3DCCD1}">
-              <a14:hiddenFill xmlns="" xmlns:a14="http://schemas.microsoft.com/office/drawing/2010/main">
+              <a14:hiddenFill xmlns:a14="http://schemas.microsoft.com/office/drawing/2010/main" xmlns="">
                 <a:noFill/>
               </a14:hiddenFill>
             </a:ext>
@@ -20525,7 +20547,7 @@
           </a:ln>
           <a:extLst>
             <a:ext uri="{909E8E84-426E-40dd-AFC4-6F175D3DCCD1}">
-              <a14:hiddenFill xmlns="" xmlns:a14="http://schemas.microsoft.com/office/drawing/2010/main">
+              <a14:hiddenFill xmlns:a14="http://schemas.microsoft.com/office/drawing/2010/main" xmlns="">
                 <a:noFill/>
               </a14:hiddenFill>
             </a:ext>
@@ -20560,7 +20582,7 @@
           </a:ln>
           <a:extLst>
             <a:ext uri="{909E8E84-426E-40dd-AFC4-6F175D3DCCD1}">
-              <a14:hiddenFill xmlns="" xmlns:a14="http://schemas.microsoft.com/office/drawing/2010/main">
+              <a14:hiddenFill xmlns:a14="http://schemas.microsoft.com/office/drawing/2010/main" xmlns="">
                 <a:noFill/>
               </a14:hiddenFill>
             </a:ext>
@@ -20596,7 +20618,7 @@
           </a:ln>
           <a:extLst>
             <a:ext uri="{909E8E84-426E-40dd-AFC4-6F175D3DCCD1}">
-              <a14:hiddenFill xmlns="" xmlns:a14="http://schemas.microsoft.com/office/drawing/2010/main">
+              <a14:hiddenFill xmlns:a14="http://schemas.microsoft.com/office/drawing/2010/main" xmlns="">
                 <a:noFill/>
               </a14:hiddenFill>
             </a:ext>
@@ -20631,7 +20653,7 @@
           </a:ln>
           <a:extLst>
             <a:ext uri="{909E8E84-426E-40dd-AFC4-6F175D3DCCD1}">
-              <a14:hiddenFill xmlns="" xmlns:a14="http://schemas.microsoft.com/office/drawing/2010/main">
+              <a14:hiddenFill xmlns:a14="http://schemas.microsoft.com/office/drawing/2010/main" xmlns="">
                 <a:noFill/>
               </a14:hiddenFill>
             </a:ext>
@@ -20681,7 +20703,7 @@
             </a:ln>
             <a:extLst>
               <a:ext uri="{909E8E84-426E-40dd-AFC4-6F175D3DCCD1}">
-                <a14:hiddenFill xmlns="" xmlns:a14="http://schemas.microsoft.com/office/drawing/2010/main">
+                <a14:hiddenFill xmlns:a14="http://schemas.microsoft.com/office/drawing/2010/main" xmlns="">
                   <a:solidFill>
                     <a:srgbClr val="FFFFFF"/>
                   </a:solidFill>
@@ -20726,7 +20748,7 @@
             </a:ln>
             <a:extLst>
               <a:ext uri="{909E8E84-426E-40dd-AFC4-6F175D3DCCD1}">
-                <a14:hiddenFill xmlns="" xmlns:a14="http://schemas.microsoft.com/office/drawing/2010/main">
+                <a14:hiddenFill xmlns:a14="http://schemas.microsoft.com/office/drawing/2010/main" xmlns="">
                   <a:noFill/>
                 </a14:hiddenFill>
               </a:ext>
@@ -20871,7 +20893,7 @@
               </a:ln>
               <a:extLst>
                 <a:ext uri="{909E8E84-426E-40dd-AFC4-6F175D3DCCD1}">
-                  <a14:hiddenFill xmlns="" xmlns:a14="http://schemas.microsoft.com/office/drawing/2010/main">
+                  <a14:hiddenFill xmlns:a14="http://schemas.microsoft.com/office/drawing/2010/main" xmlns="">
                     <a:solidFill>
                       <a:srgbClr val="FFFFFF"/>
                     </a:solidFill>
@@ -20973,7 +20995,7 @@
               </a:ln>
               <a:extLst>
                 <a:ext uri="{909E8E84-426E-40dd-AFC4-6F175D3DCCD1}">
-                  <a14:hiddenFill xmlns="" xmlns:a14="http://schemas.microsoft.com/office/drawing/2010/main">
+                  <a14:hiddenFill xmlns:a14="http://schemas.microsoft.com/office/drawing/2010/main" xmlns="">
                     <a:solidFill>
                       <a:srgbClr val="FFFFFF"/>
                     </a:solidFill>
@@ -21075,7 +21097,7 @@
               </a:ln>
               <a:extLst>
                 <a:ext uri="{909E8E84-426E-40dd-AFC4-6F175D3DCCD1}">
-                  <a14:hiddenFill xmlns="" xmlns:a14="http://schemas.microsoft.com/office/drawing/2010/main">
+                  <a14:hiddenFill xmlns:a14="http://schemas.microsoft.com/office/drawing/2010/main" xmlns="">
                     <a:solidFill>
                       <a:srgbClr val="FFFFFF"/>
                     </a:solidFill>
@@ -21177,7 +21199,7 @@
               </a:ln>
               <a:extLst>
                 <a:ext uri="{909E8E84-426E-40dd-AFC4-6F175D3DCCD1}">
-                  <a14:hiddenFill xmlns="" xmlns:a14="http://schemas.microsoft.com/office/drawing/2010/main">
+                  <a14:hiddenFill xmlns:a14="http://schemas.microsoft.com/office/drawing/2010/main" xmlns="">
                     <a:solidFill>
                       <a:srgbClr val="FFFFFF"/>
                     </a:solidFill>
@@ -21215,14 +21237,14 @@
               </a:ln>
               <a:extLst>
                 <a:ext uri="{909E8E84-426E-40dd-AFC4-6F175D3DCCD1}">
-                  <a14:hiddenFill xmlns="" xmlns:a14="http://schemas.microsoft.com/office/drawing/2010/main">
+                  <a14:hiddenFill xmlns:a14="http://schemas.microsoft.com/office/drawing/2010/main" xmlns="">
                     <a:solidFill>
                       <a:srgbClr val="FFFFFF"/>
                     </a:solidFill>
                   </a14:hiddenFill>
                 </a:ext>
                 <a:ext uri="{91240B29-F687-4f45-9708-019B960494DF}">
-                  <a14:hiddenLine xmlns="" xmlns:a14="http://schemas.microsoft.com/office/drawing/2010/main" w="9525">
+                  <a14:hiddenLine xmlns:a14="http://schemas.microsoft.com/office/drawing/2010/main" xmlns="" w="9525">
                     <a:solidFill>
                       <a:srgbClr val="000000"/>
                     </a:solidFill>
@@ -21376,14 +21398,14 @@
               </a:ln>
               <a:extLst>
                 <a:ext uri="{909E8E84-426E-40dd-AFC4-6F175D3DCCD1}">
-                  <a14:hiddenFill xmlns="" xmlns:a14="http://schemas.microsoft.com/office/drawing/2010/main">
+                  <a14:hiddenFill xmlns:a14="http://schemas.microsoft.com/office/drawing/2010/main" xmlns="">
                     <a:solidFill>
                       <a:srgbClr val="FFFFFF"/>
                     </a:solidFill>
                   </a14:hiddenFill>
                 </a:ext>
                 <a:ext uri="{91240B29-F687-4f45-9708-019B960494DF}">
-                  <a14:hiddenLine xmlns="" xmlns:a14="http://schemas.microsoft.com/office/drawing/2010/main" w="9525">
+                  <a14:hiddenLine xmlns:a14="http://schemas.microsoft.com/office/drawing/2010/main" xmlns="" w="9525">
                     <a:solidFill>
                       <a:srgbClr val="000000"/>
                     </a:solidFill>
@@ -21545,7 +21567,7 @@
               </a:ln>
               <a:extLst>
                 <a:ext uri="{909E8E84-426E-40dd-AFC4-6F175D3DCCD1}">
-                  <a14:hiddenFill xmlns="" xmlns:a14="http://schemas.microsoft.com/office/drawing/2010/main">
+                  <a14:hiddenFill xmlns:a14="http://schemas.microsoft.com/office/drawing/2010/main" xmlns="">
                     <a:noFill/>
                   </a14:hiddenFill>
                 </a:ext>
@@ -21579,7 +21601,7 @@
               </a:ln>
               <a:extLst>
                 <a:ext uri="{909E8E84-426E-40dd-AFC4-6F175D3DCCD1}">
-                  <a14:hiddenFill xmlns="" xmlns:a14="http://schemas.microsoft.com/office/drawing/2010/main">
+                  <a14:hiddenFill xmlns:a14="http://schemas.microsoft.com/office/drawing/2010/main" xmlns="">
                     <a:noFill/>
                   </a14:hiddenFill>
                 </a:ext>
@@ -21613,7 +21635,7 @@
                   <p:embed/>
                   <p:pic>
                     <p:nvPicPr>
-                      <p:cNvPr id="0" name=""/>
+                      <p:cNvPr id="24599" name="Object 2"/>
                       <p:cNvPicPr>
                         <a:picLocks noChangeAspect="1" noChangeArrowheads="1"/>
                       </p:cNvPicPr>
@@ -21647,14 +21669,14 @@
                       <a:effectLst/>
                       <a:extLst>
                         <a:ext uri="{909E8E84-426E-40dd-AFC4-6F175D3DCCD1}">
-                          <a14:hiddenFill xmlns="" xmlns:a14="http://schemas.microsoft.com/office/drawing/2010/main">
+                          <a14:hiddenFill xmlns:a14="http://schemas.microsoft.com/office/drawing/2010/main" xmlns="">
                             <a:solidFill>
                               <a:srgbClr val="FFFFFF"/>
                             </a:solidFill>
                           </a14:hiddenFill>
                         </a:ext>
                         <a:ext uri="{91240B29-F687-4f45-9708-019B960494DF}">
-                          <a14:hiddenLine xmlns="" xmlns:a14="http://schemas.microsoft.com/office/drawing/2010/main" w="9525">
+                          <a14:hiddenLine xmlns:a14="http://schemas.microsoft.com/office/drawing/2010/main" xmlns="" w="9525">
                             <a:solidFill>
                               <a:srgbClr val="000000"/>
                             </a:solidFill>
@@ -21664,7 +21686,7 @@
                           </a14:hiddenLine>
                         </a:ext>
                         <a:ext uri="{AF507438-7753-43e0-B8FC-AC1667EBCBE1}">
-                          <a14:hiddenEffects xmlns="" xmlns:a14="http://schemas.microsoft.com/office/drawing/2010/main">
+                          <a14:hiddenEffects xmlns:a14="http://schemas.microsoft.com/office/drawing/2010/main" xmlns="">
                             <a:effectLst>
                               <a:outerShdw blurRad="63500" dist="38099" dir="2700000" algn="ctr" rotWithShape="0">
                                 <a:srgbClr val="000000">
@@ -21708,7 +21730,7 @@
                   <p:embed/>
                   <p:pic>
                     <p:nvPicPr>
-                      <p:cNvPr id="0" name=""/>
+                      <p:cNvPr id="24600" name="Object 3"/>
                       <p:cNvPicPr>
                         <a:picLocks noChangeAspect="1" noChangeArrowheads="1"/>
                       </p:cNvPicPr>
@@ -21742,14 +21764,14 @@
                       <a:effectLst/>
                       <a:extLst>
                         <a:ext uri="{909E8E84-426E-40dd-AFC4-6F175D3DCCD1}">
-                          <a14:hiddenFill xmlns="" xmlns:a14="http://schemas.microsoft.com/office/drawing/2010/main">
+                          <a14:hiddenFill xmlns:a14="http://schemas.microsoft.com/office/drawing/2010/main" xmlns="">
                             <a:solidFill>
                               <a:srgbClr val="FFFFFF"/>
                             </a:solidFill>
                           </a14:hiddenFill>
                         </a:ext>
                         <a:ext uri="{91240B29-F687-4f45-9708-019B960494DF}">
-                          <a14:hiddenLine xmlns="" xmlns:a14="http://schemas.microsoft.com/office/drawing/2010/main" w="9525">
+                          <a14:hiddenLine xmlns:a14="http://schemas.microsoft.com/office/drawing/2010/main" xmlns="" w="9525">
                             <a:solidFill>
                               <a:srgbClr val="000000"/>
                             </a:solidFill>
@@ -21759,7 +21781,7 @@
                           </a14:hiddenLine>
                         </a:ext>
                         <a:ext uri="{AF507438-7753-43e0-B8FC-AC1667EBCBE1}">
-                          <a14:hiddenEffects xmlns="" xmlns:a14="http://schemas.microsoft.com/office/drawing/2010/main">
+                          <a14:hiddenEffects xmlns:a14="http://schemas.microsoft.com/office/drawing/2010/main" xmlns="">
                             <a:effectLst>
                               <a:outerShdw blurRad="63500" dist="38099" dir="2700000" algn="ctr" rotWithShape="0">
                                 <a:srgbClr val="000000">
@@ -21911,25 +21933,25 @@
             <a:lstStyle/>
             <a:p>
               <a:r>
-                <a:rPr lang="en-US" sz="1800" b="0" dirty="0">
+                <a:rPr lang="en-US" sz="1800" b="0">
                   <a:latin typeface="+mn-lt"/>
                 </a:rPr>
                 <a:t>½ </a:t>
               </a:r>
               <a:r>
-                <a:rPr lang="en-US" sz="1800" b="0" dirty="0" err="1">
+                <a:rPr lang="en-US" sz="1800" b="0" err="1">
                   <a:latin typeface="+mn-lt"/>
                 </a:rPr>
                 <a:t>W</a:t>
               </a:r>
               <a:r>
-                <a:rPr lang="en-US" sz="1800" b="0" baseline="-25000" dirty="0" err="1">
+                <a:rPr lang="en-US" sz="1800" b="0" baseline="-25000" err="1">
                   <a:latin typeface="+mn-lt"/>
                 </a:rPr>
                 <a:t>max</a:t>
               </a:r>
               <a:r>
-                <a:rPr lang="en-US" sz="1800" b="0" dirty="0">
+                <a:rPr lang="en-US" sz="1800" b="0">
                   <a:latin typeface="+mn-lt"/>
                 </a:rPr>
                 <a:t> RTTs between drops</a:t>
@@ -21937,7 +21959,7 @@
             </a:p>
             <a:p>
               <a:r>
-                <a:rPr lang="en-US" sz="1800" b="0" dirty="0">
+                <a:rPr lang="en-US" sz="1800" b="0">
                   <a:latin typeface="+mn-lt"/>
                 </a:rPr>
                 <a:t> </a:t>
@@ -22079,25 +22101,25 @@
             <a:lstStyle/>
             <a:p>
               <a:r>
-                <a:rPr lang="en-US" sz="1800" b="0" dirty="0">
+                <a:rPr lang="en-US" sz="1800" b="0">
                   <a:latin typeface="+mn-lt"/>
                 </a:rPr>
                 <a:t>Avg. ¾ </a:t>
               </a:r>
               <a:r>
-                <a:rPr lang="en-US" sz="1800" b="0" dirty="0" err="1">
+                <a:rPr lang="en-US" sz="1800" b="0" err="1">
                   <a:latin typeface="+mn-lt"/>
                 </a:rPr>
                 <a:t>W</a:t>
               </a:r>
               <a:r>
-                <a:rPr lang="en-US" sz="1800" b="0" baseline="-25000" dirty="0" err="1">
+                <a:rPr lang="en-US" sz="1800" b="0" baseline="-25000" err="1">
                   <a:latin typeface="+mn-lt"/>
                 </a:rPr>
                 <a:t>max</a:t>
               </a:r>
               <a:r>
-                <a:rPr lang="en-US" sz="1800" b="0" dirty="0">
+                <a:rPr lang="en-US" sz="1800" b="0">
                   <a:latin typeface="+mn-lt"/>
                 </a:rPr>
                 <a:t> packets per RTTs</a:t>
@@ -22476,7 +22498,7 @@
           <a:lstStyle/>
           <a:p>
             <a:r>
-              <a:rPr lang="en-US" b="0" dirty="0">
+              <a:rPr lang="en-US" b="0">
                 <a:solidFill>
                   <a:srgbClr val="0000FF"/>
                 </a:solidFill>
@@ -22517,7 +22539,7 @@
                   <p:embed/>
                   <p:pic>
                     <p:nvPicPr>
-                      <p:cNvPr id="0" name=""/>
+                      <p:cNvPr id="35" name="Object 34"/>
                       <p:cNvPicPr>
                         <a:picLocks noChangeAspect="1" noChangeArrowheads="1"/>
                       </p:cNvPicPr>
@@ -22641,7 +22663,7 @@
               <a:defRPr/>
             </a:pPr>
             <a:r>
-              <a:rPr lang="en-US" sz="2800" dirty="0">
+              <a:rPr lang="en-US" sz="2800">
                 <a:solidFill>
                   <a:srgbClr val="000090"/>
                 </a:solidFill>
@@ -22668,7 +22690,7 @@
           <a:lstStyle/>
           <a:p>
             <a:r>
-              <a:rPr lang="en-US" dirty="0"/>
+              <a:rPr lang="en-US"/>
               <a:t>A simple model for TCP throughput</a:t>
             </a:r>
           </a:p>
@@ -22742,7 +22764,7 @@
           </a:ln>
           <a:extLst>
             <a:ext uri="{909E8E84-426E-40dd-AFC4-6F175D3DCCD1}">
-              <a14:hiddenFill xmlns="" xmlns:a14="http://schemas.microsoft.com/office/drawing/2010/main">
+              <a14:hiddenFill xmlns:a14="http://schemas.microsoft.com/office/drawing/2010/main" xmlns="">
                 <a:solidFill>
                   <a:srgbClr val="FFFFFF"/>
                 </a:solidFill>
@@ -22785,7 +22807,7 @@
           </a:ln>
           <a:extLst>
             <a:ext uri="{909E8E84-426E-40dd-AFC4-6F175D3DCCD1}">
-              <a14:hiddenFill xmlns="" xmlns:a14="http://schemas.microsoft.com/office/drawing/2010/main">
+              <a14:hiddenFill xmlns:a14="http://schemas.microsoft.com/office/drawing/2010/main" xmlns="">
                 <a:noFill/>
               </a14:hiddenFill>
             </a:ext>
@@ -22821,14 +22843,14 @@
           </a:ln>
           <a:extLst>
             <a:ext uri="{909E8E84-426E-40dd-AFC4-6F175D3DCCD1}">
-              <a14:hiddenFill xmlns="" xmlns:a14="http://schemas.microsoft.com/office/drawing/2010/main">
+              <a14:hiddenFill xmlns:a14="http://schemas.microsoft.com/office/drawing/2010/main" xmlns="">
                 <a:solidFill>
                   <a:srgbClr val="FFFFFF"/>
                 </a:solidFill>
               </a14:hiddenFill>
             </a:ext>
             <a:ext uri="{91240B29-F687-4f45-9708-019B960494DF}">
-              <a14:hiddenLine xmlns="" xmlns:a14="http://schemas.microsoft.com/office/drawing/2010/main" w="9525">
+              <a14:hiddenLine xmlns:a14="http://schemas.microsoft.com/office/drawing/2010/main" xmlns="" w="9525">
                 <a:solidFill>
                   <a:srgbClr val="000000"/>
                 </a:solidFill>
@@ -22954,7 +22976,7 @@
           <a:p>
             <a:pPr eaLnBrk="1" hangingPunct="1"/>
             <a:r>
-              <a:rPr lang="en-US" dirty="0"/>
+              <a:rPr lang="en-US"/>
               <a:t>Loss</a:t>
             </a:r>
           </a:p>
@@ -23054,7 +23076,7 @@
           </a:ln>
           <a:extLst>
             <a:ext uri="{909E8E84-426E-40dd-AFC4-6F175D3DCCD1}">
-              <a14:hiddenFill xmlns="" xmlns:a14="http://schemas.microsoft.com/office/drawing/2010/main">
+              <a14:hiddenFill xmlns:a14="http://schemas.microsoft.com/office/drawing/2010/main" xmlns="">
                 <a:solidFill>
                   <a:srgbClr val="FFFFFF"/>
                 </a:solidFill>
@@ -23092,14 +23114,14 @@
           </a:ln>
           <a:extLst>
             <a:ext uri="{909E8E84-426E-40dd-AFC4-6F175D3DCCD1}">
-              <a14:hiddenFill xmlns="" xmlns:a14="http://schemas.microsoft.com/office/drawing/2010/main">
+              <a14:hiddenFill xmlns:a14="http://schemas.microsoft.com/office/drawing/2010/main" xmlns="">
                 <a:solidFill>
                   <a:srgbClr val="FFFFFF"/>
                 </a:solidFill>
               </a14:hiddenFill>
             </a:ext>
             <a:ext uri="{91240B29-F687-4f45-9708-019B960494DF}">
-              <a14:hiddenLine xmlns="" xmlns:a14="http://schemas.microsoft.com/office/drawing/2010/main" w="9525">
+              <a14:hiddenLine xmlns:a14="http://schemas.microsoft.com/office/drawing/2010/main" xmlns="" w="9525">
                 <a:solidFill>
                   <a:srgbClr val="000000"/>
                 </a:solidFill>
@@ -23225,7 +23247,7 @@
           <a:p>
             <a:pPr eaLnBrk="1" hangingPunct="1"/>
             <a:r>
-              <a:rPr lang="en-US" i="1" dirty="0">
+              <a:rPr lang="en-US" i="1">
                 <a:latin typeface="Times New Roman" charset="0"/>
               </a:rPr>
               <a:t>time</a:t>
@@ -23255,14 +23277,14 @@
           </a:ln>
           <a:extLst>
             <a:ext uri="{909E8E84-426E-40dd-AFC4-6F175D3DCCD1}">
-              <a14:hiddenFill xmlns="" xmlns:a14="http://schemas.microsoft.com/office/drawing/2010/main">
+              <a14:hiddenFill xmlns:a14="http://schemas.microsoft.com/office/drawing/2010/main" xmlns="">
                 <a:solidFill>
                   <a:srgbClr val="FFFFFF"/>
                 </a:solidFill>
               </a14:hiddenFill>
             </a:ext>
             <a:ext uri="{91240B29-F687-4f45-9708-019B960494DF}">
-              <a14:hiddenLine xmlns="" xmlns:a14="http://schemas.microsoft.com/office/drawing/2010/main" w="9525">
+              <a14:hiddenLine xmlns:a14="http://schemas.microsoft.com/office/drawing/2010/main" xmlns="" w="9525">
                 <a:solidFill>
                   <a:srgbClr val="000000"/>
                 </a:solidFill>
@@ -23388,12 +23410,12 @@
           <a:p>
             <a:pPr eaLnBrk="1" hangingPunct="1"/>
             <a:r>
-              <a:rPr lang="en-US" i="1" dirty="0" err="1">
+              <a:rPr lang="en-US" i="1" err="1">
                 <a:latin typeface="Times New Roman" charset="0"/>
               </a:rPr>
               <a:t>cwnd</a:t>
             </a:r>
-            <a:endParaRPr lang="en-US" i="1" dirty="0">
+            <a:endParaRPr lang="en-US" i="1">
               <a:latin typeface="Times New Roman" charset="0"/>
             </a:endParaRPr>
           </a:p>
@@ -23467,7 +23489,7 @@
           </a:ln>
           <a:extLst>
             <a:ext uri="{909E8E84-426E-40dd-AFC4-6F175D3DCCD1}">
-              <a14:hiddenFill xmlns="" xmlns:a14="http://schemas.microsoft.com/office/drawing/2010/main">
+              <a14:hiddenFill xmlns:a14="http://schemas.microsoft.com/office/drawing/2010/main" xmlns="">
                 <a:solidFill>
                   <a:srgbClr val="FFFFFF"/>
                 </a:solidFill>
@@ -23551,7 +23573,7 @@
           </a:ln>
           <a:extLst>
             <a:ext uri="{909E8E84-426E-40dd-AFC4-6F175D3DCCD1}">
-              <a14:hiddenFill xmlns="" xmlns:a14="http://schemas.microsoft.com/office/drawing/2010/main">
+              <a14:hiddenFill xmlns:a14="http://schemas.microsoft.com/office/drawing/2010/main" xmlns="">
                 <a:solidFill>
                   <a:srgbClr val="FFFFFF"/>
                 </a:solidFill>
@@ -23635,7 +23657,7 @@
           </a:ln>
           <a:extLst>
             <a:ext uri="{909E8E84-426E-40dd-AFC4-6F175D3DCCD1}">
-              <a14:hiddenFill xmlns="" xmlns:a14="http://schemas.microsoft.com/office/drawing/2010/main">
+              <a14:hiddenFill xmlns:a14="http://schemas.microsoft.com/office/drawing/2010/main" xmlns="">
                 <a:solidFill>
                   <a:srgbClr val="FFFFFF"/>
                 </a:solidFill>
@@ -23678,7 +23700,7 @@
           </a:ln>
           <a:extLst>
             <a:ext uri="{909E8E84-426E-40dd-AFC4-6F175D3DCCD1}">
-              <a14:hiddenFill xmlns="" xmlns:a14="http://schemas.microsoft.com/office/drawing/2010/main">
+              <a14:hiddenFill xmlns:a14="http://schemas.microsoft.com/office/drawing/2010/main" xmlns="">
                 <a:noFill/>
               </a14:hiddenFill>
             </a:ext>
@@ -23719,7 +23741,7 @@
           </a:ln>
           <a:extLst>
             <a:ext uri="{909E8E84-426E-40dd-AFC4-6F175D3DCCD1}">
-              <a14:hiddenFill xmlns="" xmlns:a14="http://schemas.microsoft.com/office/drawing/2010/main">
+              <a14:hiddenFill xmlns:a14="http://schemas.microsoft.com/office/drawing/2010/main" xmlns="">
                 <a:noFill/>
               </a14:hiddenFill>
             </a:ext>
@@ -23760,7 +23782,7 @@
           </a:ln>
           <a:extLst>
             <a:ext uri="{909E8E84-426E-40dd-AFC4-6F175D3DCCD1}">
-              <a14:hiddenFill xmlns="" xmlns:a14="http://schemas.microsoft.com/office/drawing/2010/main">
+              <a14:hiddenFill xmlns:a14="http://schemas.microsoft.com/office/drawing/2010/main" xmlns="">
                 <a:noFill/>
               </a14:hiddenFill>
             </a:ext>
@@ -23803,7 +23825,7 @@
           </a:ln>
           <a:extLst>
             <a:ext uri="{909E8E84-426E-40dd-AFC4-6F175D3DCCD1}">
-              <a14:hiddenFill xmlns="" xmlns:a14="http://schemas.microsoft.com/office/drawing/2010/main">
+              <a14:hiddenFill xmlns:a14="http://schemas.microsoft.com/office/drawing/2010/main" xmlns="">
                 <a:noFill/>
               </a14:hiddenFill>
             </a:ext>
@@ -23838,7 +23860,7 @@
           </a:ln>
           <a:extLst>
             <a:ext uri="{909E8E84-426E-40dd-AFC4-6F175D3DCCD1}">
-              <a14:hiddenFill xmlns="" xmlns:a14="http://schemas.microsoft.com/office/drawing/2010/main">
+              <a14:hiddenFill xmlns:a14="http://schemas.microsoft.com/office/drawing/2010/main" xmlns="">
                 <a:noFill/>
               </a14:hiddenFill>
             </a:ext>
@@ -23874,7 +23896,7 @@
           </a:ln>
           <a:extLst>
             <a:ext uri="{909E8E84-426E-40dd-AFC4-6F175D3DCCD1}">
-              <a14:hiddenFill xmlns="" xmlns:a14="http://schemas.microsoft.com/office/drawing/2010/main">
+              <a14:hiddenFill xmlns:a14="http://schemas.microsoft.com/office/drawing/2010/main" xmlns="">
                 <a:noFill/>
               </a14:hiddenFill>
             </a:ext>
@@ -23909,7 +23931,7 @@
           </a:ln>
           <a:extLst>
             <a:ext uri="{909E8E84-426E-40dd-AFC4-6F175D3DCCD1}">
-              <a14:hiddenFill xmlns="" xmlns:a14="http://schemas.microsoft.com/office/drawing/2010/main">
+              <a14:hiddenFill xmlns:a14="http://schemas.microsoft.com/office/drawing/2010/main" xmlns="">
                 <a:noFill/>
               </a14:hiddenFill>
             </a:ext>
@@ -23941,7 +23963,7 @@
                   <p:embed/>
                   <p:pic>
                     <p:nvPicPr>
-                      <p:cNvPr id="0" name=""/>
+                      <p:cNvPr id="24599" name="Object 2"/>
                       <p:cNvPicPr>
                         <a:picLocks noChangeAspect="1" noChangeArrowheads="1"/>
                       </p:cNvPicPr>
@@ -23975,14 +23997,14 @@
                       <a:effectLst/>
                       <a:extLst>
                         <a:ext uri="{909E8E84-426E-40dd-AFC4-6F175D3DCCD1}">
-                          <a14:hiddenFill xmlns="" xmlns:a14="http://schemas.microsoft.com/office/drawing/2010/main">
+                          <a14:hiddenFill xmlns:a14="http://schemas.microsoft.com/office/drawing/2010/main" xmlns="">
                             <a:solidFill>
                               <a:srgbClr val="FFFFFF"/>
                             </a:solidFill>
                           </a14:hiddenFill>
                         </a:ext>
                         <a:ext uri="{91240B29-F687-4f45-9708-019B960494DF}">
-                          <a14:hiddenLine xmlns="" xmlns:a14="http://schemas.microsoft.com/office/drawing/2010/main" w="9525">
+                          <a14:hiddenLine xmlns:a14="http://schemas.microsoft.com/office/drawing/2010/main" xmlns="" w="9525">
                             <a:solidFill>
                               <a:srgbClr val="000000"/>
                             </a:solidFill>
@@ -23992,7 +24014,7 @@
                           </a14:hiddenLine>
                         </a:ext>
                         <a:ext uri="{AF507438-7753-43e0-B8FC-AC1667EBCBE1}">
-                          <a14:hiddenEffects xmlns="" xmlns:a14="http://schemas.microsoft.com/office/drawing/2010/main">
+                          <a14:hiddenEffects xmlns:a14="http://schemas.microsoft.com/office/drawing/2010/main" xmlns="">
                             <a:effectLst>
                               <a:outerShdw blurRad="63500" dist="38099" dir="2700000" algn="ctr" rotWithShape="0">
                                 <a:srgbClr val="000000">
@@ -24036,7 +24058,7 @@
                   <p:embed/>
                   <p:pic>
                     <p:nvPicPr>
-                      <p:cNvPr id="0" name=""/>
+                      <p:cNvPr id="24600" name="Object 3"/>
                       <p:cNvPicPr>
                         <a:picLocks noChangeAspect="1" noChangeArrowheads="1"/>
                       </p:cNvPicPr>
@@ -24070,14 +24092,14 @@
                       <a:effectLst/>
                       <a:extLst>
                         <a:ext uri="{909E8E84-426E-40dd-AFC4-6F175D3DCCD1}">
-                          <a14:hiddenFill xmlns="" xmlns:a14="http://schemas.microsoft.com/office/drawing/2010/main">
+                          <a14:hiddenFill xmlns:a14="http://schemas.microsoft.com/office/drawing/2010/main" xmlns="">
                             <a:solidFill>
                               <a:srgbClr val="FFFFFF"/>
                             </a:solidFill>
                           </a14:hiddenFill>
                         </a:ext>
                         <a:ext uri="{91240B29-F687-4f45-9708-019B960494DF}">
-                          <a14:hiddenLine xmlns="" xmlns:a14="http://schemas.microsoft.com/office/drawing/2010/main" w="9525">
+                          <a14:hiddenLine xmlns:a14="http://schemas.microsoft.com/office/drawing/2010/main" xmlns="" w="9525">
                             <a:solidFill>
                               <a:srgbClr val="000000"/>
                             </a:solidFill>
@@ -24087,7 +24109,7 @@
                           </a14:hiddenLine>
                         </a:ext>
                         <a:ext uri="{AF507438-7753-43e0-B8FC-AC1667EBCBE1}">
-                          <a14:hiddenEffects xmlns="" xmlns:a14="http://schemas.microsoft.com/office/drawing/2010/main">
+                          <a14:hiddenEffects xmlns:a14="http://schemas.microsoft.com/office/drawing/2010/main" xmlns="">
                             <a:effectLst>
                               <a:outerShdw blurRad="63500" dist="38099" dir="2700000" algn="ctr" rotWithShape="0">
                                 <a:srgbClr val="000000">
@@ -24369,25 +24391,25 @@
             <a:lstStyle/>
             <a:p>
               <a:r>
-                <a:rPr lang="en-US" sz="1800" b="0" dirty="0">
+                <a:rPr lang="en-US" sz="1800" b="0">
                   <a:latin typeface="+mn-lt"/>
                 </a:rPr>
                 <a:t>½ </a:t>
               </a:r>
               <a:r>
-                <a:rPr lang="en-US" sz="1800" b="0" dirty="0" err="1">
+                <a:rPr lang="en-US" sz="1800" b="0" err="1">
                   <a:latin typeface="+mn-lt"/>
                 </a:rPr>
                 <a:t>W</a:t>
               </a:r>
               <a:r>
-                <a:rPr lang="en-US" sz="1800" b="0" baseline="-25000" dirty="0" err="1">
+                <a:rPr lang="en-US" sz="1800" b="0" baseline="-25000" err="1">
                   <a:latin typeface="+mn-lt"/>
                 </a:rPr>
                 <a:t>max</a:t>
               </a:r>
               <a:r>
-                <a:rPr lang="en-US" sz="1800" b="0" dirty="0">
+                <a:rPr lang="en-US" sz="1800" b="0">
                   <a:latin typeface="+mn-lt"/>
                 </a:rPr>
                 <a:t> RTTs between drops</a:t>
@@ -24395,7 +24417,7 @@
             </a:p>
             <a:p>
               <a:r>
-                <a:rPr lang="en-US" sz="1800" b="0" dirty="0">
+                <a:rPr lang="en-US" sz="1800" b="0">
                   <a:latin typeface="+mn-lt"/>
                 </a:rPr>
                 <a:t> </a:t>
@@ -24537,25 +24559,25 @@
             <a:lstStyle/>
             <a:p>
               <a:r>
-                <a:rPr lang="en-US" sz="1800" b="0" dirty="0">
+                <a:rPr lang="en-US" sz="1800" b="0">
                   <a:latin typeface="+mn-lt"/>
                 </a:rPr>
                 <a:t>Avg. ¾ </a:t>
               </a:r>
               <a:r>
-                <a:rPr lang="en-US" sz="1800" b="0" dirty="0" err="1">
+                <a:rPr lang="en-US" sz="1800" b="0" err="1">
                   <a:latin typeface="+mn-lt"/>
                 </a:rPr>
                 <a:t>W</a:t>
               </a:r>
               <a:r>
-                <a:rPr lang="en-US" sz="1800" b="0" baseline="-25000" dirty="0" err="1">
+                <a:rPr lang="en-US" sz="1800" b="0" baseline="-25000" err="1">
                   <a:latin typeface="+mn-lt"/>
                 </a:rPr>
                 <a:t>max</a:t>
               </a:r>
               <a:r>
-                <a:rPr lang="en-US" sz="1800" b="0" dirty="0">
+                <a:rPr lang="en-US" sz="1800" b="0">
                   <a:latin typeface="+mn-lt"/>
                 </a:rPr>
                 <a:t> packets per RTTs</a:t>
@@ -24860,14 +24882,14 @@
           <a:lstStyle/>
           <a:p>
             <a:r>
-              <a:rPr lang="en-US" dirty="0"/>
+              <a:rPr lang="en-US"/>
               <a:t>Implications (1): </a:t>
             </a:r>
             <a:br>
-              <a:rPr lang="en-US" dirty="0"/>
+              <a:rPr lang="en-US"/>
             </a:br>
             <a:r>
-              <a:rPr lang="en-US" dirty="0"/>
+              <a:rPr lang="en-US"/>
               <a:t>Different RTTs</a:t>
             </a:r>
           </a:p>
@@ -24894,20 +24916,20 @@
           <a:lstStyle/>
           <a:p>
             <a:r>
-              <a:rPr lang="en-US" sz="2400" dirty="0"/>
+              <a:rPr lang="en-US" sz="2400"/>
               <a:t>Flows get throughput inversely proportional to RTT</a:t>
             </a:r>
           </a:p>
           <a:p>
             <a:r>
-              <a:rPr lang="en-US" sz="2400" dirty="0">
+              <a:rPr lang="en-US" sz="2400">
                 <a:solidFill>
                   <a:srgbClr val="0000FF"/>
                 </a:solidFill>
               </a:rPr>
               <a:t>TCP unfair in the face of heterogeneous RTTs!</a:t>
             </a:r>
-            <a:endParaRPr lang="en-US" sz="2000" dirty="0">
+            <a:endParaRPr lang="en-US" sz="2000">
               <a:solidFill>
                 <a:srgbClr val="0000FF"/>
               </a:solidFill>
@@ -24915,15 +24937,15 @@
           </a:p>
           <a:p>
             <a:pPr lvl="1"/>
-            <a:endParaRPr lang="en-US" sz="2000" dirty="0"/>
+            <a:endParaRPr lang="en-US" sz="2000"/>
           </a:p>
           <a:p>
             <a:pPr lvl="1"/>
-            <a:endParaRPr lang="en-US" dirty="0"/>
+            <a:endParaRPr lang="en-US"/>
           </a:p>
           <a:p>
             <a:pPr lvl="1"/>
-            <a:endParaRPr lang="en-US" dirty="0"/>
+            <a:endParaRPr lang="en-US"/>
           </a:p>
         </p:txBody>
       </p:sp>
@@ -24952,7 +24974,7 @@
                   <p:embed/>
                   <p:pic>
                     <p:nvPicPr>
-                      <p:cNvPr id="0" name=""/>
+                      <p:cNvPr id="5" name="Object 4"/>
                       <p:cNvPicPr>
                         <a:picLocks noChangeAspect="1" noChangeArrowheads="1"/>
                       </p:cNvPicPr>
@@ -25029,12 +25051,12 @@
             <a:effectLst/>
             <a:extLst>
               <a:ext uri="{909E8E84-426E-40dd-AFC4-6F175D3DCCD1}">
-                <a14:hiddenFill xmlns="" xmlns:a14="http://schemas.microsoft.com/office/drawing/2010/main">
+                <a14:hiddenFill xmlns:a14="http://schemas.microsoft.com/office/drawing/2010/main" xmlns="">
                   <a:noFill/>
                 </a14:hiddenFill>
               </a:ext>
               <a:ext uri="{AF507438-7753-43e0-B8FC-AC1667EBCBE1}">
-                <a14:hiddenEffects xmlns="" xmlns:a14="http://schemas.microsoft.com/office/drawing/2010/main">
+                <a14:hiddenEffects xmlns:a14="http://schemas.microsoft.com/office/drawing/2010/main" xmlns="">
                   <a:effectLst>
                     <a:outerShdw blurRad="63500" dist="38099" dir="2700000" algn="ctr" rotWithShape="0">
                       <a:schemeClr val="bg2">
@@ -25077,14 +25099,14 @@
             <a:effectLst/>
             <a:extLst>
               <a:ext uri="{909E8E84-426E-40dd-AFC4-6F175D3DCCD1}">
-                <a14:hiddenFill xmlns="" xmlns:a14="http://schemas.microsoft.com/office/drawing/2010/main">
+                <a14:hiddenFill xmlns:a14="http://schemas.microsoft.com/office/drawing/2010/main" xmlns="">
                   <a:solidFill>
                     <a:schemeClr val="accent1"/>
                   </a:solidFill>
                 </a14:hiddenFill>
               </a:ext>
               <a:ext uri="{91240B29-F687-4f45-9708-019B960494DF}">
-                <a14:hiddenLine xmlns="" xmlns:a14="http://schemas.microsoft.com/office/drawing/2010/main" w="9525">
+                <a14:hiddenLine xmlns:a14="http://schemas.microsoft.com/office/drawing/2010/main" xmlns="" w="9525">
                   <a:solidFill>
                     <a:schemeClr val="tx1"/>
                   </a:solidFill>
@@ -25094,7 +25116,7 @@
                 </a14:hiddenLine>
               </a:ext>
               <a:ext uri="{AF507438-7753-43e0-B8FC-AC1667EBCBE1}">
-                <a14:hiddenEffects xmlns="" xmlns:a14="http://schemas.microsoft.com/office/drawing/2010/main">
+                <a14:hiddenEffects xmlns:a14="http://schemas.microsoft.com/office/drawing/2010/main" xmlns="">
                   <a:effectLst>
                     <a:outerShdw blurRad="63500" dist="38099" dir="2700000" algn="ctr" rotWithShape="0">
                       <a:schemeClr val="bg2">
@@ -25147,7 +25169,7 @@
             <a:effectLst/>
             <a:extLst>
               <a:ext uri="{AF507438-7753-43e0-B8FC-AC1667EBCBE1}">
-                <a14:hiddenEffects xmlns="" xmlns:a14="http://schemas.microsoft.com/office/drawing/2010/main">
+                <a14:hiddenEffects xmlns:a14="http://schemas.microsoft.com/office/drawing/2010/main" xmlns="">
                   <a:effectLst>
                     <a:outerShdw blurRad="63500" dist="38099" dir="2700000" algn="ctr" rotWithShape="0">
                       <a:schemeClr val="bg2">
@@ -25203,7 +25225,7 @@
             <a:effectLst/>
             <a:extLst>
               <a:ext uri="{AF507438-7753-43e0-B8FC-AC1667EBCBE1}">
-                <a14:hiddenEffects xmlns="" xmlns:a14="http://schemas.microsoft.com/office/drawing/2010/main">
+                <a14:hiddenEffects xmlns:a14="http://schemas.microsoft.com/office/drawing/2010/main" xmlns="">
                   <a:effectLst>
                     <a:outerShdw blurRad="63500" dist="38099" dir="2700000" algn="ctr" rotWithShape="0">
                       <a:schemeClr val="bg2">
@@ -25221,7 +25243,7 @@
             <a:p>
               <a:pPr algn="ctr"/>
               <a:r>
-                <a:rPr lang="en-US" sz="2800" b="0" dirty="0">
+                <a:rPr lang="en-US" sz="2800" b="0">
                   <a:latin typeface="Tahoma" charset="0"/>
                 </a:rPr>
                 <a:t>A2</a:t>
@@ -25259,7 +25281,7 @@
             <a:effectLst/>
             <a:extLst>
               <a:ext uri="{AF507438-7753-43e0-B8FC-AC1667EBCBE1}">
-                <a14:hiddenEffects xmlns="" xmlns:a14="http://schemas.microsoft.com/office/drawing/2010/main">
+                <a14:hiddenEffects xmlns:a14="http://schemas.microsoft.com/office/drawing/2010/main" xmlns="">
                   <a:effectLst>
                     <a:outerShdw blurRad="63500" dist="38099" dir="2700000" algn="ctr" rotWithShape="0">
                       <a:schemeClr val="bg2">
@@ -25277,7 +25299,7 @@
             <a:p>
               <a:pPr algn="ctr"/>
               <a:r>
-                <a:rPr lang="en-US" sz="2800" b="0" dirty="0">
+                <a:rPr lang="en-US" sz="2800" b="0">
                   <a:latin typeface="Tahoma" charset="0"/>
                 </a:rPr>
                 <a:t>B2</a:t>
@@ -25315,7 +25337,7 @@
             <a:effectLst/>
             <a:extLst>
               <a:ext uri="{AF507438-7753-43e0-B8FC-AC1667EBCBE1}">
-                <a14:hiddenEffects xmlns="" xmlns:a14="http://schemas.microsoft.com/office/drawing/2010/main">
+                <a14:hiddenEffects xmlns:a14="http://schemas.microsoft.com/office/drawing/2010/main" xmlns="">
                   <a:effectLst>
                     <a:outerShdw blurRad="63500" dist="38099" dir="2700000" algn="ctr" rotWithShape="0">
                       <a:schemeClr val="bg2">
@@ -25333,7 +25355,7 @@
             <a:p>
               <a:pPr algn="ctr"/>
               <a:r>
-                <a:rPr lang="en-US" sz="2800" b="0" dirty="0">
+                <a:rPr lang="en-US" sz="2800" b="0">
                   <a:latin typeface="Tahoma" charset="0"/>
                 </a:rPr>
                 <a:t>B1</a:t>
@@ -25370,12 +25392,12 @@
             <a:effectLst/>
             <a:extLst>
               <a:ext uri="{909E8E84-426E-40dd-AFC4-6F175D3DCCD1}">
-                <a14:hiddenFill xmlns="" xmlns:a14="http://schemas.microsoft.com/office/drawing/2010/main">
+                <a14:hiddenFill xmlns:a14="http://schemas.microsoft.com/office/drawing/2010/main" xmlns="">
                   <a:noFill/>
                 </a14:hiddenFill>
               </a:ext>
               <a:ext uri="{AF507438-7753-43e0-B8FC-AC1667EBCBE1}">
-                <a14:hiddenEffects xmlns="" xmlns:a14="http://schemas.microsoft.com/office/drawing/2010/main">
+                <a14:hiddenEffects xmlns:a14="http://schemas.microsoft.com/office/drawing/2010/main" xmlns="">
                   <a:effectLst>
                     <a:outerShdw blurRad="63500" dist="38099" dir="2700000" algn="ctr" rotWithShape="0">
                       <a:schemeClr val="bg2">
@@ -25432,14 +25454,14 @@
           <a:effectLst/>
           <a:extLst>
             <a:ext uri="{909E8E84-426E-40dd-AFC4-6F175D3DCCD1}">
-              <a14:hiddenFill xmlns="" xmlns:a14="http://schemas.microsoft.com/office/drawing/2010/main">
+              <a14:hiddenFill xmlns:a14="http://schemas.microsoft.com/office/drawing/2010/main" xmlns="">
                 <a:solidFill>
                   <a:schemeClr val="accent1"/>
                 </a:solidFill>
               </a14:hiddenFill>
             </a:ext>
             <a:ext uri="{91240B29-F687-4f45-9708-019B960494DF}">
-              <a14:hiddenLine xmlns="" xmlns:a14="http://schemas.microsoft.com/office/drawing/2010/main" w="9525">
+              <a14:hiddenLine xmlns:a14="http://schemas.microsoft.com/office/drawing/2010/main" xmlns="" w="9525">
                 <a:solidFill>
                   <a:schemeClr val="tx1"/>
                 </a:solidFill>
@@ -25449,7 +25471,7 @@
               </a14:hiddenLine>
             </a:ext>
             <a:ext uri="{AF507438-7753-43e0-B8FC-AC1667EBCBE1}">
-              <a14:hiddenEffects xmlns="" xmlns:a14="http://schemas.microsoft.com/office/drawing/2010/main">
+              <a14:hiddenEffects xmlns:a14="http://schemas.microsoft.com/office/drawing/2010/main" xmlns="">
                 <a:effectLst>
                   <a:outerShdw blurRad="63500" dist="38099" dir="2700000" algn="ctr" rotWithShape="0">
                     <a:schemeClr val="bg2">
@@ -25498,14 +25520,14 @@
           <a:effectLst/>
           <a:extLst>
             <a:ext uri="{909E8E84-426E-40dd-AFC4-6F175D3DCCD1}">
-              <a14:hiddenFill xmlns="" xmlns:a14="http://schemas.microsoft.com/office/drawing/2010/main">
+              <a14:hiddenFill xmlns:a14="http://schemas.microsoft.com/office/drawing/2010/main" xmlns="">
                 <a:solidFill>
                   <a:schemeClr val="accent1"/>
                 </a:solidFill>
               </a14:hiddenFill>
             </a:ext>
             <a:ext uri="{91240B29-F687-4f45-9708-019B960494DF}">
-              <a14:hiddenLine xmlns="" xmlns:a14="http://schemas.microsoft.com/office/drawing/2010/main" w="9525">
+              <a14:hiddenLine xmlns:a14="http://schemas.microsoft.com/office/drawing/2010/main" xmlns="" w="9525">
                 <a:solidFill>
                   <a:schemeClr val="tx1"/>
                 </a:solidFill>
@@ -25515,7 +25537,7 @@
               </a14:hiddenLine>
             </a:ext>
             <a:ext uri="{AF507438-7753-43e0-B8FC-AC1667EBCBE1}">
-              <a14:hiddenEffects xmlns="" xmlns:a14="http://schemas.microsoft.com/office/drawing/2010/main">
+              <a14:hiddenEffects xmlns:a14="http://schemas.microsoft.com/office/drawing/2010/main" xmlns="">
                 <a:effectLst>
                   <a:outerShdw blurRad="63500" dist="38099" dir="2700000" algn="ctr" rotWithShape="0">
                     <a:schemeClr val="bg2">
@@ -25552,7 +25574,7 @@
           <a:p>
             <a:pPr algn="ctr"/>
             <a:r>
-              <a:rPr lang="en-US" sz="1800" b="0" i="1" dirty="0">
+              <a:rPr lang="en-US" sz="1800" b="0" i="1">
                 <a:solidFill>
                   <a:srgbClr val="000090"/>
                 </a:solidFill>
@@ -25564,7 +25586,7 @@
           <a:p>
             <a:pPr algn="ctr"/>
             <a:r>
-              <a:rPr lang="en-US" sz="1800" b="0" i="1" dirty="0">
+              <a:rPr lang="en-US" sz="1800" b="0" i="1">
                 <a:solidFill>
                   <a:srgbClr val="000090"/>
                 </a:solidFill>
@@ -25793,7 +25815,7 @@
           <a:p>
             <a:pPr algn="ctr"/>
             <a:r>
-              <a:rPr lang="en-US" sz="1800" i="1" dirty="0">
+              <a:rPr lang="en-US" sz="1800" i="1">
                 <a:solidFill>
                   <a:srgbClr val="D3A600"/>
                 </a:solidFill>
@@ -25828,7 +25850,7 @@
           <a:p>
             <a:pPr algn="ctr"/>
             <a:r>
-              <a:rPr lang="en-US" sz="1800" i="1" dirty="0">
+              <a:rPr lang="en-US" sz="1800" i="1">
                 <a:solidFill>
                   <a:schemeClr val="accent6"/>
                 </a:solidFill>
@@ -26100,7 +26122,6 @@
               <a:rPr lang="en-US"/>
               <a:t>High-speed TCP</a:t>
             </a:r>
-            <a:endParaRPr lang="en-US" dirty="0"/>
           </a:p>
         </p:txBody>
       </p:sp>
@@ -26120,57 +26141,57 @@
           <a:lstStyle/>
           <a:p>
             <a:r>
-              <a:rPr lang="en-US" dirty="0"/>
+              <a:rPr lang="en-US"/>
               <a:t>Assume RTT = 100ms, MSS=1500bytes, BW=100Gbps</a:t>
             </a:r>
           </a:p>
           <a:p>
             <a:r>
-              <a:rPr lang="en-US" dirty="0"/>
+              <a:rPr lang="en-US"/>
               <a:t>What value of p is required to reach 100Gbps throughput?</a:t>
             </a:r>
           </a:p>
           <a:p>
             <a:pPr lvl="1"/>
             <a:r>
-              <a:rPr lang="en-US" dirty="0"/>
+              <a:rPr lang="en-US"/>
               <a:t>~ 2 x 10</a:t>
             </a:r>
             <a:r>
-              <a:rPr lang="en-US" baseline="30000" dirty="0"/>
+              <a:rPr lang="en-US" baseline="30000"/>
               <a:t>-12</a:t>
             </a:r>
           </a:p>
           <a:p>
             <a:r>
-              <a:rPr lang="en-US" dirty="0"/>
+              <a:rPr lang="en-US"/>
               <a:t>How long between drops?</a:t>
             </a:r>
           </a:p>
           <a:p>
             <a:pPr lvl="1"/>
             <a:r>
-              <a:rPr lang="en-US" dirty="0"/>
+              <a:rPr lang="en-US"/>
               <a:t>~ 16.6 hours</a:t>
             </a:r>
           </a:p>
           <a:p>
             <a:r>
-              <a:rPr lang="en-US" dirty="0"/>
+              <a:rPr lang="en-US"/>
               <a:t>How much data has been sent in this time?</a:t>
             </a:r>
           </a:p>
           <a:p>
             <a:pPr lvl="1"/>
             <a:r>
-              <a:rPr lang="en-US" dirty="0"/>
+              <a:rPr lang="en-US"/>
               <a:t>~ 6 </a:t>
             </a:r>
             <a:r>
-              <a:rPr lang="en-US" dirty="0" err="1"/>
+              <a:rPr lang="en-US" err="1"/>
               <a:t>petabits</a:t>
             </a:r>
-            <a:endParaRPr lang="en-US" dirty="0"/>
+            <a:endParaRPr lang="en-US"/>
           </a:p>
         </p:txBody>
       </p:sp>
@@ -26205,7 +26226,7 @@
                   <p:embed/>
                   <p:pic>
                     <p:nvPicPr>
-                      <p:cNvPr id="0" name=""/>
+                      <p:cNvPr id="4" name="Object 3"/>
                       <p:cNvPicPr>
                         <a:picLocks noChangeAspect="1" noChangeArrowheads="1"/>
                       </p:cNvPicPr>
@@ -26734,7 +26755,7 @@
           <a:lstStyle/>
           <a:p>
             <a:r>
-              <a:rPr lang="en-US" dirty="0"/>
+              <a:rPr lang="en-US"/>
               <a:t>Recap</a:t>
             </a:r>
           </a:p>
@@ -26756,44 +26777,44 @@
           <a:lstStyle/>
           <a:p>
             <a:r>
-              <a:rPr lang="en-US" dirty="0"/>
+              <a:rPr lang="en-US"/>
               <a:t>Flow Control</a:t>
             </a:r>
           </a:p>
           <a:p>
             <a:pPr lvl="1"/>
             <a:r>
-              <a:rPr lang="en-US" dirty="0"/>
+              <a:rPr lang="en-US"/>
               <a:t>Restrict window to RWND to make sure that the receiver isn’t overwhelmed</a:t>
             </a:r>
           </a:p>
           <a:p>
             <a:r>
-              <a:rPr lang="en-US" dirty="0"/>
+              <a:rPr lang="en-US"/>
               <a:t>Congestion Control</a:t>
             </a:r>
           </a:p>
           <a:p>
             <a:pPr lvl="1"/>
             <a:r>
-              <a:rPr lang="en-US" dirty="0"/>
+              <a:rPr lang="en-US"/>
               <a:t>Restrict window to CWND to make sure that the network isn’t overwhelmed</a:t>
             </a:r>
           </a:p>
           <a:p>
             <a:r>
-              <a:rPr lang="en-US" dirty="0"/>
+              <a:rPr lang="en-US"/>
               <a:t>Together</a:t>
             </a:r>
           </a:p>
           <a:p>
             <a:pPr lvl="1"/>
             <a:r>
-              <a:rPr lang="en-US" dirty="0"/>
+              <a:rPr lang="en-US"/>
               <a:t>Restrict window to </a:t>
             </a:r>
             <a:r>
-              <a:rPr lang="en-US" dirty="0">
+              <a:rPr lang="en-US">
                 <a:solidFill>
                   <a:srgbClr val="0000FF"/>
                 </a:solidFill>
@@ -26801,7 +26822,7 @@
               <a:t>min{RWND, CWND}</a:t>
             </a:r>
             <a:r>
-              <a:rPr lang="en-US" dirty="0"/>
+              <a:rPr lang="en-US"/>
               <a:t> to make sure that neither the receiver nor the network are overwhelmed</a:t>
             </a:r>
           </a:p>
@@ -27197,7 +27218,7 @@
           <a:lstStyle/>
           <a:p>
             <a:r>
-              <a:rPr lang="en-US" dirty="0"/>
+              <a:rPr lang="en-US"/>
               <a:t>Adapting TCP to high speed</a:t>
             </a:r>
           </a:p>
@@ -27219,54 +27240,54 @@
           <a:lstStyle/>
           <a:p>
             <a:r>
-              <a:rPr lang="en-US" dirty="0"/>
+              <a:rPr lang="en-US"/>
               <a:t>Once past a threshold speed, increase CWND faster </a:t>
             </a:r>
           </a:p>
           <a:p>
             <a:pPr lvl="1"/>
             <a:r>
-              <a:rPr lang="en-US" dirty="0"/>
+              <a:rPr lang="en-US"/>
               <a:t>A proposed standard [Floyd’03]: once speed is past some threshold, change equation to p</a:t>
             </a:r>
             <a:r>
-              <a:rPr lang="en-US" baseline="30000" dirty="0"/>
+              <a:rPr lang="en-US" baseline="30000"/>
               <a:t>-.8</a:t>
             </a:r>
             <a:r>
-              <a:rPr lang="en-US" dirty="0"/>
+              <a:rPr lang="en-US"/>
               <a:t> rather than p</a:t>
             </a:r>
             <a:r>
-              <a:rPr lang="en-US" baseline="30000" dirty="0"/>
+              <a:rPr lang="en-US" baseline="30000"/>
               <a:t>-.5</a:t>
             </a:r>
             <a:r>
-              <a:rPr lang="en-US" dirty="0"/>
+              <a:rPr lang="en-US"/>
               <a:t> </a:t>
             </a:r>
           </a:p>
           <a:p>
             <a:pPr lvl="1"/>
             <a:r>
-              <a:rPr lang="en-US" dirty="0"/>
+              <a:rPr lang="en-US"/>
               <a:t>Let the additive constant in AIMD depend on CWND</a:t>
             </a:r>
           </a:p>
           <a:p>
             <a:r>
-              <a:rPr lang="en-US" dirty="0"/>
+              <a:rPr lang="en-US"/>
               <a:t>Other approaches?</a:t>
             </a:r>
           </a:p>
           <a:p>
             <a:pPr lvl="1"/>
             <a:r>
-              <a:rPr lang="en-US" dirty="0"/>
+              <a:rPr lang="en-US"/>
               <a:t>Multiple simultaneous connections (</a:t>
             </a:r>
             <a:r>
-              <a:rPr lang="en-US" dirty="0">
+              <a:rPr lang="en-US">
                 <a:solidFill>
                   <a:srgbClr val="0000FF"/>
                 </a:solidFill>
@@ -27274,14 +27295,14 @@
               <a:t>hack but works today</a:t>
             </a:r>
             <a:r>
-              <a:rPr lang="en-US" dirty="0"/>
+              <a:rPr lang="en-US"/>
               <a:t>)</a:t>
             </a:r>
           </a:p>
           <a:p>
             <a:pPr lvl="1"/>
             <a:r>
-              <a:rPr lang="en-US" dirty="0"/>
+              <a:rPr lang="en-US"/>
               <a:t>Router-assisted approaches </a:t>
             </a:r>
           </a:p>
@@ -27551,14 +27572,14 @@
           <a:lstStyle/>
           <a:p>
             <a:r>
-              <a:rPr lang="en-US" dirty="0"/>
+              <a:rPr lang="en-US"/>
               <a:t>Implications (3): </a:t>
             </a:r>
             <a:br>
-              <a:rPr lang="en-US" dirty="0"/>
+              <a:rPr lang="en-US"/>
             </a:br>
             <a:r>
-              <a:rPr lang="en-US" dirty="0"/>
+              <a:rPr lang="en-US"/>
               <a:t>Rate-based CC</a:t>
             </a:r>
           </a:p>
@@ -27580,23 +27601,23 @@
           <a:lstStyle/>
           <a:p>
             <a:r>
-              <a:rPr lang="en-US" dirty="0"/>
+              <a:rPr lang="en-US"/>
               <a:t>TCP throughput is swings between W/2 to W</a:t>
             </a:r>
           </a:p>
           <a:p>
             <a:r>
-              <a:rPr lang="en-US" dirty="0"/>
+              <a:rPr lang="en-US"/>
               <a:t>Apps may prefer steady rates (e.g., streaming)</a:t>
             </a:r>
           </a:p>
           <a:p>
             <a:r>
-              <a:rPr lang="en-US" dirty="0"/>
+              <a:rPr lang="en-US"/>
               <a:t>“</a:t>
             </a:r>
             <a:r>
-              <a:rPr lang="en-US" dirty="0">
+              <a:rPr lang="en-US">
                 <a:solidFill>
                   <a:srgbClr val="0000FF"/>
                 </a:solidFill>
@@ -27604,47 +27625,47 @@
               <a:t>Equation-Based Congestion Control</a:t>
             </a:r>
             <a:r>
-              <a:rPr lang="en-US" dirty="0"/>
+              <a:rPr lang="en-US"/>
               <a:t>” </a:t>
             </a:r>
           </a:p>
           <a:p>
             <a:pPr lvl="1"/>
             <a:r>
-              <a:rPr lang="en-US" dirty="0"/>
+              <a:rPr lang="en-US"/>
               <a:t>Ignore TCP’s increase/decrease rules and just follow the equation</a:t>
             </a:r>
           </a:p>
           <a:p>
             <a:pPr lvl="1"/>
             <a:r>
-              <a:rPr lang="en-US" dirty="0"/>
+              <a:rPr lang="en-US"/>
               <a:t>Measure drop percentage p, and set rate accordingly</a:t>
             </a:r>
           </a:p>
           <a:p>
             <a:r>
-              <a:rPr lang="en-US" dirty="0"/>
+              <a:rPr lang="en-US"/>
               <a:t>Following the TCP equation ensures “TCP friendliness”</a:t>
             </a:r>
           </a:p>
           <a:p>
             <a:pPr lvl="1"/>
             <a:r>
-              <a:rPr lang="en-US" dirty="0"/>
+              <a:rPr lang="en-US"/>
               <a:t>i.e., use no more than TCP does in similar setting</a:t>
             </a:r>
           </a:p>
           <a:p>
-            <a:endParaRPr lang="en-US" dirty="0"/>
+            <a:endParaRPr lang="en-US"/>
           </a:p>
           <a:p>
             <a:pPr lvl="1"/>
-            <a:endParaRPr lang="en-US" dirty="0"/>
+            <a:endParaRPr lang="en-US"/>
           </a:p>
           <a:p>
             <a:pPr lvl="1"/>
-            <a:endParaRPr lang="en-US" dirty="0"/>
+            <a:endParaRPr lang="en-US"/>
           </a:p>
         </p:txBody>
       </p:sp>
@@ -27679,7 +27700,7 @@
                   <p:embed/>
                   <p:pic>
                     <p:nvPicPr>
-                      <p:cNvPr id="0" name=""/>
+                      <p:cNvPr id="7" name="Object 6"/>
                       <p:cNvPicPr>
                         <a:picLocks noChangeAspect="1" noChangeArrowheads="1"/>
                       </p:cNvPicPr>
@@ -28154,14 +28175,14 @@
           <a:lstStyle/>
           <a:p>
             <a:r>
-              <a:rPr lang="en-US" dirty="0"/>
+              <a:rPr lang="en-US"/>
               <a:t>Implications (4): </a:t>
             </a:r>
             <a:br>
-              <a:rPr lang="en-US" dirty="0"/>
+              <a:rPr lang="en-US"/>
             </a:br>
             <a:r>
-              <a:rPr lang="en-US" dirty="0"/>
+              <a:rPr lang="en-US"/>
               <a:t>Loss not due to congestion?</a:t>
             </a:r>
           </a:p>
@@ -28183,40 +28204,40 @@
           <a:lstStyle/>
           <a:p>
             <a:r>
-              <a:rPr lang="en-US" dirty="0"/>
+              <a:rPr lang="en-US"/>
               <a:t>TCP will confuse corruption with congestion</a:t>
             </a:r>
           </a:p>
           <a:p>
             <a:r>
-              <a:rPr lang="en-US" dirty="0"/>
+              <a:rPr lang="en-US"/>
               <a:t>Flow will cut its rate</a:t>
             </a:r>
           </a:p>
           <a:p>
             <a:pPr lvl="1"/>
             <a:r>
-              <a:rPr lang="en-US" dirty="0"/>
+              <a:rPr lang="en-US"/>
               <a:t>Throughput ~ 1/</a:t>
             </a:r>
             <a:r>
-              <a:rPr lang="en-US" dirty="0" err="1"/>
+              <a:rPr lang="en-US" err="1"/>
               <a:t>sqrt</a:t>
             </a:r>
             <a:r>
-              <a:rPr lang="en-US" dirty="0"/>
+              <a:rPr lang="en-US"/>
               <a:t>(p) where p is loss prob.</a:t>
             </a:r>
           </a:p>
           <a:p>
             <a:pPr lvl="1"/>
             <a:r>
-              <a:rPr lang="en-US" dirty="0"/>
+              <a:rPr lang="en-US"/>
               <a:t>Applies even for non-congestion losses!</a:t>
             </a:r>
           </a:p>
           <a:p>
-            <a:endParaRPr lang="en-US" dirty="0"/>
+            <a:endParaRPr lang="en-US"/>
           </a:p>
         </p:txBody>
       </p:sp>
@@ -28533,14 +28554,14 @@
           <a:lstStyle/>
           <a:p>
             <a:r>
-              <a:rPr lang="en-US" dirty="0"/>
+              <a:rPr lang="en-US"/>
               <a:t>Implications (5): </a:t>
             </a:r>
             <a:br>
-              <a:rPr lang="en-US" dirty="0"/>
+              <a:rPr lang="en-US"/>
             </a:br>
             <a:r>
-              <a:rPr lang="en-US" dirty="0"/>
+              <a:rPr lang="en-US"/>
               <a:t>Short flows cannot ramp up</a:t>
             </a:r>
           </a:p>
@@ -28627,7 +28648,7 @@
           </a:p>
           <a:p>
             <a:pPr lvl="1"/>
-            <a:endParaRPr lang="en-US" dirty="0">
+            <a:endParaRPr lang="en-US">
               <a:sym typeface="Wingdings"/>
             </a:endParaRPr>
           </a:p>
@@ -29039,14 +29060,14 @@
           <a:lstStyle/>
           <a:p>
             <a:r>
-              <a:rPr lang="en-US" dirty="0"/>
+              <a:rPr lang="en-US"/>
               <a:t>Implications (6): </a:t>
             </a:r>
             <a:br>
-              <a:rPr lang="en-US" dirty="0"/>
+              <a:rPr lang="en-US"/>
             </a:br>
             <a:r>
-              <a:rPr lang="en-US" dirty="0"/>
+              <a:rPr lang="en-US"/>
               <a:t>Short flows share long delays</a:t>
             </a:r>
           </a:p>
@@ -29068,34 +29089,34 @@
           <a:lstStyle/>
           <a:p>
             <a:r>
-              <a:rPr lang="en-US" dirty="0"/>
+              <a:rPr lang="en-US"/>
               <a:t>A flow deliberately overshoots capacity, until it experiences a drop</a:t>
             </a:r>
           </a:p>
           <a:p>
             <a:r>
-              <a:rPr lang="en-US" dirty="0"/>
+              <a:rPr lang="en-US"/>
               <a:t>Means that delays are large, and are large for everyone</a:t>
             </a:r>
           </a:p>
           <a:p>
             <a:pPr lvl="1"/>
             <a:r>
-              <a:rPr lang="en-US" dirty="0"/>
+              <a:rPr lang="en-US"/>
               <a:t>Consider a flow transferring a 10GB file sharing a  </a:t>
             </a:r>
             <a:br>
-              <a:rPr lang="en-US" dirty="0"/>
+              <a:rPr lang="en-US"/>
             </a:br>
             <a:r>
-              <a:rPr lang="en-US" dirty="0"/>
+              <a:rPr lang="en-US"/>
               <a:t>bottleneck link with 10 flows transferring 100B</a:t>
             </a:r>
           </a:p>
           <a:p>
             <a:pPr lvl="1"/>
             <a:r>
-              <a:rPr lang="en-US" dirty="0">
+              <a:rPr lang="en-US">
                 <a:solidFill>
                   <a:srgbClr val="0000FF"/>
                 </a:solidFill>
@@ -29104,11 +29125,11 @@
             </a:r>
           </a:p>
           <a:p>
-            <a:endParaRPr lang="en-US" dirty="0"/>
+            <a:endParaRPr lang="en-US"/>
           </a:p>
           <a:p>
             <a:pPr lvl="3"/>
-            <a:endParaRPr lang="en-US" dirty="0"/>
+            <a:endParaRPr lang="en-US"/>
           </a:p>
         </p:txBody>
       </p:sp>
@@ -29419,14 +29440,14 @@
           <a:lstStyle/>
           <a:p>
             <a:r>
-              <a:rPr lang="en-US" dirty="0"/>
+              <a:rPr lang="en-US"/>
               <a:t>Implications (7): </a:t>
             </a:r>
             <a:br>
-              <a:rPr lang="en-US" dirty="0"/>
+              <a:rPr lang="en-US"/>
             </a:br>
             <a:r>
-              <a:rPr lang="en-US" dirty="0"/>
+              <a:rPr lang="en-US"/>
               <a:t>Cheating</a:t>
             </a:r>
           </a:p>
@@ -29448,20 +29469,20 @@
           <a:lstStyle/>
           <a:p>
             <a:r>
-              <a:rPr lang="en-US" dirty="0"/>
+              <a:rPr lang="en-US"/>
               <a:t>Three easy ways to cheat</a:t>
             </a:r>
           </a:p>
           <a:p>
             <a:pPr lvl="1"/>
             <a:r>
-              <a:rPr lang="en-US" dirty="0"/>
+              <a:rPr lang="en-US"/>
               <a:t>Increasing CWND faster than +1 MSS per RTT</a:t>
             </a:r>
           </a:p>
           <a:p>
             <a:pPr lvl="1"/>
-            <a:endParaRPr lang="en-US" dirty="0"/>
+            <a:endParaRPr lang="en-US"/>
           </a:p>
         </p:txBody>
       </p:sp>
@@ -29595,7 +29616,6 @@
               <a:rPr lang="en-US"/>
               <a:t>Cheating</a:t>
             </a:r>
-            <a:endParaRPr lang="en-US" dirty="0"/>
           </a:p>
         </p:txBody>
       </p:sp>
@@ -29615,28 +29635,28 @@
           <a:lstStyle/>
           <a:p>
             <a:r>
-              <a:rPr lang="en-US" dirty="0"/>
+              <a:rPr lang="en-US"/>
               <a:t>Three easy ways to cheat</a:t>
             </a:r>
           </a:p>
           <a:p>
             <a:pPr lvl="1"/>
             <a:r>
-              <a:rPr lang="en-US" dirty="0"/>
+              <a:rPr lang="en-US"/>
               <a:t>Increasing CWND faster than +1 MSS per RTT</a:t>
             </a:r>
           </a:p>
           <a:p>
             <a:pPr lvl="1"/>
             <a:r>
-              <a:rPr lang="en-US" dirty="0"/>
+              <a:rPr lang="en-US"/>
               <a:t>Using large initial CWND</a:t>
             </a:r>
           </a:p>
           <a:p>
             <a:pPr lvl="2"/>
             <a:r>
-              <a:rPr lang="en-US" dirty="0"/>
+              <a:rPr lang="en-US"/>
               <a:t>Common practice by many companies</a:t>
             </a:r>
           </a:p>
@@ -29835,14 +29855,14 @@
           <a:lstStyle/>
           <a:p>
             <a:r>
-              <a:rPr lang="en-US" dirty="0"/>
+              <a:rPr lang="en-US"/>
               <a:t>Implications (7): </a:t>
             </a:r>
             <a:br>
-              <a:rPr lang="en-US" dirty="0"/>
+              <a:rPr lang="en-US"/>
             </a:br>
             <a:r>
-              <a:rPr lang="en-US" dirty="0"/>
+              <a:rPr lang="en-US"/>
               <a:t>Cheating</a:t>
             </a:r>
           </a:p>
@@ -29864,41 +29884,41 @@
           <a:lstStyle/>
           <a:p>
             <a:r>
-              <a:rPr lang="en-US" dirty="0"/>
+              <a:rPr lang="en-US"/>
               <a:t>Three easy ways to cheat</a:t>
             </a:r>
           </a:p>
           <a:p>
             <a:pPr lvl="1"/>
             <a:r>
-              <a:rPr lang="en-US" dirty="0"/>
+              <a:rPr lang="en-US"/>
               <a:t>Increasing CWND faster than +1 MSS per RTT</a:t>
             </a:r>
           </a:p>
           <a:p>
             <a:pPr lvl="1"/>
             <a:r>
-              <a:rPr lang="en-US" dirty="0"/>
+              <a:rPr lang="en-US"/>
               <a:t>Using large initial CWND</a:t>
             </a:r>
           </a:p>
           <a:p>
             <a:pPr lvl="2"/>
             <a:r>
-              <a:rPr lang="en-US" dirty="0"/>
+              <a:rPr lang="en-US"/>
               <a:t>Common practice by many companies</a:t>
             </a:r>
           </a:p>
           <a:p>
             <a:pPr lvl="1"/>
             <a:r>
-              <a:rPr lang="en-US" dirty="0"/>
+              <a:rPr lang="en-US"/>
               <a:t>Opening many connections</a:t>
             </a:r>
           </a:p>
           <a:p>
             <a:pPr lvl="1"/>
-            <a:endParaRPr lang="en-US" dirty="0"/>
+            <a:endParaRPr lang="en-US"/>
           </a:p>
         </p:txBody>
       </p:sp>
@@ -30022,7 +30042,7 @@
           <a:lstStyle/>
           <a:p>
             <a:r>
-              <a:rPr lang="en-US" dirty="0"/>
+              <a:rPr lang="en-US"/>
               <a:t>Open many connections</a:t>
             </a:r>
           </a:p>
@@ -30043,47 +30063,47 @@
           <a:bodyPr/>
           <a:lstStyle/>
           <a:p>
-            <a:endParaRPr lang="en-US" dirty="0"/>
-          </a:p>
-          <a:p>
-            <a:endParaRPr lang="en-US" dirty="0"/>
-          </a:p>
-          <a:p>
-            <a:endParaRPr lang="en-US" dirty="0"/>
-          </a:p>
-          <a:p>
-            <a:r>
-              <a:rPr lang="en-US" dirty="0"/>
+            <a:endParaRPr lang="en-US"/>
+          </a:p>
+          <a:p>
+            <a:endParaRPr lang="en-US"/>
+          </a:p>
+          <a:p>
+            <a:endParaRPr lang="en-US"/>
+          </a:p>
+          <a:p>
+            <a:r>
+              <a:rPr lang="en-US"/>
               <a:t>Assume </a:t>
             </a:r>
           </a:p>
           <a:p>
             <a:pPr lvl="1"/>
             <a:r>
-              <a:rPr lang="en-US" dirty="0"/>
+              <a:rPr lang="en-US"/>
               <a:t>A starts 10 connections to B</a:t>
             </a:r>
           </a:p>
           <a:p>
             <a:pPr lvl="1"/>
             <a:r>
-              <a:rPr lang="en-US" dirty="0"/>
+              <a:rPr lang="en-US"/>
               <a:t>D starts 1 connection to E</a:t>
             </a:r>
           </a:p>
           <a:p>
             <a:pPr lvl="1"/>
             <a:r>
-              <a:rPr lang="en-US" dirty="0"/>
+              <a:rPr lang="en-US"/>
               <a:t>Each connection gets about the same throughput</a:t>
             </a:r>
           </a:p>
           <a:p>
-            <a:endParaRPr lang="en-US" dirty="0"/>
-          </a:p>
-          <a:p>
-            <a:r>
-              <a:rPr lang="en-US" dirty="0">
+            <a:endParaRPr lang="en-US"/>
+          </a:p>
+          <a:p>
+            <a:r>
+              <a:rPr lang="en-US">
                 <a:solidFill>
                   <a:srgbClr val="0000FF"/>
                 </a:solidFill>
@@ -30115,14 +30135,14 @@
           </a:ln>
           <a:extLst>
             <a:ext uri="{909E8E84-426E-40dd-AFC4-6F175D3DCCD1}">
-              <a14:hiddenFill xmlns="" xmlns:a14="http://schemas.microsoft.com/office/drawing/2010/main">
+              <a14:hiddenFill xmlns:a14="http://schemas.microsoft.com/office/drawing/2010/main" xmlns="">
                 <a:solidFill>
                   <a:srgbClr val="FFFFFF"/>
                 </a:solidFill>
               </a14:hiddenFill>
             </a:ext>
             <a:ext uri="{91240B29-F687-4f45-9708-019B960494DF}">
-              <a14:hiddenLine xmlns="" xmlns:a14="http://schemas.microsoft.com/office/drawing/2010/main" w="9525">
+              <a14:hiddenLine xmlns:a14="http://schemas.microsoft.com/office/drawing/2010/main" xmlns="" w="9525">
                 <a:solidFill>
                   <a:srgbClr val="000000"/>
                 </a:solidFill>
@@ -30187,7 +30207,7 @@
             <a:effectLst/>
             <a:extLst>
               <a:ext uri="{AF507438-7753-43e0-B8FC-AC1667EBCBE1}">
-                <a14:hiddenEffects xmlns="" xmlns:a14="http://schemas.microsoft.com/office/drawing/2010/main">
+                <a14:hiddenEffects xmlns:a14="http://schemas.microsoft.com/office/drawing/2010/main" xmlns="">
                   <a:effectLst>
                     <a:outerShdw blurRad="63500" dist="38099" dir="2700000" algn="ctr" rotWithShape="0">
                       <a:schemeClr val="bg2">
@@ -30246,7 +30266,7 @@
             <a:effectLst/>
             <a:extLst>
               <a:ext uri="{AF507438-7753-43e0-B8FC-AC1667EBCBE1}">
-                <a14:hiddenEffects xmlns="" xmlns:a14="http://schemas.microsoft.com/office/drawing/2010/main">
+                <a14:hiddenEffects xmlns:a14="http://schemas.microsoft.com/office/drawing/2010/main" xmlns="">
                   <a:effectLst>
                     <a:outerShdw blurRad="63500" dist="38099" dir="2700000" algn="ctr" rotWithShape="0">
                       <a:schemeClr val="bg2">
@@ -30301,7 +30321,7 @@
             <a:effectLst/>
             <a:extLst>
               <a:ext uri="{AF507438-7753-43e0-B8FC-AC1667EBCBE1}">
-                <a14:hiddenEffects xmlns="" xmlns:a14="http://schemas.microsoft.com/office/drawing/2010/main">
+                <a14:hiddenEffects xmlns:a14="http://schemas.microsoft.com/office/drawing/2010/main" xmlns="">
                   <a:effectLst>
                     <a:outerShdw blurRad="63500" dist="38099" dir="2700000" algn="ctr" rotWithShape="0">
                       <a:schemeClr val="bg2">
@@ -30358,12 +30378,12 @@
             <a:effectLst/>
             <a:extLst>
               <a:ext uri="{909E8E84-426E-40dd-AFC4-6F175D3DCCD1}">
-                <a14:hiddenFill xmlns="" xmlns:a14="http://schemas.microsoft.com/office/drawing/2010/main">
+                <a14:hiddenFill xmlns:a14="http://schemas.microsoft.com/office/drawing/2010/main" xmlns="">
                   <a:noFill/>
                 </a14:hiddenFill>
               </a:ext>
               <a:ext uri="{AF507438-7753-43e0-B8FC-AC1667EBCBE1}">
-                <a14:hiddenEffects xmlns="" xmlns:a14="http://schemas.microsoft.com/office/drawing/2010/main">
+                <a14:hiddenEffects xmlns:a14="http://schemas.microsoft.com/office/drawing/2010/main" xmlns="">
                   <a:effectLst>
                     <a:outerShdw blurRad="63500" dist="38099" dir="2700000" algn="ctr" rotWithShape="0">
                       <a:schemeClr val="bg2">
@@ -30416,12 +30436,12 @@
             <a:effectLst/>
             <a:extLst>
               <a:ext uri="{909E8E84-426E-40dd-AFC4-6F175D3DCCD1}">
-                <a14:hiddenFill xmlns="" xmlns:a14="http://schemas.microsoft.com/office/drawing/2010/main">
+                <a14:hiddenFill xmlns:a14="http://schemas.microsoft.com/office/drawing/2010/main" xmlns="">
                   <a:noFill/>
                 </a14:hiddenFill>
               </a:ext>
               <a:ext uri="{AF507438-7753-43e0-B8FC-AC1667EBCBE1}">
-                <a14:hiddenEffects xmlns="" xmlns:a14="http://schemas.microsoft.com/office/drawing/2010/main">
+                <a14:hiddenEffects xmlns:a14="http://schemas.microsoft.com/office/drawing/2010/main" xmlns="">
                   <a:effectLst>
                     <a:outerShdw blurRad="63500" dist="38099" dir="2700000" algn="ctr" rotWithShape="0">
                       <a:schemeClr val="bg2">
@@ -30469,14 +30489,14 @@
             <a:effectLst/>
             <a:extLst>
               <a:ext uri="{909E8E84-426E-40dd-AFC4-6F175D3DCCD1}">
-                <a14:hiddenFill xmlns="" xmlns:a14="http://schemas.microsoft.com/office/drawing/2010/main">
+                <a14:hiddenFill xmlns:a14="http://schemas.microsoft.com/office/drawing/2010/main" xmlns="">
                   <a:solidFill>
                     <a:schemeClr val="accent1"/>
                   </a:solidFill>
                 </a14:hiddenFill>
               </a:ext>
               <a:ext uri="{91240B29-F687-4f45-9708-019B960494DF}">
-                <a14:hiddenLine xmlns="" xmlns:a14="http://schemas.microsoft.com/office/drawing/2010/main" w="9525">
+                <a14:hiddenLine xmlns:a14="http://schemas.microsoft.com/office/drawing/2010/main" xmlns="" w="9525">
                   <a:solidFill>
                     <a:schemeClr val="tx1"/>
                   </a:solidFill>
@@ -30486,7 +30506,7 @@
                 </a14:hiddenLine>
               </a:ext>
               <a:ext uri="{AF507438-7753-43e0-B8FC-AC1667EBCBE1}">
-                <a14:hiddenEffects xmlns="" xmlns:a14="http://schemas.microsoft.com/office/drawing/2010/main">
+                <a14:hiddenEffects xmlns:a14="http://schemas.microsoft.com/office/drawing/2010/main" xmlns="">
                   <a:effectLst>
                     <a:outerShdw blurRad="63500" dist="38099" dir="2700000" algn="ctr" rotWithShape="0">
                       <a:schemeClr val="bg2">
@@ -30641,14 +30661,14 @@
             <a:effectLst/>
             <a:extLst>
               <a:ext uri="{909E8E84-426E-40dd-AFC4-6F175D3DCCD1}">
-                <a14:hiddenFill xmlns="" xmlns:a14="http://schemas.microsoft.com/office/drawing/2010/main">
+                <a14:hiddenFill xmlns:a14="http://schemas.microsoft.com/office/drawing/2010/main" xmlns="">
                   <a:solidFill>
                     <a:schemeClr val="accent1"/>
                   </a:solidFill>
                 </a14:hiddenFill>
               </a:ext>
               <a:ext uri="{91240B29-F687-4f45-9708-019B960494DF}">
-                <a14:hiddenLine xmlns="" xmlns:a14="http://schemas.microsoft.com/office/drawing/2010/main" w="9525">
+                <a14:hiddenLine xmlns:a14="http://schemas.microsoft.com/office/drawing/2010/main" xmlns="" w="9525">
                   <a:solidFill>
                     <a:schemeClr val="tx1"/>
                   </a:solidFill>
@@ -30658,7 +30678,7 @@
                 </a14:hiddenLine>
               </a:ext>
               <a:ext uri="{AF507438-7753-43e0-B8FC-AC1667EBCBE1}">
-                <a14:hiddenEffects xmlns="" xmlns:a14="http://schemas.microsoft.com/office/drawing/2010/main">
+                <a14:hiddenEffects xmlns:a14="http://schemas.microsoft.com/office/drawing/2010/main" xmlns="">
                   <a:effectLst>
                     <a:outerShdw blurRad="63500" dist="38099" dir="2700000" algn="ctr" rotWithShape="0">
                       <a:schemeClr val="bg2">
@@ -30826,7 +30846,7 @@
             <a:effectLst/>
             <a:extLst>
               <a:ext uri="{AF507438-7753-43e0-B8FC-AC1667EBCBE1}">
-                <a14:hiddenEffects xmlns="" xmlns:a14="http://schemas.microsoft.com/office/drawing/2010/main">
+                <a14:hiddenEffects xmlns:a14="http://schemas.microsoft.com/office/drawing/2010/main" xmlns="">
                   <a:effectLst>
                     <a:outerShdw blurRad="63500" dist="38099" dir="2700000" algn="ctr" rotWithShape="0">
                       <a:schemeClr val="bg2">
@@ -30885,7 +30905,7 @@
             <a:effectLst/>
             <a:extLst>
               <a:ext uri="{AF507438-7753-43e0-B8FC-AC1667EBCBE1}">
-                <a14:hiddenEffects xmlns="" xmlns:a14="http://schemas.microsoft.com/office/drawing/2010/main">
+                <a14:hiddenEffects xmlns:a14="http://schemas.microsoft.com/office/drawing/2010/main" xmlns="">
                   <a:effectLst>
                     <a:outerShdw blurRad="63500" dist="38099" dir="2700000" algn="ctr" rotWithShape="0">
                       <a:schemeClr val="bg2">
@@ -30942,12 +30962,12 @@
             <a:effectLst/>
             <a:extLst>
               <a:ext uri="{909E8E84-426E-40dd-AFC4-6F175D3DCCD1}">
-                <a14:hiddenFill xmlns="" xmlns:a14="http://schemas.microsoft.com/office/drawing/2010/main">
+                <a14:hiddenFill xmlns:a14="http://schemas.microsoft.com/office/drawing/2010/main" xmlns="">
                   <a:noFill/>
                 </a14:hiddenFill>
               </a:ext>
               <a:ext uri="{AF507438-7753-43e0-B8FC-AC1667EBCBE1}">
-                <a14:hiddenEffects xmlns="" xmlns:a14="http://schemas.microsoft.com/office/drawing/2010/main">
+                <a14:hiddenEffects xmlns:a14="http://schemas.microsoft.com/office/drawing/2010/main" xmlns="">
                   <a:effectLst>
                     <a:outerShdw blurRad="63500" dist="38099" dir="2700000" algn="ctr" rotWithShape="0">
                       <a:schemeClr val="bg2">
@@ -31000,12 +31020,12 @@
             <a:effectLst/>
             <a:extLst>
               <a:ext uri="{909E8E84-426E-40dd-AFC4-6F175D3DCCD1}">
-                <a14:hiddenFill xmlns="" xmlns:a14="http://schemas.microsoft.com/office/drawing/2010/main">
+                <a14:hiddenFill xmlns:a14="http://schemas.microsoft.com/office/drawing/2010/main" xmlns="">
                   <a:noFill/>
                 </a14:hiddenFill>
               </a:ext>
               <a:ext uri="{AF507438-7753-43e0-B8FC-AC1667EBCBE1}">
-                <a14:hiddenEffects xmlns="" xmlns:a14="http://schemas.microsoft.com/office/drawing/2010/main">
+                <a14:hiddenEffects xmlns:a14="http://schemas.microsoft.com/office/drawing/2010/main" xmlns="">
                   <a:effectLst>
                     <a:outerShdw blurRad="63500" dist="38099" dir="2700000" algn="ctr" rotWithShape="0">
                       <a:schemeClr val="bg2">
@@ -31053,14 +31073,14 @@
             <a:effectLst/>
             <a:extLst>
               <a:ext uri="{909E8E84-426E-40dd-AFC4-6F175D3DCCD1}">
-                <a14:hiddenFill xmlns="" xmlns:a14="http://schemas.microsoft.com/office/drawing/2010/main">
+                <a14:hiddenFill xmlns:a14="http://schemas.microsoft.com/office/drawing/2010/main" xmlns="">
                   <a:solidFill>
                     <a:schemeClr val="accent1"/>
                   </a:solidFill>
                 </a14:hiddenFill>
               </a:ext>
               <a:ext uri="{91240B29-F687-4f45-9708-019B960494DF}">
-                <a14:hiddenLine xmlns="" xmlns:a14="http://schemas.microsoft.com/office/drawing/2010/main" w="9525">
+                <a14:hiddenLine xmlns:a14="http://schemas.microsoft.com/office/drawing/2010/main" xmlns="" w="9525">
                   <a:solidFill>
                     <a:schemeClr val="tx1"/>
                   </a:solidFill>
@@ -31070,7 +31090,7 @@
                 </a14:hiddenLine>
               </a:ext>
               <a:ext uri="{AF507438-7753-43e0-B8FC-AC1667EBCBE1}">
-                <a14:hiddenEffects xmlns="" xmlns:a14="http://schemas.microsoft.com/office/drawing/2010/main">
+                <a14:hiddenEffects xmlns:a14="http://schemas.microsoft.com/office/drawing/2010/main" xmlns="">
                   <a:effectLst>
                     <a:outerShdw blurRad="63500" dist="38099" dir="2700000" algn="ctr" rotWithShape="0">
                       <a:schemeClr val="bg2">
@@ -31225,14 +31245,14 @@
             <a:effectLst/>
             <a:extLst>
               <a:ext uri="{909E8E84-426E-40dd-AFC4-6F175D3DCCD1}">
-                <a14:hiddenFill xmlns="" xmlns:a14="http://schemas.microsoft.com/office/drawing/2010/main">
+                <a14:hiddenFill xmlns:a14="http://schemas.microsoft.com/office/drawing/2010/main" xmlns="">
                   <a:solidFill>
                     <a:schemeClr val="accent1"/>
                   </a:solidFill>
                 </a14:hiddenFill>
               </a:ext>
               <a:ext uri="{91240B29-F687-4f45-9708-019B960494DF}">
-                <a14:hiddenLine xmlns="" xmlns:a14="http://schemas.microsoft.com/office/drawing/2010/main" w="9525">
+                <a14:hiddenLine xmlns:a14="http://schemas.microsoft.com/office/drawing/2010/main" xmlns="" w="9525">
                   <a:solidFill>
                     <a:schemeClr val="tx1"/>
                   </a:solidFill>
@@ -31242,7 +31262,7 @@
                 </a14:hiddenLine>
               </a:ext>
               <a:ext uri="{AF507438-7753-43e0-B8FC-AC1667EBCBE1}">
-                <a14:hiddenEffects xmlns="" xmlns:a14="http://schemas.microsoft.com/office/drawing/2010/main">
+                <a14:hiddenEffects xmlns:a14="http://schemas.microsoft.com/office/drawing/2010/main" xmlns="">
                   <a:effectLst>
                     <a:outerShdw blurRad="63500" dist="38099" dir="2700000" algn="ctr" rotWithShape="0">
                       <a:schemeClr val="bg2">
@@ -31501,14 +31521,14 @@
           <a:lstStyle/>
           <a:p>
             <a:r>
-              <a:rPr lang="en-US" dirty="0"/>
+              <a:rPr lang="en-US"/>
               <a:t>Implications (8): </a:t>
             </a:r>
             <a:br>
-              <a:rPr lang="en-US" dirty="0"/>
+              <a:rPr lang="en-US"/>
             </a:br>
             <a:r>
-              <a:rPr lang="en-US" dirty="0"/>
+              <a:rPr lang="en-US"/>
               <a:t>CC intertwined with reliability</a:t>
             </a:r>
           </a:p>
@@ -31530,66 +31550,61 @@
           <a:lstStyle/>
           <a:p>
             <a:r>
-              <a:rPr lang="en-US" dirty="0"/>
+              <a:rPr lang="en-US"/>
               <a:t>CWND adjusted based on ACKs and timeouts</a:t>
             </a:r>
           </a:p>
           <a:p>
             <a:r>
-              <a:rPr lang="en-US" dirty="0"/>
+              <a:rPr lang="en-US"/>
               <a:t>Cumulative ACKs and fast retransmit/recovery rules</a:t>
             </a:r>
           </a:p>
           <a:p>
             <a:r>
-              <a:rPr lang="en-US" dirty="0"/>
+              <a:rPr lang="en-US"/>
               <a:t>Complicates evolution </a:t>
             </a:r>
           </a:p>
           <a:p>
             <a:pPr lvl="1"/>
             <a:r>
-              <a:rPr lang="en-US" dirty="0"/>
+              <a:rPr lang="en-US"/>
               <a:t>Changing from cumulative to selective ACKs is hard</a:t>
             </a:r>
           </a:p>
           <a:p>
             <a:r>
-              <a:rPr lang="en-US" dirty="0"/>
+              <a:rPr lang="en-US"/>
               <a:t>Sometimes we want CC but not reliability </a:t>
             </a:r>
           </a:p>
           <a:p>
             <a:pPr lvl="1"/>
             <a:r>
-              <a:rPr lang="en-US" dirty="0"/>
+              <a:rPr lang="en-US"/>
               <a:t>e.g., real-time applications</a:t>
             </a:r>
           </a:p>
           <a:p>
             <a:r>
-              <a:rPr lang="en-US" dirty="0"/>
-              <a:t>We may also want </a:t>
-            </a:r>
-            <a:r>
               <a:rPr lang="en-US"/>
-              <a:t>reliability without CC</a:t>
-            </a:r>
-            <a:endParaRPr lang="en-US" dirty="0"/>
+              <a:t>We may also want reliability without CC</a:t>
+            </a:r>
           </a:p>
           <a:p>
             <a:pPr lvl="1"/>
-            <a:endParaRPr lang="en-US" dirty="0"/>
-          </a:p>
-          <a:p>
-            <a:endParaRPr lang="en-US" dirty="0"/>
+            <a:endParaRPr lang="en-US"/>
+          </a:p>
+          <a:p>
+            <a:endParaRPr lang="en-US"/>
           </a:p>
           <a:p>
             <a:pPr lvl="1"/>
-            <a:endParaRPr lang="en-US" dirty="0"/>
-          </a:p>
-          <a:p>
-            <a:endParaRPr lang="en-US" dirty="0"/>
+            <a:endParaRPr lang="en-US"/>
+          </a:p>
+          <a:p>
+            <a:endParaRPr lang="en-US"/>
           </a:p>
         </p:txBody>
       </p:sp>
@@ -32047,7 +32062,7 @@
           <a:lstStyle/>
           <a:p>
             <a:r>
-              <a:rPr lang="en-US" dirty="0"/>
+              <a:rPr lang="en-US"/>
               <a:t>CC Implementation</a:t>
             </a:r>
           </a:p>
@@ -32069,14 +32084,14 @@
           <a:lstStyle/>
           <a:p>
             <a:r>
-              <a:rPr lang="en-US" dirty="0"/>
+              <a:rPr lang="en-US"/>
               <a:t>States at sender</a:t>
             </a:r>
           </a:p>
           <a:p>
             <a:pPr lvl="1"/>
             <a:r>
-              <a:rPr lang="en-US" dirty="0">
+              <a:rPr lang="en-US">
                 <a:solidFill>
                   <a:srgbClr val="0000FF"/>
                 </a:solidFill>
@@ -32084,14 +32099,14 @@
               <a:t>CWND</a:t>
             </a:r>
             <a:r>
-              <a:rPr lang="en-US" dirty="0"/>
+              <a:rPr lang="en-US"/>
               <a:t> (initialized to a small constant)</a:t>
             </a:r>
           </a:p>
           <a:p>
             <a:pPr lvl="1"/>
             <a:r>
-              <a:rPr lang="en-US" dirty="0" err="1">
+              <a:rPr lang="en-US" err="1">
                 <a:solidFill>
                   <a:srgbClr val="0000FF"/>
                 </a:solidFill>
@@ -32099,14 +32114,14 @@
               <a:t>ssthresh</a:t>
             </a:r>
             <a:r>
-              <a:rPr lang="en-US" dirty="0"/>
+              <a:rPr lang="en-US"/>
               <a:t> (initialized to a large constant)</a:t>
             </a:r>
           </a:p>
           <a:p>
             <a:pPr lvl="1"/>
             <a:r>
-              <a:rPr lang="en-US" dirty="0" err="1">
+              <a:rPr lang="en-US" err="1">
                 <a:solidFill>
                   <a:srgbClr val="0000FF"/>
                 </a:solidFill>
@@ -32114,29 +32129,29 @@
               <a:t>dupACKcount</a:t>
             </a:r>
             <a:r>
-              <a:rPr lang="en-US" dirty="0"/>
+              <a:rPr lang="en-US"/>
               <a:t> and </a:t>
             </a:r>
             <a:r>
-              <a:rPr lang="en-US" dirty="0">
+              <a:rPr lang="en-US">
                 <a:solidFill>
                   <a:srgbClr val="0000FF"/>
                 </a:solidFill>
               </a:rPr>
               <a:t>timer</a:t>
             </a:r>
-            <a:endParaRPr lang="en-US" dirty="0"/>
-          </a:p>
-          <a:p>
-            <a:r>
-              <a:rPr lang="en-US" dirty="0"/>
+            <a:endParaRPr lang="en-US"/>
+          </a:p>
+          <a:p>
+            <a:r>
+              <a:rPr lang="en-US"/>
               <a:t>Events </a:t>
             </a:r>
           </a:p>
           <a:p>
             <a:pPr lvl="1"/>
             <a:r>
-              <a:rPr lang="en-US" dirty="0">
+              <a:rPr lang="en-US">
                 <a:solidFill>
                   <a:srgbClr val="0000FF"/>
                 </a:solidFill>
@@ -32144,14 +32159,14 @@
               <a:t>ACK</a:t>
             </a:r>
             <a:r>
-              <a:rPr lang="en-US" dirty="0"/>
+              <a:rPr lang="en-US"/>
               <a:t> (new data) </a:t>
             </a:r>
           </a:p>
           <a:p>
             <a:pPr lvl="1"/>
             <a:r>
-              <a:rPr lang="en-US" dirty="0">
+              <a:rPr lang="en-US">
                 <a:solidFill>
                   <a:srgbClr val="0000FF"/>
                 </a:solidFill>
@@ -32159,14 +32174,14 @@
               <a:t>dupACK</a:t>
             </a:r>
             <a:r>
-              <a:rPr lang="en-US" dirty="0"/>
+              <a:rPr lang="en-US"/>
               <a:t> (duplicate ACK for old data)</a:t>
             </a:r>
           </a:p>
           <a:p>
             <a:pPr lvl="1"/>
             <a:r>
-              <a:rPr lang="en-US" dirty="0">
+              <a:rPr lang="en-US">
                 <a:solidFill>
                   <a:srgbClr val="0000FF"/>
                 </a:solidFill>
@@ -32174,7 +32189,7 @@
               <a:t>Timeout</a:t>
             </a:r>
             <a:r>
-              <a:rPr lang="en-US" dirty="0"/>
+              <a:rPr lang="en-US"/>
               <a:t> </a:t>
             </a:r>
           </a:p>
@@ -32689,7 +32704,6 @@
               <a:rPr lang="en-US"/>
               <a:t>Recap: TCP problems</a:t>
             </a:r>
-            <a:endParaRPr lang="en-US" dirty="0"/>
           </a:p>
         </p:txBody>
       </p:sp>
@@ -32709,54 +32723,54 @@
           <a:lstStyle/>
           <a:p>
             <a:r>
-              <a:rPr lang="en-US" sz="2400" dirty="0"/>
+              <a:rPr lang="en-US" sz="2400"/>
               <a:t>Misled by non-congestion losses</a:t>
             </a:r>
           </a:p>
           <a:p>
             <a:r>
-              <a:rPr lang="en-US" sz="2400" dirty="0"/>
+              <a:rPr lang="en-US" sz="2400"/>
               <a:t>Fills up queues leading to high delays</a:t>
             </a:r>
           </a:p>
           <a:p>
             <a:r>
-              <a:rPr lang="en-US" sz="2400" dirty="0"/>
+              <a:rPr lang="en-US" sz="2400"/>
               <a:t>Short flows complete before discovering available capacity</a:t>
             </a:r>
           </a:p>
           <a:p>
             <a:r>
-              <a:rPr lang="en-US" sz="2400" dirty="0"/>
+              <a:rPr lang="en-US" sz="2400"/>
               <a:t>AIMD impractical for high speed links </a:t>
             </a:r>
           </a:p>
           <a:p>
             <a:r>
-              <a:rPr lang="en-US" sz="2400" dirty="0"/>
+              <a:rPr lang="en-US" sz="2400"/>
               <a:t>Saw tooth discovery too choppy for some apps</a:t>
             </a:r>
           </a:p>
           <a:p>
             <a:r>
-              <a:rPr lang="en-US" sz="2400" dirty="0"/>
+              <a:rPr lang="en-US" sz="2400"/>
               <a:t>Unfair under heterogeneous RTTs</a:t>
             </a:r>
           </a:p>
           <a:p>
             <a:r>
-              <a:rPr lang="en-US" sz="2400" dirty="0"/>
+              <a:rPr lang="en-US" sz="2400"/>
               <a:t>Tight coupling with reliability mechanisms</a:t>
             </a:r>
           </a:p>
           <a:p>
             <a:r>
-              <a:rPr lang="en-US" sz="2400" dirty="0"/>
+              <a:rPr lang="en-US" sz="2400"/>
               <a:t>End hosts can cheat</a:t>
             </a:r>
           </a:p>
           <a:p>
-            <a:endParaRPr lang="en-US" sz="2400" dirty="0"/>
+            <a:endParaRPr lang="en-US" sz="2400"/>
           </a:p>
         </p:txBody>
       </p:sp>
@@ -32867,7 +32881,7 @@
             <a:p>
               <a:pPr algn="ctr"/>
               <a:r>
-                <a:rPr lang="en-US" b="0" dirty="0">
+                <a:rPr lang="en-US" b="0">
                   <a:solidFill>
                     <a:srgbClr val="0000FF"/>
                   </a:solidFill>
@@ -32876,7 +32890,7 @@
                 <a:t>Routers tell endpoints </a:t>
               </a:r>
               <a:br>
-                <a:rPr lang="en-US" b="0" dirty="0">
+                <a:rPr lang="en-US" b="0">
                   <a:solidFill>
                     <a:srgbClr val="0000FF"/>
                   </a:solidFill>
@@ -32884,7 +32898,7 @@
                 </a:rPr>
               </a:br>
               <a:r>
-                <a:rPr lang="en-US" b="0" dirty="0">
+                <a:rPr lang="en-US" b="0">
                   <a:solidFill>
                     <a:srgbClr val="0000FF"/>
                   </a:solidFill>
@@ -33003,7 +33017,7 @@
             <a:p>
               <a:pPr algn="ctr"/>
               <a:r>
-                <a:rPr lang="en-US" b="0" dirty="0">
+                <a:rPr lang="en-US" b="0">
                   <a:solidFill>
                     <a:srgbClr val="0000FF"/>
                   </a:solidFill>
@@ -33012,7 +33026,7 @@
                 <a:t>Routers tell</a:t>
               </a:r>
               <a:br>
-                <a:rPr lang="en-US" b="0" dirty="0">
+                <a:rPr lang="en-US" b="0">
                   <a:solidFill>
                     <a:srgbClr val="0000FF"/>
                   </a:solidFill>
@@ -33020,7 +33034,7 @@
                 </a:rPr>
               </a:br>
               <a:r>
-                <a:rPr lang="en-US" b="0" dirty="0">
+                <a:rPr lang="en-US" b="0">
                   <a:solidFill>
                     <a:srgbClr val="0000FF"/>
                   </a:solidFill>
@@ -33029,7 +33043,7 @@
                 <a:t> endpoints what </a:t>
               </a:r>
               <a:br>
-                <a:rPr lang="en-US" b="0" dirty="0">
+                <a:rPr lang="en-US" b="0">
                   <a:solidFill>
                     <a:srgbClr val="0000FF"/>
                   </a:solidFill>
@@ -33037,7 +33051,7 @@
                 </a:rPr>
               </a:br>
               <a:r>
-                <a:rPr lang="en-US" b="0" dirty="0">
+                <a:rPr lang="en-US" b="0">
                   <a:solidFill>
                     <a:srgbClr val="0000FF"/>
                   </a:solidFill>
@@ -33262,7 +33276,7 @@
           <a:p>
             <a:pPr algn="ctr"/>
             <a:r>
-              <a:rPr lang="en-US" b="0" dirty="0">
+              <a:rPr lang="en-US" b="0">
                 <a:solidFill>
                   <a:srgbClr val="0000FF"/>
                 </a:solidFill>
@@ -33271,7 +33285,7 @@
               <a:t>Routers enforce</a:t>
             </a:r>
             <a:br>
-              <a:rPr lang="en-US" b="0" dirty="0">
+              <a:rPr lang="en-US" b="0">
                 <a:solidFill>
                   <a:srgbClr val="0000FF"/>
                 </a:solidFill>
@@ -33279,7 +33293,7 @@
               </a:rPr>
             </a:br>
             <a:r>
-              <a:rPr lang="en-US" b="0" dirty="0">
+              <a:rPr lang="en-US" b="0">
                 <a:solidFill>
                   <a:srgbClr val="0000FF"/>
                 </a:solidFill>
@@ -33468,7 +33482,7 @@
             <a:lstStyle/>
             <a:p>
               <a:r>
-                <a:rPr lang="en-US" sz="2400" b="0" dirty="0">
+                <a:rPr lang="en-US" sz="2400" b="0">
                   <a:solidFill>
                     <a:srgbClr val="0000FF"/>
                   </a:solidFill>
@@ -34244,7 +34258,7 @@
           <a:lstStyle/>
           <a:p>
             <a:r>
-              <a:rPr lang="en-US" dirty="0"/>
+              <a:rPr lang="en-US"/>
               <a:t>Summary</a:t>
             </a:r>
           </a:p>
@@ -34266,18 +34280,18 @@
           <a:lstStyle/>
           <a:p>
             <a:r>
-              <a:rPr lang="en-US" dirty="0"/>
+              <a:rPr lang="en-US"/>
               <a:t>TCP works even though it has many flaws</a:t>
             </a:r>
           </a:p>
           <a:p>
             <a:r>
-              <a:rPr lang="en-US" dirty="0"/>
+              <a:rPr lang="en-US"/>
               <a:t>Many of them can be fixed via assistance from the network</a:t>
             </a:r>
           </a:p>
           <a:p>
-            <a:endParaRPr lang="en-US" dirty="0"/>
+            <a:endParaRPr lang="en-US"/>
           </a:p>
           <a:p>
             <a:r>
@@ -34286,19 +34300,11 @@
                   <a:srgbClr val="0000FF"/>
                 </a:solidFill>
               </a:rPr>
-              <a:t>Next: </a:t>
-            </a:r>
-            <a:r>
-              <a:rPr lang="en-US" dirty="0">
-                <a:solidFill>
-                  <a:srgbClr val="0000FF"/>
-                </a:solidFill>
-              </a:rPr>
-              <a:t>The Network Layer</a:t>
-            </a:r>
-          </a:p>
-          <a:p>
-            <a:endParaRPr lang="en-US" dirty="0">
+              <a:t>Next: The Network Layer</a:t>
+            </a:r>
+          </a:p>
+          <a:p>
+            <a:endParaRPr lang="en-US">
               <a:solidFill>
                 <a:srgbClr val="0000FF"/>
               </a:solidFill>
@@ -34508,7 +34514,6 @@
               <a:rPr lang="en-US"/>
               <a:t>Event: ACK (new data)</a:t>
             </a:r>
-            <a:endParaRPr lang="en-US" dirty="0"/>
           </a:p>
         </p:txBody>
       </p:sp>
@@ -34549,7 +34554,7 @@
           </a:p>
           <a:p>
             <a:pPr lvl="1"/>
-            <a:endParaRPr lang="en-US" dirty="0"/>
+            <a:endParaRPr lang="en-US"/>
           </a:p>
         </p:txBody>
       </p:sp>
@@ -34649,7 +34654,7 @@
               <a:buChar char="•"/>
             </a:pPr>
             <a:r>
-              <a:rPr lang="en-US" b="0" i="1" dirty="0">
+              <a:rPr lang="en-US" b="0" i="1">
                 <a:latin typeface="+mn-lt"/>
               </a:rPr>
               <a:t>CWND packets per RTT </a:t>
@@ -34661,29 +34666,29 @@
               <a:buChar char="•"/>
             </a:pPr>
             <a:r>
-              <a:rPr lang="en-US" b="0" i="1" dirty="0">
+              <a:rPr lang="en-US" b="0" i="1">
                 <a:latin typeface="+mn-lt"/>
               </a:rPr>
               <a:t>Hence, after one RTT </a:t>
             </a:r>
             <a:br>
-              <a:rPr lang="en-US" b="0" i="1" dirty="0">
+              <a:rPr lang="en-US" b="0" i="1">
                 <a:latin typeface="+mn-lt"/>
               </a:rPr>
             </a:br>
             <a:r>
-              <a:rPr lang="en-US" b="0" i="1" dirty="0">
+              <a:rPr lang="en-US" b="0" i="1">
                 <a:latin typeface="+mn-lt"/>
               </a:rPr>
               <a:t>with no drops:</a:t>
             </a:r>
             <a:br>
-              <a:rPr lang="en-US" b="0" i="1" dirty="0">
+              <a:rPr lang="en-US" b="0" i="1">
                 <a:latin typeface="+mn-lt"/>
               </a:rPr>
             </a:br>
             <a:r>
-              <a:rPr lang="en-US" b="0" i="1" dirty="0">
+              <a:rPr lang="en-US" b="0" i="1">
                 <a:solidFill>
                   <a:srgbClr val="0000FF"/>
                 </a:solidFill>
@@ -34923,7 +34928,6 @@
               <a:rPr lang="en-US"/>
               <a:t>Event: ACK (new data)</a:t>
             </a:r>
-            <a:endParaRPr lang="en-US" dirty="0"/>
           </a:p>
         </p:txBody>
       </p:sp>
@@ -34943,54 +34947,54 @@
           <a:lstStyle/>
           <a:p>
             <a:r>
-              <a:rPr lang="en-US" dirty="0"/>
+              <a:rPr lang="en-US"/>
               <a:t>If CWND &lt; </a:t>
             </a:r>
             <a:r>
-              <a:rPr lang="en-US" dirty="0" err="1"/>
+              <a:rPr lang="en-US" err="1"/>
               <a:t>ssthresh</a:t>
             </a:r>
-            <a:endParaRPr lang="en-US" dirty="0"/>
+            <a:endParaRPr lang="en-US"/>
           </a:p>
           <a:p>
             <a:pPr lvl="1"/>
             <a:r>
-              <a:rPr lang="en-US" dirty="0"/>
+              <a:rPr lang="en-US"/>
               <a:t>CWND += 1</a:t>
             </a:r>
           </a:p>
           <a:p>
             <a:pPr lvl="1"/>
-            <a:endParaRPr lang="en-US" dirty="0"/>
-          </a:p>
-          <a:p>
-            <a:r>
-              <a:rPr lang="en-US" dirty="0"/>
+            <a:endParaRPr lang="en-US"/>
+          </a:p>
+          <a:p>
+            <a:r>
+              <a:rPr lang="en-US"/>
               <a:t>Else </a:t>
             </a:r>
           </a:p>
           <a:p>
             <a:pPr lvl="1"/>
             <a:r>
-              <a:rPr lang="en-US" dirty="0"/>
+              <a:rPr lang="en-US"/>
               <a:t>CWND = CWND + 1/CWND</a:t>
             </a:r>
           </a:p>
           <a:p>
             <a:pPr lvl="1"/>
-            <a:endParaRPr lang="en-US" dirty="0"/>
+            <a:endParaRPr lang="en-US"/>
           </a:p>
           <a:p>
             <a:pPr lvl="1"/>
-            <a:endParaRPr lang="en-US" dirty="0"/>
+            <a:endParaRPr lang="en-US"/>
           </a:p>
           <a:p>
             <a:pPr lvl="1"/>
-            <a:endParaRPr lang="en-US" dirty="0"/>
+            <a:endParaRPr lang="en-US"/>
           </a:p>
           <a:p>
             <a:pPr lvl="1"/>
-            <a:endParaRPr lang="en-US" dirty="0"/>
+            <a:endParaRPr lang="en-US"/>
           </a:p>
         </p:txBody>
       </p:sp>
@@ -35080,7 +35084,7 @@
           <a:lstStyle/>
           <a:p>
             <a:r>
-              <a:rPr lang="en-US" sz="2400" i="1" dirty="0">
+              <a:rPr lang="en-US" sz="2400" i="1">
                 <a:solidFill>
                   <a:srgbClr val="0000FF"/>
                 </a:solidFill>
@@ -35089,7 +35093,7 @@
               <a:t>Slow start </a:t>
             </a:r>
             <a:r>
-              <a:rPr lang="en-US" sz="2400" i="1" dirty="0">
+              <a:rPr lang="en-US" sz="2400" i="1">
                 <a:solidFill>
                   <a:schemeClr val="accent2"/>
                 </a:solidFill>
@@ -35210,7 +35214,7 @@
                 <a:buChar char="•"/>
               </a:pPr>
               <a:r>
-                <a:rPr lang="en-US" b="0" i="1" dirty="0">
+                <a:rPr lang="en-US" b="0" i="1">
                   <a:latin typeface="+mn-lt"/>
                 </a:rPr>
                 <a:t>CWND packets per RTT </a:t>
@@ -35222,29 +35226,29 @@
                 <a:buChar char="•"/>
               </a:pPr>
               <a:r>
-                <a:rPr lang="en-US" b="0" i="1" dirty="0">
+                <a:rPr lang="en-US" b="0" i="1">
                   <a:latin typeface="+mn-lt"/>
                 </a:rPr>
                 <a:t>Hence, after one RTT </a:t>
               </a:r>
               <a:br>
-                <a:rPr lang="en-US" b="0" i="1" dirty="0">
+                <a:rPr lang="en-US" b="0" i="1">
                   <a:latin typeface="+mn-lt"/>
                 </a:rPr>
               </a:br>
               <a:r>
-                <a:rPr lang="en-US" b="0" i="1" dirty="0">
+                <a:rPr lang="en-US" b="0" i="1">
                   <a:latin typeface="+mn-lt"/>
                 </a:rPr>
                 <a:t>with no drops:</a:t>
               </a:r>
               <a:br>
-                <a:rPr lang="en-US" b="0" i="1" dirty="0">
+                <a:rPr lang="en-US" b="0" i="1">
                   <a:latin typeface="+mn-lt"/>
                 </a:rPr>
               </a:br>
               <a:r>
-                <a:rPr lang="en-US" b="0" i="1" dirty="0">
+                <a:rPr lang="en-US" b="0" i="1">
                   <a:solidFill>
                     <a:srgbClr val="0000FF"/>
                   </a:solidFill>
@@ -35343,7 +35347,7 @@
           <a:p>
             <a:pPr algn="l"/>
             <a:r>
-              <a:rPr lang="en-US" sz="2400" i="1" dirty="0">
+              <a:rPr lang="en-US" sz="2400" i="1">
                 <a:solidFill>
                   <a:srgbClr val="0000FF"/>
                 </a:solidFill>
@@ -35352,7 +35356,7 @@
               <a:t>Congestion </a:t>
             </a:r>
             <a:br>
-              <a:rPr lang="en-US" sz="2400" i="1" dirty="0">
+              <a:rPr lang="en-US" sz="2400" i="1">
                 <a:solidFill>
                   <a:srgbClr val="0000FF"/>
                 </a:solidFill>
@@ -35360,7 +35364,7 @@
               </a:rPr>
             </a:br>
             <a:r>
-              <a:rPr lang="en-US" sz="2400" i="1" dirty="0">
+              <a:rPr lang="en-US" sz="2400" i="1">
                 <a:solidFill>
                   <a:srgbClr val="0000FF"/>
                 </a:solidFill>
@@ -35369,7 +35373,7 @@
               <a:t>avoidance</a:t>
             </a:r>
             <a:r>
-              <a:rPr lang="en-US" sz="2400" i="1" dirty="0">
+              <a:rPr lang="en-US" sz="2400" i="1">
                 <a:solidFill>
                   <a:schemeClr val="accent2"/>
                 </a:solidFill>
@@ -35761,7 +35765,6 @@
               <a:rPr lang="en-US"/>
               <a:t>Event: TimeOut</a:t>
             </a:r>
-            <a:endParaRPr lang="en-US" dirty="0"/>
           </a:p>
         </p:txBody>
       </p:sp>
@@ -35781,35 +35784,35 @@
           <a:lstStyle/>
           <a:p>
             <a:r>
-              <a:rPr lang="en-US" dirty="0"/>
+              <a:rPr lang="en-US"/>
               <a:t>On Timeout </a:t>
             </a:r>
           </a:p>
           <a:p>
             <a:pPr lvl="1"/>
             <a:r>
-              <a:rPr lang="en-US" dirty="0" err="1"/>
+              <a:rPr lang="en-US" err="1"/>
               <a:t>ssthresh</a:t>
             </a:r>
             <a:r>
-              <a:rPr lang="en-US" dirty="0"/>
+              <a:rPr lang="en-US"/>
               <a:t> </a:t>
             </a:r>
             <a:r>
-              <a:rPr lang="en-US" dirty="0">
+              <a:rPr lang="en-US">
                 <a:sym typeface="Wingdings"/>
               </a:rPr>
               <a:t></a:t>
             </a:r>
             <a:r>
-              <a:rPr lang="en-US" dirty="0"/>
+              <a:rPr lang="en-US"/>
               <a:t> CWND/2</a:t>
             </a:r>
           </a:p>
           <a:p>
             <a:pPr lvl="1"/>
             <a:r>
-              <a:rPr lang="en-US" dirty="0">
+              <a:rPr lang="en-US">
                 <a:solidFill>
                   <a:srgbClr val="0000FF"/>
                 </a:solidFill>
@@ -35817,7 +35820,7 @@
               <a:t>CWND </a:t>
             </a:r>
             <a:r>
-              <a:rPr lang="en-US" dirty="0">
+              <a:rPr lang="en-US">
                 <a:solidFill>
                   <a:srgbClr val="0000FF"/>
                 </a:solidFill>
@@ -35826,7 +35829,7 @@
               <a:t></a:t>
             </a:r>
             <a:r>
-              <a:rPr lang="en-US" dirty="0">
+              <a:rPr lang="en-US">
                 <a:solidFill>
                   <a:srgbClr val="0000FF"/>
                 </a:solidFill>
@@ -35836,21 +35839,21 @@
           </a:p>
           <a:p>
             <a:pPr lvl="1"/>
-            <a:endParaRPr lang="en-US" dirty="0"/>
-          </a:p>
-          <a:p>
-            <a:endParaRPr lang="en-US" dirty="0"/>
-          </a:p>
-          <a:p>
-            <a:endParaRPr lang="en-US" dirty="0"/>
+            <a:endParaRPr lang="en-US"/>
+          </a:p>
+          <a:p>
+            <a:endParaRPr lang="en-US"/>
+          </a:p>
+          <a:p>
+            <a:endParaRPr lang="en-US"/>
           </a:p>
           <a:p>
             <a:pPr lvl="1"/>
-            <a:endParaRPr lang="en-US" dirty="0"/>
+            <a:endParaRPr lang="en-US"/>
           </a:p>
           <a:p>
             <a:pPr lvl="1"/>
-            <a:endParaRPr lang="en-US" dirty="0"/>
+            <a:endParaRPr lang="en-US"/>
           </a:p>
         </p:txBody>
       </p:sp>
@@ -35974,7 +35977,7 @@
           <a:lstStyle/>
           <a:p>
             <a:r>
-              <a:rPr lang="en-US" dirty="0"/>
+              <a:rPr lang="en-US"/>
               <a:t>Event: dupACK</a:t>
             </a:r>
           </a:p>
@@ -35996,29 +35999,29 @@
           <a:lstStyle/>
           <a:p>
             <a:r>
-              <a:rPr lang="en-US" dirty="0" err="1"/>
+              <a:rPr lang="en-US" err="1"/>
               <a:t>dupACKcount</a:t>
             </a:r>
             <a:r>
-              <a:rPr lang="en-US" dirty="0"/>
+              <a:rPr lang="en-US"/>
               <a:t> ++ </a:t>
             </a:r>
           </a:p>
           <a:p>
             <a:r>
-              <a:rPr lang="en-US" dirty="0"/>
+              <a:rPr lang="en-US"/>
               <a:t>If </a:t>
             </a:r>
             <a:r>
-              <a:rPr lang="en-US" dirty="0" err="1"/>
+              <a:rPr lang="en-US" err="1"/>
               <a:t>dupACKcount</a:t>
             </a:r>
             <a:r>
-              <a:rPr lang="en-US" dirty="0"/>
+              <a:rPr lang="en-US"/>
               <a:t> = 3 </a:t>
             </a:r>
             <a:r>
-              <a:rPr lang="en-US" dirty="0">
+              <a:rPr lang="en-US">
                 <a:solidFill>
                   <a:srgbClr val="0000FF"/>
                 </a:solidFill>
@@ -36029,18 +36032,18 @@
           <a:p>
             <a:pPr lvl="1"/>
             <a:r>
-              <a:rPr lang="en-US" dirty="0" err="1"/>
+              <a:rPr lang="en-US" err="1"/>
               <a:t>ssthresh</a:t>
             </a:r>
             <a:r>
-              <a:rPr lang="en-US" dirty="0"/>
+              <a:rPr lang="en-US"/>
               <a:t> = CWND/2</a:t>
             </a:r>
           </a:p>
           <a:p>
             <a:pPr lvl="1"/>
             <a:r>
-              <a:rPr lang="en-US" dirty="0">
+              <a:rPr lang="en-US">
                 <a:solidFill>
                   <a:srgbClr val="0000FF"/>
                 </a:solidFill>
@@ -36050,11 +36053,11 @@
           </a:p>
           <a:p>
             <a:pPr lvl="1"/>
-            <a:endParaRPr lang="en-US" dirty="0"/>
+            <a:endParaRPr lang="en-US"/>
           </a:p>
           <a:p>
             <a:pPr lvl="1"/>
-            <a:endParaRPr lang="en-US" dirty="0"/>
+            <a:endParaRPr lang="en-US"/>
           </a:p>
         </p:txBody>
       </p:sp>
@@ -36325,7 +36328,6 @@
               <a:rPr lang="en-US"/>
               <a:t>Example</a:t>
             </a:r>
-            <a:endParaRPr lang="en-US" dirty="0"/>
           </a:p>
         </p:txBody>
       </p:sp>
@@ -36397,7 +36399,7 @@
           </a:ln>
           <a:extLst>
             <a:ext uri="{909E8E84-426E-40dd-AFC4-6F175D3DCCD1}">
-              <a14:hiddenFill xmlns="" xmlns:a14="http://schemas.microsoft.com/office/drawing/2010/main">
+              <a14:hiddenFill xmlns:a14="http://schemas.microsoft.com/office/drawing/2010/main" xmlns="">
                 <a:solidFill>
                   <a:srgbClr val="FFFFFF"/>
                 </a:solidFill>
@@ -36507,7 +36509,7 @@
           </a:ln>
           <a:extLst>
             <a:ext uri="{909E8E84-426E-40dd-AFC4-6F175D3DCCD1}">
-              <a14:hiddenFill xmlns="" xmlns:a14="http://schemas.microsoft.com/office/drawing/2010/main">
+              <a14:hiddenFill xmlns:a14="http://schemas.microsoft.com/office/drawing/2010/main" xmlns="">
                 <a:solidFill>
                   <a:srgbClr val="FFFFFF"/>
                 </a:solidFill>
@@ -36545,14 +36547,14 @@
           </a:ln>
           <a:extLst>
             <a:ext uri="{909E8E84-426E-40dd-AFC4-6F175D3DCCD1}">
-              <a14:hiddenFill xmlns="" xmlns:a14="http://schemas.microsoft.com/office/drawing/2010/main">
+              <a14:hiddenFill xmlns:a14="http://schemas.microsoft.com/office/drawing/2010/main" xmlns="">
                 <a:solidFill>
                   <a:srgbClr val="FFFFFF"/>
                 </a:solidFill>
               </a14:hiddenFill>
             </a:ext>
             <a:ext uri="{91240B29-F687-4f45-9708-019B960494DF}">
-              <a14:hiddenLine xmlns="" xmlns:a14="http://schemas.microsoft.com/office/drawing/2010/main" w="9525">
+              <a14:hiddenLine xmlns:a14="http://schemas.microsoft.com/office/drawing/2010/main" xmlns="" w="9525">
                 <a:solidFill>
                   <a:srgbClr val="000000"/>
                 </a:solidFill>
@@ -36708,14 +36710,14 @@
           </a:ln>
           <a:extLst>
             <a:ext uri="{909E8E84-426E-40dd-AFC4-6F175D3DCCD1}">
-              <a14:hiddenFill xmlns="" xmlns:a14="http://schemas.microsoft.com/office/drawing/2010/main">
+              <a14:hiddenFill xmlns:a14="http://schemas.microsoft.com/office/drawing/2010/main" xmlns="">
                 <a:solidFill>
                   <a:srgbClr val="FFFFFF"/>
                 </a:solidFill>
               </a14:hiddenFill>
             </a:ext>
             <a:ext uri="{91240B29-F687-4f45-9708-019B960494DF}">
-              <a14:hiddenLine xmlns="" xmlns:a14="http://schemas.microsoft.com/office/drawing/2010/main" w="9525">
+              <a14:hiddenLine xmlns:a14="http://schemas.microsoft.com/office/drawing/2010/main" xmlns="" w="9525">
                 <a:solidFill>
                   <a:srgbClr val="000000"/>
                 </a:solidFill>
@@ -36871,14 +36873,14 @@
           </a:ln>
           <a:extLst>
             <a:ext uri="{909E8E84-426E-40dd-AFC4-6F175D3DCCD1}">
-              <a14:hiddenFill xmlns="" xmlns:a14="http://schemas.microsoft.com/office/drawing/2010/main">
+              <a14:hiddenFill xmlns:a14="http://schemas.microsoft.com/office/drawing/2010/main" xmlns="">
                 <a:solidFill>
                   <a:srgbClr val="FFFFFF"/>
                 </a:solidFill>
               </a14:hiddenFill>
             </a:ext>
             <a:ext uri="{91240B29-F687-4f45-9708-019B960494DF}">
-              <a14:hiddenLine xmlns="" xmlns:a14="http://schemas.microsoft.com/office/drawing/2010/main" w="9525">
+              <a14:hiddenLine xmlns:a14="http://schemas.microsoft.com/office/drawing/2010/main" xmlns="" w="9525">
                 <a:solidFill>
                   <a:srgbClr val="000000"/>
                 </a:solidFill>
@@ -37004,7 +37006,7 @@
           <a:p>
             <a:pPr algn="ctr"/>
             <a:r>
-              <a:rPr lang="en-US" sz="2400" b="0" dirty="0">
+              <a:rPr lang="en-US" sz="2400" b="0">
                 <a:solidFill>
                   <a:srgbClr val="0000FF"/>
                 </a:solidFill>
@@ -37013,7 +37015,7 @@
               <a:t>Slow-start restart:</a:t>
             </a:r>
             <a:r>
-              <a:rPr lang="en-US" sz="2400" b="0" dirty="0">
+              <a:rPr lang="en-US" sz="2400" b="0">
                 <a:latin typeface="Arial" charset="0"/>
               </a:rPr>
               <a:t> Go back to CWND = 1 MSS, but take advantage of knowing the previous value of CWND</a:t>
@@ -37107,7 +37109,7 @@
           </a:ln>
           <a:extLst>
             <a:ext uri="{909E8E84-426E-40dd-AFC4-6F175D3DCCD1}">
-              <a14:hiddenFill xmlns="" xmlns:a14="http://schemas.microsoft.com/office/drawing/2010/main">
+              <a14:hiddenFill xmlns:a14="http://schemas.microsoft.com/office/drawing/2010/main" xmlns="">
                 <a:solidFill>
                   <a:srgbClr val="FFFFFF"/>
                 </a:solidFill>
@@ -37150,7 +37152,7 @@
           </a:ln>
           <a:extLst>
             <a:ext uri="{909E8E84-426E-40dd-AFC4-6F175D3DCCD1}">
-              <a14:hiddenFill xmlns="" xmlns:a14="http://schemas.microsoft.com/office/drawing/2010/main">
+              <a14:hiddenFill xmlns:a14="http://schemas.microsoft.com/office/drawing/2010/main" xmlns="">
                 <a:noFill/>
               </a14:hiddenFill>
             </a:ext>
@@ -37274,7 +37276,7 @@
             </a:ln>
             <a:extLst>
               <a:ext uri="{909E8E84-426E-40dd-AFC4-6F175D3DCCD1}">
-                <a14:hiddenFill xmlns="" xmlns:a14="http://schemas.microsoft.com/office/drawing/2010/main">
+                <a14:hiddenFill xmlns:a14="http://schemas.microsoft.com/office/drawing/2010/main" xmlns="">
                   <a:solidFill>
                     <a:srgbClr val="FFFFFF"/>
                   </a:solidFill>
@@ -37330,20 +37332,20 @@
             <a:p>
               <a:pPr algn="ctr" eaLnBrk="0" hangingPunct="0"/>
               <a:r>
-                <a:rPr lang="en-US" sz="1600" b="0" dirty="0">
+                <a:rPr lang="en-US" sz="1600" b="0">
                   <a:ea typeface="Arial" charset="0"/>
                   <a:cs typeface="Arial" charset="0"/>
                 </a:rPr>
                 <a:t>Slow start in operation until it reaches half of previous CWND, i.e., </a:t>
               </a:r>
               <a:r>
-                <a:rPr lang="en-US" sz="1600" b="0" i="1" dirty="0">
+                <a:rPr lang="en-US" sz="1600" b="0" i="1">
                   <a:ea typeface="Arial" charset="0"/>
                   <a:cs typeface="Arial" charset="0"/>
                 </a:rPr>
                 <a:t>SSTHRESH</a:t>
               </a:r>
-              <a:endParaRPr lang="en-US" sz="1600" b="0" dirty="0">
+              <a:endParaRPr lang="en-US" sz="1600" b="0">
                 <a:ea typeface="Arial" charset="0"/>
                 <a:cs typeface="Arial" charset="0"/>
               </a:endParaRPr>
@@ -37453,7 +37455,7 @@
             </a:ln>
             <a:extLst>
               <a:ext uri="{909E8E84-426E-40dd-AFC4-6F175D3DCCD1}">
-                <a14:hiddenFill xmlns="" xmlns:a14="http://schemas.microsoft.com/office/drawing/2010/main">
+                <a14:hiddenFill xmlns:a14="http://schemas.microsoft.com/office/drawing/2010/main" xmlns="">
                   <a:solidFill>
                     <a:srgbClr val="FFFFFF"/>
                   </a:solidFill>
@@ -37496,7 +37498,7 @@
             </a:ln>
             <a:extLst>
               <a:ext uri="{909E8E84-426E-40dd-AFC4-6F175D3DCCD1}">
-                <a14:hiddenFill xmlns="" xmlns:a14="http://schemas.microsoft.com/office/drawing/2010/main">
+                <a14:hiddenFill xmlns:a14="http://schemas.microsoft.com/office/drawing/2010/main" xmlns="">
                   <a:noFill/>
                 </a14:hiddenFill>
               </a:ext>
@@ -37537,7 +37539,7 @@
             </a:ln>
             <a:extLst>
               <a:ext uri="{909E8E84-426E-40dd-AFC4-6F175D3DCCD1}">
-                <a14:hiddenFill xmlns="" xmlns:a14="http://schemas.microsoft.com/office/drawing/2010/main">
+                <a14:hiddenFill xmlns:a14="http://schemas.microsoft.com/office/drawing/2010/main" xmlns="">
                   <a:noFill/>
                 </a14:hiddenFill>
               </a:ext>
@@ -37595,7 +37597,7 @@
             </a:ln>
             <a:extLst>
               <a:ext uri="{909E8E84-426E-40dd-AFC4-6F175D3DCCD1}">
-                <a14:hiddenFill xmlns="" xmlns:a14="http://schemas.microsoft.com/office/drawing/2010/main">
+                <a14:hiddenFill xmlns:a14="http://schemas.microsoft.com/office/drawing/2010/main" xmlns="">
                   <a:noFill/>
                 </a14:hiddenFill>
               </a:ext>
@@ -37631,14 +37633,14 @@
             </a:ln>
             <a:extLst>
               <a:ext uri="{909E8E84-426E-40dd-AFC4-6F175D3DCCD1}">
-                <a14:hiddenFill xmlns="" xmlns:a14="http://schemas.microsoft.com/office/drawing/2010/main">
+                <a14:hiddenFill xmlns:a14="http://schemas.microsoft.com/office/drawing/2010/main" xmlns="">
                   <a:solidFill>
                     <a:srgbClr val="FFFFFF"/>
                   </a:solidFill>
                 </a14:hiddenFill>
               </a:ext>
               <a:ext uri="{91240B29-F687-4f45-9708-019B960494DF}">
-                <a14:hiddenLine xmlns="" xmlns:a14="http://schemas.microsoft.com/office/drawing/2010/main" w="38100">
+                <a14:hiddenLine xmlns:a14="http://schemas.microsoft.com/office/drawing/2010/main" xmlns="" w="38100">
                   <a:solidFill>
                     <a:srgbClr val="000000"/>
                   </a:solidFill>
@@ -37799,7 +37801,7 @@
             </a:ln>
             <a:extLst>
               <a:ext uri="{909E8E84-426E-40dd-AFC4-6F175D3DCCD1}">
-                <a14:hiddenFill xmlns="" xmlns:a14="http://schemas.microsoft.com/office/drawing/2010/main">
+                <a14:hiddenFill xmlns:a14="http://schemas.microsoft.com/office/drawing/2010/main" xmlns="">
                   <a:noFill/>
                 </a14:hiddenFill>
               </a:ext>
@@ -37852,14 +37854,14 @@
             </a:ln>
             <a:extLst>
               <a:ext uri="{909E8E84-426E-40dd-AFC4-6F175D3DCCD1}">
-                <a14:hiddenFill xmlns="" xmlns:a14="http://schemas.microsoft.com/office/drawing/2010/main">
+                <a14:hiddenFill xmlns:a14="http://schemas.microsoft.com/office/drawing/2010/main" xmlns="">
                   <a:solidFill>
                     <a:srgbClr val="FFFFFF"/>
                   </a:solidFill>
                 </a14:hiddenFill>
               </a:ext>
               <a:ext uri="{91240B29-F687-4f45-9708-019B960494DF}">
-                <a14:hiddenLine xmlns="" xmlns:a14="http://schemas.microsoft.com/office/drawing/2010/main" w="38100">
+                <a14:hiddenLine xmlns:a14="http://schemas.microsoft.com/office/drawing/2010/main" xmlns="" w="38100">
                   <a:solidFill>
                     <a:srgbClr val="000000"/>
                   </a:solidFill>
@@ -38022,7 +38024,7 @@
             </a:ln>
             <a:extLst>
               <a:ext uri="{909E8E84-426E-40dd-AFC4-6F175D3DCCD1}">
-                <a14:hiddenFill xmlns="" xmlns:a14="http://schemas.microsoft.com/office/drawing/2010/main">
+                <a14:hiddenFill xmlns:a14="http://schemas.microsoft.com/office/drawing/2010/main" xmlns="">
                   <a:noFill/>
                 </a14:hiddenFill>
               </a:ext>
@@ -38058,7 +38060,7 @@
             </a:ln>
             <a:extLst>
               <a:ext uri="{909E8E84-426E-40dd-AFC4-6F175D3DCCD1}">
-                <a14:hiddenFill xmlns="" xmlns:a14="http://schemas.microsoft.com/office/drawing/2010/main">
+                <a14:hiddenFill xmlns:a14="http://schemas.microsoft.com/office/drawing/2010/main" xmlns="">
                   <a:noFill/>
                 </a14:hiddenFill>
               </a:ext>
@@ -38109,7 +38111,7 @@
             </a:ln>
             <a:extLst>
               <a:ext uri="{909E8E84-426E-40dd-AFC4-6F175D3DCCD1}">
-                <a14:hiddenFill xmlns="" xmlns:a14="http://schemas.microsoft.com/office/drawing/2010/main">
+                <a14:hiddenFill xmlns:a14="http://schemas.microsoft.com/office/drawing/2010/main" xmlns="">
                   <a:noFill/>
                 </a14:hiddenFill>
               </a:ext>
@@ -38145,14 +38147,14 @@
             </a:ln>
             <a:extLst>
               <a:ext uri="{909E8E84-426E-40dd-AFC4-6F175D3DCCD1}">
-                <a14:hiddenFill xmlns="" xmlns:a14="http://schemas.microsoft.com/office/drawing/2010/main">
+                <a14:hiddenFill xmlns:a14="http://schemas.microsoft.com/office/drawing/2010/main" xmlns="">
                   <a:solidFill>
                     <a:srgbClr val="FFFFFF"/>
                   </a:solidFill>
                 </a14:hiddenFill>
               </a:ext>
               <a:ext uri="{91240B29-F687-4f45-9708-019B960494DF}">
-                <a14:hiddenLine xmlns="" xmlns:a14="http://schemas.microsoft.com/office/drawing/2010/main" w="38100">
+                <a14:hiddenLine xmlns:a14="http://schemas.microsoft.com/office/drawing/2010/main" xmlns="" w="38100">
                   <a:solidFill>
                     <a:srgbClr val="000000"/>
                   </a:solidFill>
